--- a/Factory/Factory.pptx
+++ b/Factory/Factory.pptx
@@ -5,17 +5,18 @@
     <p:sldMasterId id="2147483648" r:id="rId4"/>
   </p:sldMasterIdLst>
   <p:notesMasterIdLst>
-    <p:notesMasterId r:id="rId13"/>
+    <p:notesMasterId r:id="rId14"/>
   </p:notesMasterIdLst>
   <p:sldIdLst>
     <p:sldId id="256" r:id="rId5"/>
     <p:sldId id="269" r:id="rId6"/>
     <p:sldId id="275" r:id="rId7"/>
     <p:sldId id="277" r:id="rId8"/>
-    <p:sldId id="280" r:id="rId9"/>
-    <p:sldId id="284" r:id="rId10"/>
-    <p:sldId id="279" r:id="rId11"/>
-    <p:sldId id="268" r:id="rId12"/>
+    <p:sldId id="285" r:id="rId9"/>
+    <p:sldId id="280" r:id="rId10"/>
+    <p:sldId id="284" r:id="rId11"/>
+    <p:sldId id="279" r:id="rId12"/>
+    <p:sldId id="268" r:id="rId13"/>
   </p:sldIdLst>
   <p:sldSz cx="9144000" cy="6858000" type="screen4x3"/>
   <p:notesSz cx="6858000" cy="9144000"/>
@@ -266,7 +267,7 @@
               <a:pPr>
                 <a:defRPr/>
               </a:pPr>
-              <a:t>9/9/2016</a:t>
+              <a:t>9/12/2016</a:t>
             </a:fld>
             <a:endParaRPr lang="en-US"/>
           </a:p>
@@ -4155,10 +4156,6 @@
               </a:rPr>
               <a:t>Factory Pattern</a:t>
             </a:r>
-            <a:endParaRPr lang="en-US" dirty="0" smtClean="0">
-              <a:latin typeface="Arial" charset="0"/>
-              <a:cs typeface="Arial" charset="0"/>
-            </a:endParaRPr>
           </a:p>
         </p:txBody>
       </p:sp>
@@ -4183,7 +4180,7 @@
                 <a:latin typeface="Arial" charset="0"/>
                 <a:cs typeface="Arial" charset="0"/>
               </a:rPr>
-              <a:t>Plug-in Architecture</a:t>
+              <a:t>Application in multi-library project</a:t>
             </a:r>
             <a:endParaRPr lang="en-US" dirty="0" smtClean="0">
               <a:latin typeface="Arial" charset="0"/>
@@ -4270,7 +4267,6 @@
               <a:rPr lang="en-US" dirty="0" smtClean="0"/>
               <a:t>9/9/2016</a:t>
             </a:r>
-            <a:endParaRPr lang="en-US" dirty="0" smtClean="0"/>
           </a:p>
         </p:txBody>
       </p:sp>
@@ -4326,7 +4322,6 @@
               <a:rPr lang="en-US" sz="2600" dirty="0" smtClean="0"/>
               <a:t>Introduction</a:t>
             </a:r>
-            <a:endParaRPr lang="en-US" sz="2600" dirty="0" smtClean="0"/>
           </a:p>
         </p:txBody>
       </p:sp>
@@ -4378,7 +4373,6 @@
               <a:rPr lang="en-US" dirty="0" smtClean="0"/>
               <a:t>Teeth clear aligners</a:t>
             </a:r>
-            <a:endParaRPr lang="en-US" dirty="0" smtClean="0"/>
           </a:p>
           <a:p>
             <a:pPr eaLnBrk="1" hangingPunct="1">
@@ -4469,7 +4463,6 @@
               <a:rPr lang="en-US" dirty="0" smtClean="0"/>
               <a:t>Computational pipeline with plug-in architecture</a:t>
             </a:r>
-            <a:endParaRPr lang="en-US" dirty="0" smtClean="0"/>
           </a:p>
         </p:txBody>
       </p:sp>
@@ -4758,8 +4751,19 @@
             <a:pPr lvl="1"/>
             <a:r>
               <a:rPr lang="en-US" dirty="0" smtClean="0"/>
-              <a:t>Build computational pipeline</a:t>
-            </a:r>
+              <a:t>Build computational </a:t>
+            </a:r>
+            <a:r>
+              <a:rPr lang="en-US" dirty="0" smtClean="0"/>
+              <a:t>pipeline</a:t>
+            </a:r>
+          </a:p>
+          <a:p>
+            <a:r>
+              <a:rPr lang="en-US" dirty="0" smtClean="0"/>
+              <a:t>&lt;&gt;</a:t>
+            </a:r>
+            <a:endParaRPr lang="en-US" dirty="0" smtClean="0"/>
           </a:p>
         </p:txBody>
       </p:sp>
@@ -5245,7 +5249,7 @@
         <p:spPr>
           <a:xfrm>
             <a:off x="914400" y="1143000"/>
-            <a:ext cx="7315200" cy="3554819"/>
+            <a:ext cx="7315200" cy="4324261"/>
           </a:xfrm>
           <a:prstGeom prst="rect">
             <a:avLst/>
@@ -5258,7 +5262,7 @@
           <a:lstStyle/>
           <a:p>
             <a:r>
-              <a:rPr lang="en-US" sz="900" dirty="0">
+              <a:rPr lang="en-US" sz="1100" dirty="0">
                 <a:solidFill>
                   <a:srgbClr val="0000FF"/>
                 </a:solidFill>
@@ -5267,7 +5271,7 @@
               <a:t>void</a:t>
             </a:r>
             <a:r>
-              <a:rPr lang="en-US" sz="900" dirty="0">
+              <a:rPr lang="en-US" sz="1100" dirty="0">
                 <a:solidFill>
                   <a:srgbClr val="000000"/>
                 </a:solidFill>
@@ -5276,7 +5280,7 @@
               <a:t> </a:t>
             </a:r>
             <a:r>
-              <a:rPr lang="en-US" sz="900" dirty="0" err="1">
+              <a:rPr lang="en-US" sz="1100" dirty="0" err="1">
                 <a:solidFill>
                   <a:srgbClr val="880000"/>
                 </a:solidFill>
@@ -5285,7 +5289,7 @@
               <a:t>helloInstance</a:t>
             </a:r>
             <a:r>
-              <a:rPr lang="en-US" sz="900" dirty="0">
+              <a:rPr lang="en-US" sz="1100" dirty="0">
                 <a:solidFill>
                   <a:srgbClr val="000000"/>
                 </a:solidFill>
@@ -5296,7 +5300,7 @@
           </a:p>
           <a:p>
             <a:r>
-              <a:rPr lang="en-US" sz="900" dirty="0">
+              <a:rPr lang="en-US" sz="1100" dirty="0">
                 <a:solidFill>
                   <a:srgbClr val="000000"/>
                 </a:solidFill>
@@ -5307,7 +5311,7 @@
           </a:p>
           <a:p>
             <a:r>
-              <a:rPr lang="en-US" sz="900" dirty="0">
+              <a:rPr lang="en-US" sz="1100" dirty="0">
                 <a:solidFill>
                   <a:srgbClr val="000000"/>
                 </a:solidFill>
@@ -5316,7 +5320,7 @@
               <a:t>  </a:t>
             </a:r>
             <a:r>
-              <a:rPr lang="en-US" sz="900" dirty="0">
+              <a:rPr lang="en-US" sz="1100" dirty="0">
                 <a:solidFill>
                   <a:srgbClr val="0000FF"/>
                 </a:solidFill>
@@ -5325,7 +5329,7 @@
               <a:t>if</a:t>
             </a:r>
             <a:r>
-              <a:rPr lang="en-US" sz="900" dirty="0">
+              <a:rPr lang="en-US" sz="1100" dirty="0">
                 <a:solidFill>
                   <a:srgbClr val="000000"/>
                 </a:solidFill>
@@ -5334,7 +5338,7 @@
               <a:t>( </a:t>
             </a:r>
             <a:r>
-              <a:rPr lang="en-US" sz="900" dirty="0">
+              <a:rPr lang="en-US" sz="1100" dirty="0">
                 <a:solidFill>
                   <a:srgbClr val="0000FF"/>
                 </a:solidFill>
@@ -5343,7 +5347,7 @@
               <a:t>auto</a:t>
             </a:r>
             <a:r>
-              <a:rPr lang="en-US" sz="900" dirty="0">
+              <a:rPr lang="en-US" sz="1100" dirty="0">
                 <a:solidFill>
                   <a:srgbClr val="000000"/>
                 </a:solidFill>
@@ -5352,7 +5356,7 @@
               <a:t> </a:t>
             </a:r>
             <a:r>
-              <a:rPr lang="en-US" sz="900" dirty="0">
+              <a:rPr lang="en-US" sz="1100" dirty="0">
                 <a:solidFill>
                   <a:srgbClr val="000080"/>
                 </a:solidFill>
@@ -5361,7 +5365,7 @@
               <a:t>o</a:t>
             </a:r>
             <a:r>
-              <a:rPr lang="en-US" sz="900" dirty="0">
+              <a:rPr lang="en-US" sz="1100" dirty="0">
                 <a:solidFill>
                   <a:srgbClr val="000000"/>
                 </a:solidFill>
@@ -5370,7 +5374,7 @@
               <a:t> = </a:t>
             </a:r>
             <a:r>
-              <a:rPr lang="en-US" sz="900" dirty="0">
+              <a:rPr lang="en-US" sz="1100" dirty="0">
                 <a:solidFill>
                   <a:srgbClr val="0000FF"/>
                 </a:solidFill>
@@ -5379,7 +5383,7 @@
               <a:t>SDK_NS</a:t>
             </a:r>
             <a:r>
-              <a:rPr lang="en-US" sz="900" dirty="0">
+              <a:rPr lang="en-US" sz="1100" dirty="0">
                 <a:solidFill>
                   <a:srgbClr val="000000"/>
                 </a:solidFill>
@@ -5388,7 +5392,7 @@
               <a:t>::</a:t>
             </a:r>
             <a:r>
-              <a:rPr lang="en-US" sz="900" dirty="0" err="1">
+              <a:rPr lang="en-US" sz="1100" dirty="0" err="1">
                 <a:solidFill>
                   <a:srgbClr val="880000"/>
                 </a:solidFill>
@@ -5397,7 +5401,7 @@
               <a:t>GetFactory</a:t>
             </a:r>
             <a:r>
-              <a:rPr lang="en-US" sz="900" dirty="0">
+              <a:rPr lang="en-US" sz="1100" dirty="0">
                 <a:solidFill>
                   <a:srgbClr val="000000"/>
                 </a:solidFill>
@@ -5406,7 +5410,7 @@
               <a:t>&lt;</a:t>
             </a:r>
             <a:r>
-              <a:rPr lang="en-US" sz="900" dirty="0" err="1">
+              <a:rPr lang="en-US" sz="1100" dirty="0" err="1">
                 <a:solidFill>
                   <a:srgbClr val="0000FF"/>
                 </a:solidFill>
@@ -5415,7 +5419,7 @@
               <a:t>Interface_NS</a:t>
             </a:r>
             <a:r>
-              <a:rPr lang="en-US" sz="900" dirty="0">
+              <a:rPr lang="en-US" sz="1100" dirty="0">
                 <a:solidFill>
                   <a:srgbClr val="000000"/>
                 </a:solidFill>
@@ -5424,7 +5428,7 @@
               <a:t>::</a:t>
             </a:r>
             <a:r>
-              <a:rPr lang="en-US" sz="900" dirty="0">
+              <a:rPr lang="en-US" sz="1100" dirty="0">
                 <a:solidFill>
                   <a:srgbClr val="0000FF"/>
                 </a:solidFill>
@@ -5433,7 +5437,7 @@
               <a:t>Interface</a:t>
             </a:r>
             <a:r>
-              <a:rPr lang="en-US" sz="900" dirty="0">
+              <a:rPr lang="en-US" sz="1100" dirty="0">
                 <a:solidFill>
                   <a:srgbClr val="000000"/>
                 </a:solidFill>
@@ -5442,7 +5446,7 @@
               <a:t>&gt;().</a:t>
             </a:r>
             <a:r>
-              <a:rPr lang="en-US" sz="900" dirty="0">
+              <a:rPr lang="en-US" sz="1100" dirty="0">
                 <a:solidFill>
                   <a:srgbClr val="880000"/>
                 </a:solidFill>
@@ -5451,7 +5455,7 @@
               <a:t>create</a:t>
             </a:r>
             <a:r>
-              <a:rPr lang="en-US" sz="900" dirty="0">
+              <a:rPr lang="en-US" sz="1100" dirty="0">
                 <a:solidFill>
                   <a:srgbClr val="000000"/>
                 </a:solidFill>
@@ -5460,7 +5464,7 @@
               <a:t>( </a:t>
             </a:r>
             <a:r>
-              <a:rPr lang="en-US" sz="900" dirty="0">
+              <a:rPr lang="en-US" sz="1100" dirty="0">
                 <a:solidFill>
                   <a:srgbClr val="A31515"/>
                 </a:solidFill>
@@ -5469,7 +5473,7 @@
               <a:t>"Hello"</a:t>
             </a:r>
             <a:r>
-              <a:rPr lang="en-US" sz="900" dirty="0">
+              <a:rPr lang="en-US" sz="1100" dirty="0">
                 <a:solidFill>
                   <a:srgbClr val="000000"/>
                 </a:solidFill>
@@ -5480,7 +5484,7 @@
           </a:p>
           <a:p>
             <a:r>
-              <a:rPr lang="en-US" sz="900" dirty="0">
+              <a:rPr lang="en-US" sz="1100" dirty="0">
                 <a:solidFill>
                   <a:srgbClr val="000000"/>
                 </a:solidFill>
@@ -5489,7 +5493,7 @@
               <a:t>    </a:t>
             </a:r>
             <a:r>
-              <a:rPr lang="en-US" sz="900" dirty="0">
+              <a:rPr lang="en-US" sz="1100" dirty="0">
                 <a:solidFill>
                   <a:srgbClr val="000080"/>
                 </a:solidFill>
@@ -5498,7 +5502,7 @@
               <a:t>o</a:t>
             </a:r>
             <a:r>
-              <a:rPr lang="en-US" sz="900" dirty="0">
+              <a:rPr lang="en-US" sz="1100" dirty="0">
                 <a:solidFill>
                   <a:srgbClr val="008080"/>
                 </a:solidFill>
@@ -5507,7 +5511,7 @@
               <a:t>-&gt;</a:t>
             </a:r>
             <a:r>
-              <a:rPr lang="en-US" sz="900" dirty="0">
+              <a:rPr lang="en-US" sz="1100" dirty="0">
                 <a:solidFill>
                   <a:srgbClr val="880000"/>
                 </a:solidFill>
@@ -5516,7 +5520,7 @@
               <a:t>hello</a:t>
             </a:r>
             <a:r>
-              <a:rPr lang="en-US" sz="900" dirty="0">
+              <a:rPr lang="en-US" sz="1100" dirty="0">
                 <a:solidFill>
                   <a:srgbClr val="000000"/>
                 </a:solidFill>
@@ -5527,7 +5531,7 @@
           </a:p>
           <a:p>
             <a:r>
-              <a:rPr lang="en-US" sz="900" dirty="0">
+              <a:rPr lang="en-US" sz="1100" dirty="0">
                 <a:solidFill>
                   <a:srgbClr val="000000"/>
                 </a:solidFill>
@@ -5536,7 +5540,7 @@
               <a:t>  </a:t>
             </a:r>
             <a:r>
-              <a:rPr lang="en-US" sz="900" dirty="0">
+              <a:rPr lang="en-US" sz="1100" dirty="0">
                 <a:solidFill>
                   <a:srgbClr val="0000FF"/>
                 </a:solidFill>
@@ -5544,7 +5548,7 @@
               </a:rPr>
               <a:t>else</a:t>
             </a:r>
-            <a:endParaRPr lang="en-US" sz="900" dirty="0">
+            <a:endParaRPr lang="en-US" sz="1100" dirty="0">
               <a:solidFill>
                 <a:srgbClr val="000000"/>
               </a:solidFill>
@@ -5553,7 +5557,7 @@
           </a:p>
           <a:p>
             <a:r>
-              <a:rPr lang="en-US" sz="900" dirty="0">
+              <a:rPr lang="en-US" sz="1100" dirty="0">
                 <a:solidFill>
                   <a:srgbClr val="000000"/>
                 </a:solidFill>
@@ -5562,7 +5566,7 @@
               <a:t>    </a:t>
             </a:r>
             <a:r>
-              <a:rPr lang="en-US" sz="900" dirty="0" err="1">
+              <a:rPr lang="en-US" sz="1100" dirty="0" err="1">
                 <a:solidFill>
                   <a:srgbClr val="0000FF"/>
                 </a:solidFill>
@@ -5571,7 +5575,7 @@
               <a:t>std</a:t>
             </a:r>
             <a:r>
-              <a:rPr lang="en-US" sz="900" dirty="0">
+              <a:rPr lang="en-US" sz="1100" dirty="0">
                 <a:solidFill>
                   <a:srgbClr val="000000"/>
                 </a:solidFill>
@@ -5580,7 +5584,7 @@
               <a:t>::</a:t>
             </a:r>
             <a:r>
-              <a:rPr lang="en-US" sz="900" dirty="0" err="1">
+              <a:rPr lang="en-US" sz="1100" dirty="0" err="1">
                 <a:solidFill>
                   <a:srgbClr val="000080"/>
                 </a:solidFill>
@@ -5589,7 +5593,7 @@
               <a:t>cout</a:t>
             </a:r>
             <a:r>
-              <a:rPr lang="en-US" sz="900" dirty="0">
+              <a:rPr lang="en-US" sz="1100" dirty="0">
                 <a:solidFill>
                   <a:srgbClr val="000000"/>
                 </a:solidFill>
@@ -5598,7 +5602,7 @@
               <a:t> </a:t>
             </a:r>
             <a:r>
-              <a:rPr lang="en-US" sz="900" dirty="0">
+              <a:rPr lang="en-US" sz="1100" dirty="0">
                 <a:solidFill>
                   <a:srgbClr val="008080"/>
                 </a:solidFill>
@@ -5607,7 +5611,7 @@
               <a:t>&lt;&lt;</a:t>
             </a:r>
             <a:r>
-              <a:rPr lang="en-US" sz="900" dirty="0">
+              <a:rPr lang="en-US" sz="1100" dirty="0">
                 <a:solidFill>
                   <a:srgbClr val="000000"/>
                 </a:solidFill>
@@ -5616,7 +5620,7 @@
               <a:t> </a:t>
             </a:r>
             <a:r>
-              <a:rPr lang="en-US" sz="900" dirty="0">
+              <a:rPr lang="en-US" sz="1100" dirty="0">
                 <a:solidFill>
                   <a:srgbClr val="A31515"/>
                 </a:solidFill>
@@ -5625,7 +5629,7 @@
               <a:t>"No Hello implementation found"</a:t>
             </a:r>
             <a:r>
-              <a:rPr lang="en-US" sz="900" dirty="0">
+              <a:rPr lang="en-US" sz="1100" dirty="0">
                 <a:solidFill>
                   <a:srgbClr val="000000"/>
                 </a:solidFill>
@@ -5634,7 +5638,7 @@
               <a:t> </a:t>
             </a:r>
             <a:r>
-              <a:rPr lang="en-US" sz="900" dirty="0">
+              <a:rPr lang="en-US" sz="1100" dirty="0">
                 <a:solidFill>
                   <a:srgbClr val="008080"/>
                 </a:solidFill>
@@ -5643,7 +5647,7 @@
               <a:t>&lt;&lt;</a:t>
             </a:r>
             <a:r>
-              <a:rPr lang="en-US" sz="900" dirty="0">
+              <a:rPr lang="en-US" sz="1100" dirty="0">
                 <a:solidFill>
                   <a:srgbClr val="000000"/>
                 </a:solidFill>
@@ -5652,7 +5656,7 @@
               <a:t> </a:t>
             </a:r>
             <a:r>
-              <a:rPr lang="en-US" sz="900" dirty="0" err="1">
+              <a:rPr lang="en-US" sz="1100" dirty="0" err="1">
                 <a:solidFill>
                   <a:srgbClr val="0000FF"/>
                 </a:solidFill>
@@ -5661,7 +5665,7 @@
               <a:t>std</a:t>
             </a:r>
             <a:r>
-              <a:rPr lang="en-US" sz="900" dirty="0">
+              <a:rPr lang="en-US" sz="1100" dirty="0">
                 <a:solidFill>
                   <a:srgbClr val="000000"/>
                 </a:solidFill>
@@ -5670,7 +5674,7 @@
               <a:t>::</a:t>
             </a:r>
             <a:r>
-              <a:rPr lang="en-US" sz="900" dirty="0" err="1">
+              <a:rPr lang="en-US" sz="1100" dirty="0" err="1">
                 <a:solidFill>
                   <a:srgbClr val="880000"/>
                 </a:solidFill>
@@ -5679,7 +5683,7 @@
               <a:t>endl</a:t>
             </a:r>
             <a:r>
-              <a:rPr lang="en-US" sz="900" dirty="0">
+              <a:rPr lang="en-US" sz="1100" dirty="0">
                 <a:solidFill>
                   <a:srgbClr val="000000"/>
                 </a:solidFill>
@@ -5690,7 +5694,7 @@
           </a:p>
           <a:p>
             <a:r>
-              <a:rPr lang="en-US" sz="900" dirty="0">
+              <a:rPr lang="en-US" sz="1100" dirty="0">
                 <a:solidFill>
                   <a:srgbClr val="000000"/>
                 </a:solidFill>
@@ -5700,7 +5704,7 @@
             </a:r>
           </a:p>
           <a:p>
-            <a:endParaRPr lang="en-US" sz="900" dirty="0" smtClean="0">
+            <a:endParaRPr lang="en-US" sz="1100" dirty="0" smtClean="0">
               <a:solidFill>
                 <a:srgbClr val="000000"/>
               </a:solidFill>
@@ -5708,7 +5712,7 @@
             </a:endParaRPr>
           </a:p>
           <a:p>
-            <a:endParaRPr lang="en-US" sz="900" dirty="0">
+            <a:endParaRPr lang="en-US" sz="1100" dirty="0">
               <a:solidFill>
                 <a:srgbClr val="000000"/>
               </a:solidFill>
@@ -5717,7 +5721,7 @@
           </a:p>
           <a:p>
             <a:r>
-              <a:rPr lang="en-US" sz="900" dirty="0" err="1">
+              <a:rPr lang="en-US" sz="1100" dirty="0" err="1">
                 <a:solidFill>
                   <a:srgbClr val="0000FF"/>
                 </a:solidFill>
@@ -5726,7 +5730,7 @@
               <a:t>int</a:t>
             </a:r>
             <a:r>
-              <a:rPr lang="en-US" sz="900" dirty="0">
+              <a:rPr lang="en-US" sz="1100" dirty="0">
                 <a:solidFill>
                   <a:srgbClr val="000000"/>
                 </a:solidFill>
@@ -5735,7 +5739,7 @@
               <a:t> </a:t>
             </a:r>
             <a:r>
-              <a:rPr lang="en-US" sz="900" dirty="0">
+              <a:rPr lang="en-US" sz="1100" dirty="0">
                 <a:solidFill>
                   <a:srgbClr val="880000"/>
                 </a:solidFill>
@@ -5744,7 +5748,7 @@
               <a:t>main</a:t>
             </a:r>
             <a:r>
-              <a:rPr lang="en-US" sz="900" dirty="0">
+              <a:rPr lang="en-US" sz="1100" dirty="0">
                 <a:solidFill>
                   <a:srgbClr val="000000"/>
                 </a:solidFill>
@@ -5755,7 +5759,7 @@
           </a:p>
           <a:p>
             <a:r>
-              <a:rPr lang="en-US" sz="900" dirty="0">
+              <a:rPr lang="en-US" sz="1100" dirty="0">
                 <a:solidFill>
                   <a:srgbClr val="000000"/>
                 </a:solidFill>
@@ -5766,7 +5770,7 @@
           </a:p>
           <a:p>
             <a:r>
-              <a:rPr lang="en-US" sz="900" dirty="0">
+              <a:rPr lang="en-US" sz="1100" dirty="0">
                 <a:solidFill>
                   <a:srgbClr val="000000"/>
                 </a:solidFill>
@@ -5775,7 +5779,7 @@
               <a:t>  </a:t>
             </a:r>
             <a:r>
-              <a:rPr lang="en-US" sz="900" dirty="0">
+              <a:rPr lang="en-US" sz="1100" dirty="0">
                 <a:solidFill>
                   <a:srgbClr val="008000"/>
                 </a:solidFill>
@@ -5783,7 +5787,7 @@
               </a:rPr>
               <a:t>//  1. Implementation is not available</a:t>
             </a:r>
-            <a:endParaRPr lang="en-US" sz="900" dirty="0">
+            <a:endParaRPr lang="en-US" sz="1100" dirty="0">
               <a:solidFill>
                 <a:srgbClr val="000000"/>
               </a:solidFill>
@@ -5792,7 +5796,7 @@
           </a:p>
           <a:p>
             <a:r>
-              <a:rPr lang="en-US" sz="900" dirty="0">
+              <a:rPr lang="en-US" sz="1100" dirty="0">
                 <a:solidFill>
                   <a:srgbClr val="000000"/>
                 </a:solidFill>
@@ -5801,7 +5805,7 @@
               <a:t>  </a:t>
             </a:r>
             <a:r>
-              <a:rPr lang="en-US" sz="900" dirty="0" err="1">
+              <a:rPr lang="en-US" sz="1100" dirty="0" err="1">
                 <a:solidFill>
                   <a:srgbClr val="880000"/>
                 </a:solidFill>
@@ -5810,7 +5814,7 @@
               <a:t>helloInstance</a:t>
             </a:r>
             <a:r>
-              <a:rPr lang="en-US" sz="900" dirty="0">
+              <a:rPr lang="en-US" sz="1100" dirty="0">
                 <a:solidFill>
                   <a:srgbClr val="000000"/>
                 </a:solidFill>
@@ -5820,7 +5824,7 @@
             </a:r>
           </a:p>
           <a:p>
-            <a:endParaRPr lang="en-US" sz="900" dirty="0">
+            <a:endParaRPr lang="en-US" sz="1100" dirty="0">
               <a:solidFill>
                 <a:srgbClr val="000000"/>
               </a:solidFill>
@@ -5829,7 +5833,7 @@
           </a:p>
           <a:p>
             <a:r>
-              <a:rPr lang="en-US" sz="900" dirty="0">
+              <a:rPr lang="en-US" sz="1100" dirty="0">
                 <a:solidFill>
                   <a:srgbClr val="000000"/>
                 </a:solidFill>
@@ -5838,7 +5842,7 @@
               <a:t>  </a:t>
             </a:r>
             <a:r>
-              <a:rPr lang="en-US" sz="900" dirty="0">
+              <a:rPr lang="en-US" sz="1100" dirty="0">
                 <a:solidFill>
                   <a:srgbClr val="008000"/>
                 </a:solidFill>
@@ -5846,7 +5850,7 @@
               </a:rPr>
               <a:t>//  2. Implementation is loaded</a:t>
             </a:r>
-            <a:endParaRPr lang="en-US" sz="900" dirty="0">
+            <a:endParaRPr lang="en-US" sz="1100" dirty="0">
               <a:solidFill>
                 <a:srgbClr val="000000"/>
               </a:solidFill>
@@ -5855,7 +5859,7 @@
           </a:p>
           <a:p>
             <a:r>
-              <a:rPr lang="en-US" sz="900" dirty="0">
+              <a:rPr lang="en-US" sz="1100" dirty="0">
                 <a:solidFill>
                   <a:srgbClr val="000000"/>
                 </a:solidFill>
@@ -5864,7 +5868,7 @@
               <a:t>  </a:t>
             </a:r>
             <a:r>
-              <a:rPr lang="en-US" sz="900" dirty="0">
+              <a:rPr lang="en-US" sz="1100" dirty="0">
                 <a:solidFill>
                   <a:srgbClr val="0000FF"/>
                 </a:solidFill>
@@ -5873,7 +5877,7 @@
               <a:t>HMODULE</a:t>
             </a:r>
             <a:r>
-              <a:rPr lang="en-US" sz="900" dirty="0">
+              <a:rPr lang="en-US" sz="1100" dirty="0">
                 <a:solidFill>
                   <a:srgbClr val="000000"/>
                 </a:solidFill>
@@ -5882,7 +5886,7 @@
               <a:t> </a:t>
             </a:r>
             <a:r>
-              <a:rPr lang="en-US" sz="900" dirty="0">
+              <a:rPr lang="en-US" sz="1100" dirty="0">
                 <a:solidFill>
                   <a:srgbClr val="000080"/>
                 </a:solidFill>
@@ -5891,7 +5895,7 @@
               <a:t>res</a:t>
             </a:r>
             <a:r>
-              <a:rPr lang="en-US" sz="900" dirty="0">
+              <a:rPr lang="en-US" sz="1100" dirty="0">
                 <a:solidFill>
                   <a:srgbClr val="000000"/>
                 </a:solidFill>
@@ -5900,16 +5904,16 @@
               <a:t> = ::</a:t>
             </a:r>
             <a:r>
-              <a:rPr lang="en-US" sz="900" dirty="0" err="1">
+              <a:rPr lang="en-US" sz="1100" dirty="0" err="1" smtClean="0">
                 <a:solidFill>
                   <a:srgbClr val="A000A0"/>
                 </a:solidFill>
                 <a:latin typeface="Consolas" panose="020B0609020204030204" pitchFamily="49" charset="0"/>
               </a:rPr>
-              <a:t>LoadLibraryA</a:t>
-            </a:r>
-            <a:r>
-              <a:rPr lang="en-US" sz="900" dirty="0">
+              <a:t>LoadLibrary</a:t>
+            </a:r>
+            <a:r>
+              <a:rPr lang="en-US" sz="1100" dirty="0" smtClean="0">
                 <a:solidFill>
                   <a:srgbClr val="000000"/>
                 </a:solidFill>
@@ -5918,7 +5922,7 @@
               <a:t>( </a:t>
             </a:r>
             <a:r>
-              <a:rPr lang="en-US" sz="900" dirty="0">
+              <a:rPr lang="en-US" sz="1100" dirty="0">
                 <a:solidFill>
                   <a:srgbClr val="A31515"/>
                 </a:solidFill>
@@ -5927,7 +5931,7 @@
               <a:t>"Impl.dll"</a:t>
             </a:r>
             <a:r>
-              <a:rPr lang="en-US" sz="900" dirty="0">
+              <a:rPr lang="en-US" sz="1100" dirty="0">
                 <a:solidFill>
                   <a:srgbClr val="000000"/>
                 </a:solidFill>
@@ -5938,7 +5942,7 @@
           </a:p>
           <a:p>
             <a:r>
-              <a:rPr lang="en-US" sz="900" dirty="0">
+              <a:rPr lang="en-US" sz="1100" dirty="0">
                 <a:solidFill>
                   <a:srgbClr val="000000"/>
                 </a:solidFill>
@@ -5947,7 +5951,7 @@
               <a:t>  </a:t>
             </a:r>
             <a:r>
-              <a:rPr lang="en-US" sz="900" dirty="0" err="1">
+              <a:rPr lang="en-US" sz="1100" dirty="0" err="1">
                 <a:solidFill>
                   <a:srgbClr val="880000"/>
                 </a:solidFill>
@@ -5956,7 +5960,7 @@
               <a:t>helloInstance</a:t>
             </a:r>
             <a:r>
-              <a:rPr lang="en-US" sz="900" dirty="0">
+              <a:rPr lang="en-US" sz="1100" dirty="0">
                 <a:solidFill>
                   <a:srgbClr val="000000"/>
                 </a:solidFill>
@@ -5966,7 +5970,7 @@
             </a:r>
           </a:p>
           <a:p>
-            <a:endParaRPr lang="en-US" sz="900" dirty="0">
+            <a:endParaRPr lang="en-US" sz="1100" dirty="0">
               <a:solidFill>
                 <a:srgbClr val="000000"/>
               </a:solidFill>
@@ -5975,7 +5979,7 @@
           </a:p>
           <a:p>
             <a:r>
-              <a:rPr lang="en-US" sz="900" dirty="0">
+              <a:rPr lang="en-US" sz="1100" dirty="0">
                 <a:solidFill>
                   <a:srgbClr val="000000"/>
                 </a:solidFill>
@@ -5984,7 +5988,7 @@
               <a:t>  </a:t>
             </a:r>
             <a:r>
-              <a:rPr lang="en-US" sz="900" dirty="0">
+              <a:rPr lang="en-US" sz="1100" dirty="0">
                 <a:solidFill>
                   <a:srgbClr val="008000"/>
                 </a:solidFill>
@@ -5992,7 +5996,7 @@
               </a:rPr>
               <a:t>//  3. Implementation is unloaded</a:t>
             </a:r>
-            <a:endParaRPr lang="en-US" sz="900" dirty="0">
+            <a:endParaRPr lang="en-US" sz="1100" dirty="0">
               <a:solidFill>
                 <a:srgbClr val="000000"/>
               </a:solidFill>
@@ -6001,7 +6005,7 @@
           </a:p>
           <a:p>
             <a:r>
-              <a:rPr lang="en-US" sz="900" dirty="0">
+              <a:rPr lang="en-US" sz="1100" dirty="0">
                 <a:solidFill>
                   <a:srgbClr val="000000"/>
                 </a:solidFill>
@@ -6010,7 +6014,7 @@
               <a:t>  ::</a:t>
             </a:r>
             <a:r>
-              <a:rPr lang="en-US" sz="900" dirty="0" err="1">
+              <a:rPr lang="en-US" sz="1100" dirty="0" err="1">
                 <a:solidFill>
                   <a:srgbClr val="880000"/>
                 </a:solidFill>
@@ -6019,7 +6023,7 @@
               <a:t>FreeLibrary</a:t>
             </a:r>
             <a:r>
-              <a:rPr lang="en-US" sz="900" dirty="0">
+              <a:rPr lang="en-US" sz="1100" dirty="0">
                 <a:solidFill>
                   <a:srgbClr val="000000"/>
                 </a:solidFill>
@@ -6028,7 +6032,7 @@
               <a:t>( </a:t>
             </a:r>
             <a:r>
-              <a:rPr lang="en-US" sz="900" dirty="0">
+              <a:rPr lang="en-US" sz="1100" dirty="0">
                 <a:solidFill>
                   <a:srgbClr val="000080"/>
                 </a:solidFill>
@@ -6037,7 +6041,7 @@
               <a:t>res</a:t>
             </a:r>
             <a:r>
-              <a:rPr lang="en-US" sz="900" dirty="0">
+              <a:rPr lang="en-US" sz="1100" dirty="0">
                 <a:solidFill>
                   <a:srgbClr val="000000"/>
                 </a:solidFill>
@@ -6048,7 +6052,7 @@
           </a:p>
           <a:p>
             <a:r>
-              <a:rPr lang="en-US" sz="900" dirty="0">
+              <a:rPr lang="en-US" sz="1100" dirty="0">
                 <a:solidFill>
                   <a:srgbClr val="000000"/>
                 </a:solidFill>
@@ -6057,7 +6061,7 @@
               <a:t>  </a:t>
             </a:r>
             <a:r>
-              <a:rPr lang="en-US" sz="900" dirty="0" err="1">
+              <a:rPr lang="en-US" sz="1100" dirty="0" err="1">
                 <a:solidFill>
                   <a:srgbClr val="880000"/>
                 </a:solidFill>
@@ -6066,7 +6070,7 @@
               <a:t>helloInstance</a:t>
             </a:r>
             <a:r>
-              <a:rPr lang="en-US" sz="900" dirty="0">
+              <a:rPr lang="en-US" sz="1100" dirty="0">
                 <a:solidFill>
                   <a:srgbClr val="000000"/>
                 </a:solidFill>
@@ -6076,7 +6080,7 @@
             </a:r>
           </a:p>
           <a:p>
-            <a:endParaRPr lang="en-US" sz="900" dirty="0">
+            <a:endParaRPr lang="en-US" sz="1100" dirty="0">
               <a:solidFill>
                 <a:srgbClr val="000000"/>
               </a:solidFill>
@@ -6085,7 +6089,7 @@
           </a:p>
           <a:p>
             <a:r>
-              <a:rPr lang="en-US" sz="900" dirty="0">
+              <a:rPr lang="en-US" sz="1100" dirty="0">
                 <a:solidFill>
                   <a:srgbClr val="000000"/>
                 </a:solidFill>
@@ -6094,7 +6098,7 @@
               <a:t>  </a:t>
             </a:r>
             <a:r>
-              <a:rPr lang="en-US" sz="900" dirty="0">
+              <a:rPr lang="en-US" sz="1100" dirty="0">
                 <a:solidFill>
                   <a:srgbClr val="0000FF"/>
                 </a:solidFill>
@@ -6103,7 +6107,7 @@
               <a:t>return</a:t>
             </a:r>
             <a:r>
-              <a:rPr lang="en-US" sz="900" dirty="0">
+              <a:rPr lang="en-US" sz="1100" dirty="0">
                 <a:solidFill>
                   <a:srgbClr val="000000"/>
                 </a:solidFill>
@@ -6114,7 +6118,7 @@
           </a:p>
           <a:p>
             <a:r>
-              <a:rPr lang="en-US" sz="900" dirty="0">
+              <a:rPr lang="en-US" sz="1100" dirty="0">
                 <a:solidFill>
                   <a:srgbClr val="000000"/>
                 </a:solidFill>
@@ -6124,7 +6128,7 @@
             </a:r>
           </a:p>
           <a:p>
-            <a:endParaRPr lang="en-US" sz="900" dirty="0">
+            <a:endParaRPr lang="en-US" sz="1100" dirty="0">
               <a:solidFill>
                 <a:srgbClr val="000000"/>
               </a:solidFill>
@@ -6149,7 +6153,7 @@
         </p:blipFill>
         <p:spPr>
           <a:xfrm>
-            <a:off x="4648200" y="3650834"/>
+            <a:off x="5105400" y="4114800"/>
             <a:ext cx="3505200" cy="1524000"/>
           </a:xfrm>
           <a:prstGeom prst="rect">
@@ -6223,7 +6227,7 @@
           <a:p>
             <a:r>
               <a:rPr lang="en-US" dirty="0" smtClean="0"/>
-              <a:t>Factory declaration</a:t>
+              <a:t>Design</a:t>
             </a:r>
             <a:endParaRPr lang="en-US" dirty="0"/>
           </a:p>
@@ -6286,42 +6290,460 @@
       </p:sp>
       <p:sp>
         <p:nvSpPr>
-          <p:cNvPr id="5" name="Rectangle 4"/>
+          <p:cNvPr id="8" name="Rounded Rectangle 7"/>
           <p:cNvSpPr/>
           <p:nvPr/>
         </p:nvSpPr>
         <p:spPr>
           <a:xfrm>
-            <a:off x="914400" y="1600200"/>
-            <a:ext cx="4572000" cy="3693319"/>
+            <a:off x="2743200" y="1600200"/>
+            <a:ext cx="3657600" cy="1828800"/>
           </a:xfrm>
-          <a:prstGeom prst="rect">
+          <a:prstGeom prst="roundRect">
             <a:avLst/>
           </a:prstGeom>
         </p:spPr>
+        <p:style>
+          <a:lnRef idx="1">
+            <a:schemeClr val="accent2"/>
+          </a:lnRef>
+          <a:fillRef idx="2">
+            <a:schemeClr val="accent2"/>
+          </a:fillRef>
+          <a:effectRef idx="1">
+            <a:schemeClr val="accent2"/>
+          </a:effectRef>
+          <a:fontRef idx="minor">
+            <a:schemeClr val="dk1"/>
+          </a:fontRef>
+        </p:style>
         <p:txBody>
-          <a:bodyPr wrap="square">
-            <a:spAutoFit/>
-          </a:bodyPr>
+          <a:bodyPr rtlCol="0" anchor="ctr"/>
           <a:lstStyle/>
           <a:p>
+            <a:pPr algn="ctr"/>
+            <a:r>
+              <a:rPr lang="en-US" dirty="0" smtClean="0"/>
+              <a:t>Interface.dll</a:t>
+            </a:r>
+            <a:endParaRPr lang="en-US" sz="1600" dirty="0" smtClean="0"/>
+          </a:p>
+          <a:p>
+            <a:pPr algn="ctr"/>
+            <a:endParaRPr lang="en-US" sz="1600" dirty="0" smtClean="0"/>
+          </a:p>
+          <a:p>
+            <a:pPr lvl="0"/>
             <a:r>
               <a:rPr lang="en-US" sz="900" dirty="0" smtClean="0">
                 <a:solidFill>
-                  <a:srgbClr val="000000"/>
-                </a:solidFill>
-                <a:latin typeface="Consolas" panose="020B0609020204030204" pitchFamily="49" charset="0"/>
-              </a:rPr>
-              <a:t>  </a:t>
+                  <a:srgbClr val="0000FF"/>
+                </a:solidFill>
+                <a:latin typeface="Consolas" panose="020B0609020204030204" pitchFamily="49" charset="0"/>
+                <a:ea typeface="ＭＳ Ｐゴシック" pitchFamily="124" charset="-128"/>
+              </a:rPr>
+              <a:t>class</a:t>
+            </a:r>
+            <a:r>
+              <a:rPr lang="en-US" sz="900" dirty="0" smtClean="0">
+                <a:solidFill>
+                  <a:srgbClr val="000000"/>
+                </a:solidFill>
+                <a:latin typeface="Consolas" panose="020B0609020204030204" pitchFamily="49" charset="0"/>
+                <a:ea typeface="ＭＳ Ｐゴシック" pitchFamily="124" charset="-128"/>
+              </a:rPr>
+              <a:t> </a:t>
+            </a:r>
+            <a:r>
+              <a:rPr lang="en-US" sz="900" dirty="0" smtClean="0">
+                <a:solidFill>
+                  <a:srgbClr val="0000FF"/>
+                </a:solidFill>
+                <a:latin typeface="Consolas" panose="020B0609020204030204" pitchFamily="49" charset="0"/>
+                <a:ea typeface="ＭＳ Ｐゴシック" pitchFamily="124" charset="-128"/>
+              </a:rPr>
+              <a:t>Interface</a:t>
+            </a:r>
+            <a:r>
+              <a:rPr lang="en-US" sz="900" dirty="0" smtClean="0">
+                <a:solidFill>
+                  <a:srgbClr val="000000"/>
+                </a:solidFill>
+                <a:latin typeface="Consolas" panose="020B0609020204030204" pitchFamily="49" charset="0"/>
+                <a:ea typeface="ＭＳ Ｐゴシック" pitchFamily="124" charset="-128"/>
+              </a:rPr>
+              <a:t> </a:t>
             </a:r>
             <a:r>
               <a:rPr lang="en-US" sz="900" dirty="0">
                 <a:solidFill>
+                  <a:srgbClr val="000000"/>
+                </a:solidFill>
+                <a:latin typeface="Consolas" panose="020B0609020204030204" pitchFamily="49" charset="0"/>
+                <a:ea typeface="ＭＳ Ｐゴシック" pitchFamily="124" charset="-128"/>
+              </a:rPr>
+              <a:t>{ </a:t>
+            </a:r>
+            <a:r>
+              <a:rPr lang="en-US" sz="900" dirty="0">
+                <a:solidFill>
                   <a:srgbClr val="008000"/>
                 </a:solidFill>
                 <a:latin typeface="Consolas" panose="020B0609020204030204" pitchFamily="49" charset="0"/>
-              </a:rPr>
-              <a:t>//  Factory creates instance of interface implementation</a:t>
+                <a:ea typeface="ＭＳ Ｐゴシック" pitchFamily="124" charset="-128"/>
+              </a:rPr>
+              <a:t>/*...*/</a:t>
+            </a:r>
+            <a:r>
+              <a:rPr lang="en-US" sz="900" dirty="0">
+                <a:solidFill>
+                  <a:srgbClr val="000000"/>
+                </a:solidFill>
+                <a:latin typeface="Consolas" panose="020B0609020204030204" pitchFamily="49" charset="0"/>
+                <a:ea typeface="ＭＳ Ｐゴシック" pitchFamily="124" charset="-128"/>
+              </a:rPr>
+              <a:t> </a:t>
+            </a:r>
+            <a:r>
+              <a:rPr lang="en-US" sz="900" dirty="0" smtClean="0">
+                <a:solidFill>
+                  <a:srgbClr val="000000"/>
+                </a:solidFill>
+                <a:latin typeface="Consolas" panose="020B0609020204030204" pitchFamily="49" charset="0"/>
+                <a:ea typeface="ＭＳ Ｐゴシック" pitchFamily="124" charset="-128"/>
+              </a:rPr>
+              <a:t>};</a:t>
+            </a:r>
+          </a:p>
+          <a:p>
+            <a:pPr lvl="0"/>
+            <a:endParaRPr lang="en-US" sz="900" dirty="0" smtClean="0">
+              <a:solidFill>
+                <a:srgbClr val="0000FF"/>
+              </a:solidFill>
+              <a:latin typeface="Consolas" panose="020B0609020204030204" pitchFamily="49" charset="0"/>
+            </a:endParaRPr>
+          </a:p>
+          <a:p>
+            <a:pPr lvl="0"/>
+            <a:r>
+              <a:rPr lang="en-US" sz="900" dirty="0" smtClean="0">
+                <a:solidFill>
+                  <a:srgbClr val="0000FF"/>
+                </a:solidFill>
+                <a:latin typeface="Consolas" panose="020B0609020204030204" pitchFamily="49" charset="0"/>
+              </a:rPr>
+              <a:t>Factory</a:t>
+            </a:r>
+            <a:r>
+              <a:rPr lang="en-US" sz="900" dirty="0" smtClean="0">
+                <a:solidFill>
+                  <a:srgbClr val="000000"/>
+                </a:solidFill>
+                <a:latin typeface="Consolas" panose="020B0609020204030204" pitchFamily="49" charset="0"/>
+              </a:rPr>
+              <a:t>&lt;</a:t>
+            </a:r>
+            <a:r>
+              <a:rPr lang="en-US" sz="900" dirty="0" smtClean="0">
+                <a:solidFill>
+                  <a:srgbClr val="0000FF"/>
+                </a:solidFill>
+                <a:latin typeface="Consolas" panose="020B0609020204030204" pitchFamily="49" charset="0"/>
+              </a:rPr>
+              <a:t>Interface</a:t>
+            </a:r>
+            <a:r>
+              <a:rPr lang="en-US" sz="900" dirty="0">
+                <a:solidFill>
+                  <a:srgbClr val="000000"/>
+                </a:solidFill>
+                <a:latin typeface="Consolas" panose="020B0609020204030204" pitchFamily="49" charset="0"/>
+              </a:rPr>
+              <a:t>&gt;&amp; </a:t>
+            </a:r>
+            <a:r>
+              <a:rPr lang="en-US" sz="900" dirty="0" err="1" smtClean="0">
+                <a:solidFill>
+                  <a:srgbClr val="880000"/>
+                </a:solidFill>
+                <a:latin typeface="Consolas" panose="020B0609020204030204" pitchFamily="49" charset="0"/>
+              </a:rPr>
+              <a:t>GetFactory</a:t>
+            </a:r>
+            <a:r>
+              <a:rPr lang="en-US" sz="900" dirty="0" smtClean="0">
+                <a:solidFill>
+                  <a:srgbClr val="000000"/>
+                </a:solidFill>
+                <a:latin typeface="Consolas" panose="020B0609020204030204" pitchFamily="49" charset="0"/>
+              </a:rPr>
+              <a:t>( </a:t>
+            </a:r>
+            <a:r>
+              <a:rPr lang="en-US" sz="900" dirty="0" smtClean="0">
+                <a:solidFill>
+                  <a:srgbClr val="0000FF"/>
+                </a:solidFill>
+                <a:latin typeface="Consolas" panose="020B0609020204030204" pitchFamily="49" charset="0"/>
+              </a:rPr>
+              <a:t>Interface</a:t>
+            </a:r>
+            <a:r>
+              <a:rPr lang="en-US" sz="900" dirty="0">
+                <a:solidFill>
+                  <a:srgbClr val="000000"/>
+                </a:solidFill>
+                <a:latin typeface="Consolas" panose="020B0609020204030204" pitchFamily="49" charset="0"/>
+              </a:rPr>
+              <a:t>* );</a:t>
+            </a:r>
+            <a:endParaRPr lang="en-US" sz="900" dirty="0" smtClean="0">
+              <a:solidFill>
+                <a:srgbClr val="000000"/>
+              </a:solidFill>
+              <a:latin typeface="Consolas" panose="020B0609020204030204" pitchFamily="49" charset="0"/>
+              <a:ea typeface="ＭＳ Ｐゴシック" pitchFamily="124" charset="-128"/>
+            </a:endParaRPr>
+          </a:p>
+          <a:p>
+            <a:pPr lvl="0"/>
+            <a:endParaRPr lang="en-US" dirty="0"/>
+          </a:p>
+        </p:txBody>
+      </p:sp>
+      <p:sp>
+        <p:nvSpPr>
+          <p:cNvPr id="10" name="Rounded Rectangle 9"/>
+          <p:cNvSpPr/>
+          <p:nvPr/>
+        </p:nvSpPr>
+        <p:spPr>
+          <a:xfrm>
+            <a:off x="914400" y="4339004"/>
+            <a:ext cx="2743200" cy="1833196"/>
+          </a:xfrm>
+          <a:prstGeom prst="roundRect">
+            <a:avLst/>
+          </a:prstGeom>
+        </p:spPr>
+        <p:style>
+          <a:lnRef idx="1">
+            <a:schemeClr val="accent2"/>
+          </a:lnRef>
+          <a:fillRef idx="2">
+            <a:schemeClr val="accent2"/>
+          </a:fillRef>
+          <a:effectRef idx="1">
+            <a:schemeClr val="accent2"/>
+          </a:effectRef>
+          <a:fontRef idx="minor">
+            <a:schemeClr val="dk1"/>
+          </a:fontRef>
+        </p:style>
+        <p:txBody>
+          <a:bodyPr rtlCol="0" anchor="ctr"/>
+          <a:lstStyle/>
+          <a:p>
+            <a:pPr algn="ctr"/>
+            <a:r>
+              <a:rPr lang="en-US" dirty="0" smtClean="0"/>
+              <a:t>Implementation.dll</a:t>
+            </a:r>
+            <a:endParaRPr lang="en-US" sz="1600" dirty="0" smtClean="0"/>
+          </a:p>
+          <a:p>
+            <a:pPr algn="ctr"/>
+            <a:endParaRPr lang="en-US" sz="1600" dirty="0"/>
+          </a:p>
+          <a:p>
+            <a:r>
+              <a:rPr lang="en-US" sz="900" dirty="0" smtClean="0">
+                <a:solidFill>
+                  <a:srgbClr val="0000FF"/>
+                </a:solidFill>
+                <a:latin typeface="Consolas" panose="020B0609020204030204" pitchFamily="49" charset="0"/>
+              </a:rPr>
+              <a:t>class</a:t>
+            </a:r>
+            <a:r>
+              <a:rPr lang="en-US" sz="900" dirty="0" smtClean="0">
+                <a:solidFill>
+                  <a:srgbClr val="000000"/>
+                </a:solidFill>
+                <a:latin typeface="Consolas" panose="020B0609020204030204" pitchFamily="49" charset="0"/>
+              </a:rPr>
+              <a:t> </a:t>
+            </a:r>
+            <a:r>
+              <a:rPr lang="en-US" sz="900" dirty="0">
+                <a:solidFill>
+                  <a:srgbClr val="0000FF"/>
+                </a:solidFill>
+                <a:latin typeface="Consolas" panose="020B0609020204030204" pitchFamily="49" charset="0"/>
+              </a:rPr>
+              <a:t>Hello</a:t>
+            </a:r>
+            <a:r>
+              <a:rPr lang="en-US" sz="900" dirty="0">
+                <a:solidFill>
+                  <a:srgbClr val="000000"/>
+                </a:solidFill>
+                <a:latin typeface="Consolas" panose="020B0609020204030204" pitchFamily="49" charset="0"/>
+              </a:rPr>
+              <a:t> : </a:t>
+            </a:r>
+            <a:r>
+              <a:rPr lang="en-US" sz="900" dirty="0">
+                <a:solidFill>
+                  <a:srgbClr val="0000FF"/>
+                </a:solidFill>
+                <a:latin typeface="Consolas" panose="020B0609020204030204" pitchFamily="49" charset="0"/>
+              </a:rPr>
+              <a:t>public</a:t>
+            </a:r>
+            <a:r>
+              <a:rPr lang="en-US" sz="900" dirty="0">
+                <a:solidFill>
+                  <a:srgbClr val="000000"/>
+                </a:solidFill>
+                <a:latin typeface="Consolas" panose="020B0609020204030204" pitchFamily="49" charset="0"/>
+              </a:rPr>
+              <a:t> </a:t>
+            </a:r>
+            <a:r>
+              <a:rPr lang="en-US" sz="900" dirty="0" smtClean="0">
+                <a:solidFill>
+                  <a:srgbClr val="0000FF"/>
+                </a:solidFill>
+                <a:latin typeface="Consolas" panose="020B0609020204030204" pitchFamily="49" charset="0"/>
+              </a:rPr>
+              <a:t>Interface</a:t>
+            </a:r>
+          </a:p>
+          <a:p>
+            <a:r>
+              <a:rPr lang="en-US" sz="900" dirty="0">
+                <a:solidFill>
+                  <a:srgbClr val="000000"/>
+                </a:solidFill>
+                <a:latin typeface="Consolas" panose="020B0609020204030204" pitchFamily="49" charset="0"/>
+                <a:ea typeface="ＭＳ Ｐゴシック" pitchFamily="124" charset="-128"/>
+              </a:rPr>
+              <a:t>{ </a:t>
+            </a:r>
+            <a:r>
+              <a:rPr lang="en-US" sz="900" dirty="0">
+                <a:solidFill>
+                  <a:srgbClr val="008000"/>
+                </a:solidFill>
+                <a:latin typeface="Consolas" panose="020B0609020204030204" pitchFamily="49" charset="0"/>
+                <a:ea typeface="ＭＳ Ｐゴシック" pitchFamily="124" charset="-128"/>
+              </a:rPr>
+              <a:t>/*...*/</a:t>
+            </a:r>
+            <a:r>
+              <a:rPr lang="en-US" sz="900" dirty="0">
+                <a:solidFill>
+                  <a:srgbClr val="000000"/>
+                </a:solidFill>
+                <a:latin typeface="Consolas" panose="020B0609020204030204" pitchFamily="49" charset="0"/>
+                <a:ea typeface="ＭＳ Ｐゴシック" pitchFamily="124" charset="-128"/>
+              </a:rPr>
+              <a:t> </a:t>
+            </a:r>
+            <a:r>
+              <a:rPr lang="en-US" sz="900" dirty="0" smtClean="0">
+                <a:solidFill>
+                  <a:srgbClr val="000000"/>
+                </a:solidFill>
+                <a:latin typeface="Consolas" panose="020B0609020204030204" pitchFamily="49" charset="0"/>
+                <a:ea typeface="ＭＳ Ｐゴシック" pitchFamily="124" charset="-128"/>
+              </a:rPr>
+              <a:t>};</a:t>
+            </a:r>
+          </a:p>
+          <a:p>
+            <a:endParaRPr lang="en-US" sz="900" dirty="0">
+              <a:solidFill>
+                <a:srgbClr val="000000"/>
+              </a:solidFill>
+              <a:latin typeface="Consolas" panose="020B0609020204030204" pitchFamily="49" charset="0"/>
+              <a:ea typeface="ＭＳ Ｐゴシック" pitchFamily="124" charset="-128"/>
+            </a:endParaRPr>
+          </a:p>
+          <a:p>
+            <a:r>
+              <a:rPr lang="en-US" sz="900" dirty="0" err="1" smtClean="0">
+                <a:solidFill>
+                  <a:srgbClr val="0000FF"/>
+                </a:solidFill>
+                <a:latin typeface="Consolas" panose="020B0609020204030204" pitchFamily="49" charset="0"/>
+              </a:rPr>
+              <a:t>Registrator</a:t>
+            </a:r>
+            <a:r>
+              <a:rPr lang="en-US" sz="900" dirty="0" smtClean="0">
+                <a:solidFill>
+                  <a:srgbClr val="000000"/>
+                </a:solidFill>
+                <a:latin typeface="Consolas" panose="020B0609020204030204" pitchFamily="49" charset="0"/>
+              </a:rPr>
+              <a:t>&lt;</a:t>
+            </a:r>
+            <a:r>
+              <a:rPr lang="en-US" sz="900" dirty="0" smtClean="0">
+                <a:solidFill>
+                  <a:srgbClr val="0000FF"/>
+                </a:solidFill>
+                <a:latin typeface="Consolas" panose="020B0609020204030204" pitchFamily="49" charset="0"/>
+              </a:rPr>
+              <a:t>Hello</a:t>
+            </a:r>
+            <a:r>
+              <a:rPr lang="en-US" sz="900" dirty="0">
+                <a:solidFill>
+                  <a:srgbClr val="000000"/>
+                </a:solidFill>
+                <a:latin typeface="Consolas" panose="020B0609020204030204" pitchFamily="49" charset="0"/>
+              </a:rPr>
+              <a:t>&gt; </a:t>
+            </a:r>
+            <a:r>
+              <a:rPr lang="en-US" sz="900" dirty="0" err="1">
+                <a:solidFill>
+                  <a:srgbClr val="000080"/>
+                </a:solidFill>
+                <a:latin typeface="Consolas" panose="020B0609020204030204" pitchFamily="49" charset="0"/>
+              </a:rPr>
+              <a:t>g_reg</a:t>
+            </a:r>
+            <a:r>
+              <a:rPr lang="en-US" sz="900" dirty="0">
+                <a:solidFill>
+                  <a:srgbClr val="000000"/>
+                </a:solidFill>
+                <a:latin typeface="Consolas" panose="020B0609020204030204" pitchFamily="49" charset="0"/>
+              </a:rPr>
+              <a:t>( </a:t>
+            </a:r>
+            <a:r>
+              <a:rPr lang="en-US" sz="900" dirty="0">
+                <a:solidFill>
+                  <a:srgbClr val="A31515"/>
+                </a:solidFill>
+                <a:latin typeface="Consolas" panose="020B0609020204030204" pitchFamily="49" charset="0"/>
+              </a:rPr>
+              <a:t>"Hello"</a:t>
+            </a:r>
+            <a:r>
+              <a:rPr lang="en-US" sz="900" dirty="0">
+                <a:solidFill>
+                  <a:srgbClr val="000000"/>
+                </a:solidFill>
+                <a:latin typeface="Consolas" panose="020B0609020204030204" pitchFamily="49" charset="0"/>
+              </a:rPr>
+              <a:t> );</a:t>
             </a:r>
             <a:endParaRPr lang="en-US" sz="900" dirty="0">
               <a:solidFill>
@@ -6330,10 +6752,256 @@
               <a:latin typeface="Consolas" panose="020B0609020204030204" pitchFamily="49" charset="0"/>
             </a:endParaRPr>
           </a:p>
+        </p:txBody>
+      </p:sp>
+      <p:sp>
+        <p:nvSpPr>
+          <p:cNvPr id="12" name="Rounded Rectangle 11"/>
+          <p:cNvSpPr/>
+          <p:nvPr/>
+        </p:nvSpPr>
+        <p:spPr>
+          <a:xfrm>
+            <a:off x="5486400" y="4339004"/>
+            <a:ext cx="2743200" cy="1833196"/>
+          </a:xfrm>
+          <a:prstGeom prst="roundRect">
+            <a:avLst/>
+          </a:prstGeom>
+        </p:spPr>
+        <p:style>
+          <a:lnRef idx="1">
+            <a:schemeClr val="accent2"/>
+          </a:lnRef>
+          <a:fillRef idx="2">
+            <a:schemeClr val="accent2"/>
+          </a:fillRef>
+          <a:effectRef idx="1">
+            <a:schemeClr val="accent2"/>
+          </a:effectRef>
+          <a:fontRef idx="minor">
+            <a:schemeClr val="dk1"/>
+          </a:fontRef>
+        </p:style>
+        <p:txBody>
+          <a:bodyPr rtlCol="0" anchor="ctr"/>
+          <a:lstStyle/>
+          <a:p>
+            <a:pPr algn="ctr"/>
+            <a:r>
+              <a:rPr lang="en-US" sz="1600" dirty="0" smtClean="0"/>
+              <a:t>Application.exe</a:t>
+            </a:r>
+          </a:p>
+          <a:p>
+            <a:pPr algn="ctr"/>
+            <a:endParaRPr lang="en-US" sz="1600" dirty="0"/>
+          </a:p>
           <a:p>
             <a:r>
               <a:rPr lang="en-US" sz="900" dirty="0">
                 <a:solidFill>
+                  <a:srgbClr val="0000FF"/>
+                </a:solidFill>
+                <a:latin typeface="Consolas" panose="020B0609020204030204" pitchFamily="49" charset="0"/>
+              </a:rPr>
+              <a:t>auto</a:t>
+            </a:r>
+            <a:r>
+              <a:rPr lang="en-US" sz="900" dirty="0">
+                <a:solidFill>
+                  <a:srgbClr val="000000"/>
+                </a:solidFill>
+                <a:latin typeface="Consolas" panose="020B0609020204030204" pitchFamily="49" charset="0"/>
+              </a:rPr>
+              <a:t>&amp; </a:t>
+            </a:r>
+            <a:r>
+              <a:rPr lang="en-US" sz="900" dirty="0">
+                <a:solidFill>
+                  <a:srgbClr val="000080"/>
+                </a:solidFill>
+                <a:latin typeface="Consolas" panose="020B0609020204030204" pitchFamily="49" charset="0"/>
+              </a:rPr>
+              <a:t>f</a:t>
+            </a:r>
+            <a:r>
+              <a:rPr lang="en-US" sz="900" dirty="0">
+                <a:solidFill>
+                  <a:srgbClr val="000000"/>
+                </a:solidFill>
+                <a:latin typeface="Consolas" panose="020B0609020204030204" pitchFamily="49" charset="0"/>
+              </a:rPr>
+              <a:t> = </a:t>
+            </a:r>
+            <a:r>
+              <a:rPr lang="en-US" sz="900" dirty="0" err="1" smtClean="0">
+                <a:solidFill>
+                  <a:srgbClr val="880000"/>
+                </a:solidFill>
+                <a:latin typeface="Consolas" panose="020B0609020204030204" pitchFamily="49" charset="0"/>
+              </a:rPr>
+              <a:t>GetFactory</a:t>
+            </a:r>
+            <a:r>
+              <a:rPr lang="en-US" sz="900" dirty="0" smtClean="0">
+                <a:solidFill>
+                  <a:srgbClr val="000000"/>
+                </a:solidFill>
+                <a:latin typeface="Consolas" panose="020B0609020204030204" pitchFamily="49" charset="0"/>
+              </a:rPr>
+              <a:t>&lt;</a:t>
+            </a:r>
+            <a:r>
+              <a:rPr lang="en-US" sz="900" dirty="0" smtClean="0">
+                <a:solidFill>
+                  <a:srgbClr val="0000FF"/>
+                </a:solidFill>
+                <a:latin typeface="Consolas" panose="020B0609020204030204" pitchFamily="49" charset="0"/>
+              </a:rPr>
+              <a:t>Interface</a:t>
+            </a:r>
+            <a:r>
+              <a:rPr lang="en-US" sz="900" dirty="0">
+                <a:solidFill>
+                  <a:srgbClr val="000000"/>
+                </a:solidFill>
+                <a:latin typeface="Consolas" panose="020B0609020204030204" pitchFamily="49" charset="0"/>
+              </a:rPr>
+              <a:t>&gt;();</a:t>
+            </a:r>
+          </a:p>
+          <a:p>
+            <a:endParaRPr lang="it-IT" sz="900" dirty="0" smtClean="0">
+              <a:solidFill>
+                <a:srgbClr val="0000FF"/>
+              </a:solidFill>
+              <a:latin typeface="Consolas" panose="020B0609020204030204" pitchFamily="49" charset="0"/>
+            </a:endParaRPr>
+          </a:p>
+          <a:p>
+            <a:r>
+              <a:rPr lang="it-IT" sz="900" dirty="0" smtClean="0">
+                <a:solidFill>
+                  <a:srgbClr val="0000FF"/>
+                </a:solidFill>
+                <a:latin typeface="Consolas" panose="020B0609020204030204" pitchFamily="49" charset="0"/>
+              </a:rPr>
+              <a:t>if</a:t>
+            </a:r>
+            <a:r>
+              <a:rPr lang="it-IT" sz="900" dirty="0">
+                <a:solidFill>
+                  <a:srgbClr val="000000"/>
+                </a:solidFill>
+                <a:latin typeface="Consolas" panose="020B0609020204030204" pitchFamily="49" charset="0"/>
+              </a:rPr>
+              <a:t>( </a:t>
+            </a:r>
+            <a:r>
+              <a:rPr lang="it-IT" sz="900" dirty="0">
+                <a:solidFill>
+                  <a:srgbClr val="0000FF"/>
+                </a:solidFill>
+                <a:latin typeface="Consolas" panose="020B0609020204030204" pitchFamily="49" charset="0"/>
+              </a:rPr>
+              <a:t>auto</a:t>
+            </a:r>
+            <a:r>
+              <a:rPr lang="it-IT" sz="900" dirty="0">
+                <a:solidFill>
+                  <a:srgbClr val="000000"/>
+                </a:solidFill>
+                <a:latin typeface="Consolas" panose="020B0609020204030204" pitchFamily="49" charset="0"/>
+              </a:rPr>
+              <a:t> </a:t>
+            </a:r>
+            <a:r>
+              <a:rPr lang="it-IT" sz="900" dirty="0">
+                <a:solidFill>
+                  <a:srgbClr val="000080"/>
+                </a:solidFill>
+                <a:latin typeface="Consolas" panose="020B0609020204030204" pitchFamily="49" charset="0"/>
+              </a:rPr>
+              <a:t>o</a:t>
+            </a:r>
+            <a:r>
+              <a:rPr lang="it-IT" sz="900" dirty="0">
+                <a:solidFill>
+                  <a:srgbClr val="000000"/>
+                </a:solidFill>
+                <a:latin typeface="Consolas" panose="020B0609020204030204" pitchFamily="49" charset="0"/>
+              </a:rPr>
+              <a:t> = </a:t>
+            </a:r>
+            <a:r>
+              <a:rPr lang="it-IT" sz="900" dirty="0">
+                <a:solidFill>
+                  <a:srgbClr val="000080"/>
+                </a:solidFill>
+                <a:latin typeface="Consolas" panose="020B0609020204030204" pitchFamily="49" charset="0"/>
+              </a:rPr>
+              <a:t>f</a:t>
+            </a:r>
+            <a:r>
+              <a:rPr lang="it-IT" sz="900" dirty="0">
+                <a:solidFill>
+                  <a:srgbClr val="000000"/>
+                </a:solidFill>
+                <a:latin typeface="Consolas" panose="020B0609020204030204" pitchFamily="49" charset="0"/>
+              </a:rPr>
+              <a:t>.</a:t>
+            </a:r>
+            <a:r>
+              <a:rPr lang="it-IT" sz="900" dirty="0">
+                <a:solidFill>
+                  <a:srgbClr val="880000"/>
+                </a:solidFill>
+                <a:latin typeface="Consolas" panose="020B0609020204030204" pitchFamily="49" charset="0"/>
+              </a:rPr>
+              <a:t>create</a:t>
+            </a:r>
+            <a:r>
+              <a:rPr lang="it-IT" sz="900" dirty="0">
+                <a:solidFill>
+                  <a:srgbClr val="000000"/>
+                </a:solidFill>
+                <a:latin typeface="Consolas" panose="020B0609020204030204" pitchFamily="49" charset="0"/>
+              </a:rPr>
+              <a:t>( </a:t>
+            </a:r>
+            <a:r>
+              <a:rPr lang="it-IT" sz="900" dirty="0">
+                <a:solidFill>
+                  <a:srgbClr val="A31515"/>
+                </a:solidFill>
+                <a:latin typeface="Consolas" panose="020B0609020204030204" pitchFamily="49" charset="0"/>
+              </a:rPr>
+              <a:t>"Hello"</a:t>
+            </a:r>
+            <a:r>
+              <a:rPr lang="it-IT" sz="900" dirty="0">
+                <a:solidFill>
+                  <a:srgbClr val="000000"/>
+                </a:solidFill>
+                <a:latin typeface="Consolas" panose="020B0609020204030204" pitchFamily="49" charset="0"/>
+              </a:rPr>
+              <a:t> ) </a:t>
+            </a:r>
+            <a:r>
+              <a:rPr lang="it-IT" sz="900" dirty="0" smtClean="0">
+                <a:solidFill>
+                  <a:srgbClr val="000000"/>
+                </a:solidFill>
+                <a:latin typeface="Consolas" panose="020B0609020204030204" pitchFamily="49" charset="0"/>
+              </a:rPr>
+              <a:t>)</a:t>
+            </a:r>
+          </a:p>
+          <a:p>
+            <a:r>
+              <a:rPr lang="it-IT" sz="900" dirty="0" smtClean="0">
+                <a:solidFill>
                   <a:srgbClr val="000000"/>
                 </a:solidFill>
                 <a:latin typeface="Consolas" panose="020B0609020204030204" pitchFamily="49" charset="0"/>
@@ -6341,13 +7009,40 @@
               <a:t>  </a:t>
             </a:r>
             <a:r>
-              <a:rPr lang="en-US" sz="900" dirty="0">
-                <a:solidFill>
-                  <a:srgbClr val="008000"/>
-                </a:solidFill>
-                <a:latin typeface="Consolas" panose="020B0609020204030204" pitchFamily="49" charset="0"/>
-              </a:rPr>
-              <a:t>//  by implementation name.</a:t>
+              <a:rPr lang="it-IT" sz="900" dirty="0">
+                <a:solidFill>
+                  <a:srgbClr val="000080"/>
+                </a:solidFill>
+                <a:latin typeface="Consolas" panose="020B0609020204030204" pitchFamily="49" charset="0"/>
+              </a:rPr>
+              <a:t>o</a:t>
+            </a:r>
+            <a:r>
+              <a:rPr lang="it-IT" sz="900" dirty="0">
+                <a:solidFill>
+                  <a:srgbClr val="008080"/>
+                </a:solidFill>
+                <a:latin typeface="Consolas" panose="020B0609020204030204" pitchFamily="49" charset="0"/>
+              </a:rPr>
+              <a:t>-&gt;</a:t>
+            </a:r>
+            <a:r>
+              <a:rPr lang="it-IT" sz="900" dirty="0">
+                <a:solidFill>
+                  <a:srgbClr val="880000"/>
+                </a:solidFill>
+                <a:latin typeface="Consolas" panose="020B0609020204030204" pitchFamily="49" charset="0"/>
+              </a:rPr>
+              <a:t>hello</a:t>
+            </a:r>
+            <a:r>
+              <a:rPr lang="it-IT" sz="900" dirty="0">
+                <a:solidFill>
+                  <a:srgbClr val="000000"/>
+                </a:solidFill>
+                <a:latin typeface="Consolas" panose="020B0609020204030204" pitchFamily="49" charset="0"/>
+              </a:rPr>
+              <a:t>();</a:t>
             </a:r>
             <a:endParaRPr lang="en-US" sz="900" dirty="0">
               <a:solidFill>
@@ -6356,988 +7051,86 @@
               <a:latin typeface="Consolas" panose="020B0609020204030204" pitchFamily="49" charset="0"/>
             </a:endParaRPr>
           </a:p>
-          <a:p>
-            <a:r>
-              <a:rPr lang="en-US" sz="900" dirty="0">
-                <a:solidFill>
-                  <a:srgbClr val="000000"/>
-                </a:solidFill>
-                <a:latin typeface="Consolas" panose="020B0609020204030204" pitchFamily="49" charset="0"/>
-              </a:rPr>
-              <a:t>  </a:t>
-            </a:r>
-            <a:r>
-              <a:rPr lang="en-US" sz="900" dirty="0">
-                <a:solidFill>
-                  <a:srgbClr val="0000FF"/>
-                </a:solidFill>
-                <a:latin typeface="Consolas" panose="020B0609020204030204" pitchFamily="49" charset="0"/>
-              </a:rPr>
-              <a:t>template</a:t>
-            </a:r>
-            <a:r>
-              <a:rPr lang="en-US" sz="900" dirty="0">
-                <a:solidFill>
-                  <a:srgbClr val="000000"/>
-                </a:solidFill>
-                <a:latin typeface="Consolas" panose="020B0609020204030204" pitchFamily="49" charset="0"/>
-              </a:rPr>
-              <a:t> &lt;</a:t>
-            </a:r>
-            <a:r>
-              <a:rPr lang="en-US" sz="900" dirty="0" err="1">
-                <a:solidFill>
-                  <a:srgbClr val="0000FF"/>
-                </a:solidFill>
-                <a:latin typeface="Consolas" panose="020B0609020204030204" pitchFamily="49" charset="0"/>
-              </a:rPr>
-              <a:t>typename</a:t>
-            </a:r>
-            <a:r>
-              <a:rPr lang="en-US" sz="900" dirty="0">
-                <a:solidFill>
-                  <a:srgbClr val="000000"/>
-                </a:solidFill>
-                <a:latin typeface="Consolas" panose="020B0609020204030204" pitchFamily="49" charset="0"/>
-              </a:rPr>
-              <a:t> </a:t>
-            </a:r>
-            <a:r>
-              <a:rPr lang="en-US" sz="900" dirty="0">
-                <a:solidFill>
-                  <a:srgbClr val="0000FF"/>
-                </a:solidFill>
-                <a:latin typeface="Consolas" panose="020B0609020204030204" pitchFamily="49" charset="0"/>
-              </a:rPr>
-              <a:t>T</a:t>
-            </a:r>
-            <a:r>
-              <a:rPr lang="en-US" sz="900" dirty="0">
-                <a:solidFill>
-                  <a:srgbClr val="000000"/>
-                </a:solidFill>
-                <a:latin typeface="Consolas" panose="020B0609020204030204" pitchFamily="49" charset="0"/>
-              </a:rPr>
-              <a:t>&gt;</a:t>
-            </a:r>
-          </a:p>
-          <a:p>
-            <a:r>
-              <a:rPr lang="en-US" sz="900" dirty="0">
-                <a:solidFill>
-                  <a:srgbClr val="000000"/>
-                </a:solidFill>
-                <a:latin typeface="Consolas" panose="020B0609020204030204" pitchFamily="49" charset="0"/>
-              </a:rPr>
-              <a:t>  </a:t>
-            </a:r>
-            <a:r>
-              <a:rPr lang="en-US" sz="900" dirty="0">
-                <a:solidFill>
-                  <a:srgbClr val="0000FF"/>
-                </a:solidFill>
-                <a:latin typeface="Consolas" panose="020B0609020204030204" pitchFamily="49" charset="0"/>
-              </a:rPr>
-              <a:t>class</a:t>
-            </a:r>
-            <a:r>
-              <a:rPr lang="en-US" sz="900" dirty="0">
-                <a:solidFill>
-                  <a:srgbClr val="000000"/>
-                </a:solidFill>
-                <a:latin typeface="Consolas" panose="020B0609020204030204" pitchFamily="49" charset="0"/>
-              </a:rPr>
-              <a:t> </a:t>
-            </a:r>
-            <a:r>
-              <a:rPr lang="en-US" sz="900" dirty="0">
-                <a:solidFill>
-                  <a:srgbClr val="0000FF"/>
-                </a:solidFill>
-                <a:latin typeface="Consolas" panose="020B0609020204030204" pitchFamily="49" charset="0"/>
-              </a:rPr>
-              <a:t>Factory</a:t>
-            </a:r>
-            <a:endParaRPr lang="en-US" sz="900" dirty="0">
-              <a:solidFill>
-                <a:srgbClr val="000000"/>
-              </a:solidFill>
-              <a:latin typeface="Consolas" panose="020B0609020204030204" pitchFamily="49" charset="0"/>
-            </a:endParaRPr>
-          </a:p>
-          <a:p>
-            <a:r>
-              <a:rPr lang="en-US" sz="900" dirty="0">
-                <a:solidFill>
-                  <a:srgbClr val="000000"/>
-                </a:solidFill>
-                <a:latin typeface="Consolas" panose="020B0609020204030204" pitchFamily="49" charset="0"/>
-              </a:rPr>
-              <a:t>  {</a:t>
-            </a:r>
-          </a:p>
-          <a:p>
-            <a:r>
-              <a:rPr lang="en-US" sz="900" dirty="0">
-                <a:solidFill>
-                  <a:srgbClr val="000000"/>
-                </a:solidFill>
-                <a:latin typeface="Consolas" panose="020B0609020204030204" pitchFamily="49" charset="0"/>
-              </a:rPr>
-              <a:t>    </a:t>
-            </a:r>
-            <a:r>
-              <a:rPr lang="en-US" sz="900" dirty="0" err="1">
-                <a:solidFill>
-                  <a:srgbClr val="0000FF"/>
-                </a:solidFill>
-                <a:latin typeface="Consolas" panose="020B0609020204030204" pitchFamily="49" charset="0"/>
-              </a:rPr>
-              <a:t>struct</a:t>
-            </a:r>
-            <a:r>
-              <a:rPr lang="en-US" sz="900" dirty="0">
-                <a:solidFill>
-                  <a:srgbClr val="000000"/>
-                </a:solidFill>
-                <a:latin typeface="Consolas" panose="020B0609020204030204" pitchFamily="49" charset="0"/>
-              </a:rPr>
-              <a:t> </a:t>
-            </a:r>
-            <a:r>
-              <a:rPr lang="en-US" sz="900" dirty="0">
-                <a:solidFill>
-                  <a:srgbClr val="0000FF"/>
-                </a:solidFill>
-                <a:latin typeface="Consolas" panose="020B0609020204030204" pitchFamily="49" charset="0"/>
-              </a:rPr>
-              <a:t>Creator</a:t>
-            </a:r>
-            <a:r>
-              <a:rPr lang="en-US" sz="900" dirty="0">
-                <a:solidFill>
-                  <a:srgbClr val="000000"/>
-                </a:solidFill>
-                <a:latin typeface="Consolas" panose="020B0609020204030204" pitchFamily="49" charset="0"/>
-              </a:rPr>
-              <a:t>;</a:t>
-            </a:r>
-          </a:p>
-          <a:p>
-            <a:endParaRPr lang="en-US" sz="900" dirty="0">
-              <a:solidFill>
-                <a:srgbClr val="000000"/>
-              </a:solidFill>
-              <a:latin typeface="Consolas" panose="020B0609020204030204" pitchFamily="49" charset="0"/>
-            </a:endParaRPr>
-          </a:p>
-          <a:p>
-            <a:r>
-              <a:rPr lang="en-US" sz="900" dirty="0">
-                <a:solidFill>
-                  <a:srgbClr val="000000"/>
-                </a:solidFill>
-                <a:latin typeface="Consolas" panose="020B0609020204030204" pitchFamily="49" charset="0"/>
-              </a:rPr>
-              <a:t>  </a:t>
-            </a:r>
-            <a:r>
-              <a:rPr lang="en-US" sz="900" dirty="0">
-                <a:solidFill>
-                  <a:srgbClr val="0000FF"/>
-                </a:solidFill>
-                <a:latin typeface="Consolas" panose="020B0609020204030204" pitchFamily="49" charset="0"/>
-              </a:rPr>
-              <a:t>public</a:t>
-            </a:r>
-            <a:r>
-              <a:rPr lang="en-US" sz="900" dirty="0">
-                <a:solidFill>
-                  <a:srgbClr val="000000"/>
-                </a:solidFill>
-                <a:latin typeface="Consolas" panose="020B0609020204030204" pitchFamily="49" charset="0"/>
-              </a:rPr>
-              <a:t>:</a:t>
-            </a:r>
-          </a:p>
-          <a:p>
-            <a:endParaRPr lang="en-US" sz="900" dirty="0">
-              <a:solidFill>
-                <a:srgbClr val="000000"/>
-              </a:solidFill>
-              <a:latin typeface="Consolas" panose="020B0609020204030204" pitchFamily="49" charset="0"/>
-            </a:endParaRPr>
-          </a:p>
-          <a:p>
-            <a:r>
-              <a:rPr lang="en-US" sz="900" dirty="0">
-                <a:solidFill>
-                  <a:srgbClr val="000000"/>
-                </a:solidFill>
-                <a:latin typeface="Consolas" panose="020B0609020204030204" pitchFamily="49" charset="0"/>
-              </a:rPr>
-              <a:t>    </a:t>
-            </a:r>
-            <a:r>
-              <a:rPr lang="en-US" sz="900" dirty="0">
-                <a:solidFill>
-                  <a:srgbClr val="008000"/>
-                </a:solidFill>
-                <a:latin typeface="Consolas" panose="020B0609020204030204" pitchFamily="49" charset="0"/>
-              </a:rPr>
-              <a:t>//  construct derived class instance by name</a:t>
-            </a:r>
-            <a:endParaRPr lang="en-US" sz="900" dirty="0">
-              <a:solidFill>
-                <a:srgbClr val="000000"/>
-              </a:solidFill>
-              <a:latin typeface="Consolas" panose="020B0609020204030204" pitchFamily="49" charset="0"/>
-            </a:endParaRPr>
-          </a:p>
-          <a:p>
-            <a:r>
-              <a:rPr lang="en-US" sz="900" dirty="0">
-                <a:solidFill>
-                  <a:srgbClr val="000000"/>
-                </a:solidFill>
-                <a:latin typeface="Consolas" panose="020B0609020204030204" pitchFamily="49" charset="0"/>
-              </a:rPr>
-              <a:t>    </a:t>
-            </a:r>
-            <a:r>
-              <a:rPr lang="en-US" sz="900" dirty="0" err="1">
-                <a:solidFill>
-                  <a:srgbClr val="0000FF"/>
-                </a:solidFill>
-                <a:latin typeface="Consolas" panose="020B0609020204030204" pitchFamily="49" charset="0"/>
-              </a:rPr>
-              <a:t>std</a:t>
-            </a:r>
-            <a:r>
-              <a:rPr lang="en-US" sz="900" dirty="0">
-                <a:solidFill>
-                  <a:srgbClr val="000000"/>
-                </a:solidFill>
-                <a:latin typeface="Consolas" panose="020B0609020204030204" pitchFamily="49" charset="0"/>
-              </a:rPr>
-              <a:t>::</a:t>
-            </a:r>
-            <a:r>
-              <a:rPr lang="en-US" sz="900" dirty="0" err="1">
-                <a:solidFill>
-                  <a:srgbClr val="0000FF"/>
-                </a:solidFill>
-                <a:latin typeface="Consolas" panose="020B0609020204030204" pitchFamily="49" charset="0"/>
-              </a:rPr>
-              <a:t>unique_ptr</a:t>
-            </a:r>
-            <a:r>
-              <a:rPr lang="en-US" sz="900" dirty="0">
-                <a:solidFill>
-                  <a:srgbClr val="000000"/>
-                </a:solidFill>
-                <a:latin typeface="Consolas" panose="020B0609020204030204" pitchFamily="49" charset="0"/>
-              </a:rPr>
-              <a:t>&lt;</a:t>
-            </a:r>
-            <a:r>
-              <a:rPr lang="en-US" sz="900" dirty="0">
-                <a:solidFill>
-                  <a:srgbClr val="0000FF"/>
-                </a:solidFill>
-                <a:latin typeface="Consolas" panose="020B0609020204030204" pitchFamily="49" charset="0"/>
-              </a:rPr>
-              <a:t>T</a:t>
-            </a:r>
-            <a:r>
-              <a:rPr lang="en-US" sz="900" dirty="0">
-                <a:solidFill>
-                  <a:srgbClr val="000000"/>
-                </a:solidFill>
-                <a:latin typeface="Consolas" panose="020B0609020204030204" pitchFamily="49" charset="0"/>
-              </a:rPr>
-              <a:t>&gt; </a:t>
-            </a:r>
-            <a:r>
-              <a:rPr lang="en-US" sz="900" dirty="0">
-                <a:solidFill>
-                  <a:srgbClr val="880000"/>
-                </a:solidFill>
-                <a:latin typeface="Consolas" panose="020B0609020204030204" pitchFamily="49" charset="0"/>
-              </a:rPr>
-              <a:t>create</a:t>
-            </a:r>
-            <a:r>
-              <a:rPr lang="en-US" sz="900" dirty="0">
-                <a:solidFill>
-                  <a:srgbClr val="000000"/>
-                </a:solidFill>
-                <a:latin typeface="Consolas" panose="020B0609020204030204" pitchFamily="49" charset="0"/>
-              </a:rPr>
-              <a:t>( </a:t>
-            </a:r>
-            <a:r>
-              <a:rPr lang="en-US" sz="900" dirty="0" err="1">
-                <a:solidFill>
-                  <a:srgbClr val="0000FF"/>
-                </a:solidFill>
-                <a:latin typeface="Consolas" panose="020B0609020204030204" pitchFamily="49" charset="0"/>
-              </a:rPr>
-              <a:t>const</a:t>
-            </a:r>
-            <a:r>
-              <a:rPr lang="en-US" sz="900" dirty="0">
-                <a:solidFill>
-                  <a:srgbClr val="000000"/>
-                </a:solidFill>
-                <a:latin typeface="Consolas" panose="020B0609020204030204" pitchFamily="49" charset="0"/>
-              </a:rPr>
-              <a:t> </a:t>
-            </a:r>
-            <a:r>
-              <a:rPr lang="en-US" sz="900" dirty="0" err="1">
-                <a:solidFill>
-                  <a:srgbClr val="0000FF"/>
-                </a:solidFill>
-                <a:latin typeface="Consolas" panose="020B0609020204030204" pitchFamily="49" charset="0"/>
-              </a:rPr>
-              <a:t>std</a:t>
-            </a:r>
-            <a:r>
-              <a:rPr lang="en-US" sz="900" dirty="0">
-                <a:solidFill>
-                  <a:srgbClr val="000000"/>
-                </a:solidFill>
-                <a:latin typeface="Consolas" panose="020B0609020204030204" pitchFamily="49" charset="0"/>
-              </a:rPr>
-              <a:t>::</a:t>
-            </a:r>
-            <a:r>
-              <a:rPr lang="en-US" sz="900" dirty="0">
-                <a:solidFill>
-                  <a:srgbClr val="0000FF"/>
-                </a:solidFill>
-                <a:latin typeface="Consolas" panose="020B0609020204030204" pitchFamily="49" charset="0"/>
-              </a:rPr>
-              <a:t>string</a:t>
-            </a:r>
-            <a:r>
-              <a:rPr lang="en-US" sz="900" dirty="0">
-                <a:solidFill>
-                  <a:srgbClr val="000000"/>
-                </a:solidFill>
-                <a:latin typeface="Consolas" panose="020B0609020204030204" pitchFamily="49" charset="0"/>
-              </a:rPr>
-              <a:t>&amp; ) </a:t>
-            </a:r>
-            <a:r>
-              <a:rPr lang="en-US" sz="900" dirty="0" err="1">
-                <a:solidFill>
-                  <a:srgbClr val="0000FF"/>
-                </a:solidFill>
-                <a:latin typeface="Consolas" panose="020B0609020204030204" pitchFamily="49" charset="0"/>
-              </a:rPr>
-              <a:t>const</a:t>
-            </a:r>
-            <a:r>
-              <a:rPr lang="en-US" sz="900" dirty="0">
-                <a:solidFill>
-                  <a:srgbClr val="000000"/>
-                </a:solidFill>
-                <a:latin typeface="Consolas" panose="020B0609020204030204" pitchFamily="49" charset="0"/>
-              </a:rPr>
-              <a:t>;</a:t>
-            </a:r>
-          </a:p>
-          <a:p>
-            <a:endParaRPr lang="en-US" sz="900" dirty="0">
-              <a:solidFill>
-                <a:srgbClr val="000000"/>
-              </a:solidFill>
-              <a:latin typeface="Consolas" panose="020B0609020204030204" pitchFamily="49" charset="0"/>
-            </a:endParaRPr>
-          </a:p>
-          <a:p>
-            <a:r>
-              <a:rPr lang="en-US" sz="900" dirty="0" smtClean="0">
-                <a:solidFill>
-                  <a:srgbClr val="000000"/>
-                </a:solidFill>
-                <a:latin typeface="Consolas" panose="020B0609020204030204" pitchFamily="49" charset="0"/>
-              </a:rPr>
-              <a:t>    </a:t>
-            </a:r>
-            <a:r>
-              <a:rPr lang="en-US" sz="900" dirty="0" smtClean="0">
-                <a:solidFill>
-                  <a:srgbClr val="008000"/>
-                </a:solidFill>
-                <a:latin typeface="Consolas" panose="020B0609020204030204" pitchFamily="49" charset="0"/>
-              </a:rPr>
-              <a:t>//  make derived class X constructible by name</a:t>
-            </a:r>
-            <a:endParaRPr lang="en-US" sz="900" dirty="0" smtClean="0">
-              <a:solidFill>
-                <a:srgbClr val="000000"/>
-              </a:solidFill>
-              <a:latin typeface="Consolas" panose="020B0609020204030204" pitchFamily="49" charset="0"/>
-            </a:endParaRPr>
-          </a:p>
-          <a:p>
-            <a:r>
-              <a:rPr lang="en-US" sz="900" dirty="0" smtClean="0">
-                <a:solidFill>
-                  <a:srgbClr val="000000"/>
-                </a:solidFill>
-                <a:latin typeface="Consolas" panose="020B0609020204030204" pitchFamily="49" charset="0"/>
-              </a:rPr>
-              <a:t>    </a:t>
-            </a:r>
-            <a:r>
-              <a:rPr lang="en-US" sz="900" dirty="0" smtClean="0">
-                <a:solidFill>
-                  <a:srgbClr val="0000FF"/>
-                </a:solidFill>
-                <a:latin typeface="Consolas" panose="020B0609020204030204" pitchFamily="49" charset="0"/>
-              </a:rPr>
-              <a:t>template</a:t>
-            </a:r>
-            <a:r>
-              <a:rPr lang="en-US" sz="900" dirty="0" smtClean="0">
-                <a:solidFill>
-                  <a:srgbClr val="000000"/>
-                </a:solidFill>
-                <a:latin typeface="Consolas" panose="020B0609020204030204" pitchFamily="49" charset="0"/>
-              </a:rPr>
-              <a:t> &lt;</a:t>
-            </a:r>
-            <a:r>
-              <a:rPr lang="en-US" sz="900" dirty="0" err="1" smtClean="0">
-                <a:solidFill>
-                  <a:srgbClr val="0000FF"/>
-                </a:solidFill>
-                <a:latin typeface="Consolas" panose="020B0609020204030204" pitchFamily="49" charset="0"/>
-              </a:rPr>
-              <a:t>typename</a:t>
-            </a:r>
-            <a:r>
-              <a:rPr lang="en-US" sz="900" dirty="0" smtClean="0">
-                <a:solidFill>
-                  <a:srgbClr val="000000"/>
-                </a:solidFill>
-                <a:latin typeface="Consolas" panose="020B0609020204030204" pitchFamily="49" charset="0"/>
-              </a:rPr>
-              <a:t> </a:t>
-            </a:r>
-            <a:r>
-              <a:rPr lang="en-US" sz="900" dirty="0" smtClean="0">
-                <a:solidFill>
-                  <a:srgbClr val="0000FF"/>
-                </a:solidFill>
-                <a:latin typeface="Consolas" panose="020B0609020204030204" pitchFamily="49" charset="0"/>
-              </a:rPr>
-              <a:t>X</a:t>
-            </a:r>
-            <a:r>
-              <a:rPr lang="en-US" sz="900" dirty="0" smtClean="0">
-                <a:solidFill>
-                  <a:srgbClr val="000000"/>
-                </a:solidFill>
-                <a:latin typeface="Consolas" panose="020B0609020204030204" pitchFamily="49" charset="0"/>
-              </a:rPr>
-              <a:t>&gt;</a:t>
-            </a:r>
-          </a:p>
-          <a:p>
-            <a:r>
-              <a:rPr lang="en-US" sz="900" dirty="0" smtClean="0">
-                <a:solidFill>
-                  <a:srgbClr val="000000"/>
-                </a:solidFill>
-                <a:latin typeface="Consolas" panose="020B0609020204030204" pitchFamily="49" charset="0"/>
-              </a:rPr>
-              <a:t>    </a:t>
-            </a:r>
-            <a:r>
-              <a:rPr lang="en-US" sz="900" dirty="0" smtClean="0">
-                <a:solidFill>
-                  <a:srgbClr val="0000FF"/>
-                </a:solidFill>
-                <a:latin typeface="Consolas" panose="020B0609020204030204" pitchFamily="49" charset="0"/>
-              </a:rPr>
-              <a:t>void</a:t>
-            </a:r>
-            <a:r>
-              <a:rPr lang="en-US" sz="900" dirty="0" smtClean="0">
-                <a:solidFill>
-                  <a:srgbClr val="000000"/>
-                </a:solidFill>
-                <a:latin typeface="Consolas" panose="020B0609020204030204" pitchFamily="49" charset="0"/>
-              </a:rPr>
-              <a:t> </a:t>
-            </a:r>
-            <a:r>
-              <a:rPr lang="en-US" sz="900" dirty="0" smtClean="0">
-                <a:solidFill>
-                  <a:srgbClr val="880000"/>
-                </a:solidFill>
-                <a:latin typeface="Consolas" panose="020B0609020204030204" pitchFamily="49" charset="0"/>
-              </a:rPr>
-              <a:t>add</a:t>
-            </a:r>
-            <a:r>
-              <a:rPr lang="en-US" sz="900" dirty="0" smtClean="0">
-                <a:solidFill>
-                  <a:srgbClr val="000000"/>
-                </a:solidFill>
-                <a:latin typeface="Consolas" panose="020B0609020204030204" pitchFamily="49" charset="0"/>
-              </a:rPr>
-              <a:t>( </a:t>
-            </a:r>
-            <a:r>
-              <a:rPr lang="en-US" sz="900" dirty="0" err="1" smtClean="0">
-                <a:solidFill>
-                  <a:srgbClr val="0000FF"/>
-                </a:solidFill>
-                <a:latin typeface="Consolas" panose="020B0609020204030204" pitchFamily="49" charset="0"/>
-              </a:rPr>
-              <a:t>const</a:t>
-            </a:r>
-            <a:r>
-              <a:rPr lang="en-US" sz="900" dirty="0" smtClean="0">
-                <a:solidFill>
-                  <a:srgbClr val="000000"/>
-                </a:solidFill>
-                <a:latin typeface="Consolas" panose="020B0609020204030204" pitchFamily="49" charset="0"/>
-              </a:rPr>
-              <a:t> </a:t>
-            </a:r>
-            <a:r>
-              <a:rPr lang="en-US" sz="900" dirty="0" err="1" smtClean="0">
-                <a:solidFill>
-                  <a:srgbClr val="0000FF"/>
-                </a:solidFill>
-                <a:latin typeface="Consolas" panose="020B0609020204030204" pitchFamily="49" charset="0"/>
-              </a:rPr>
-              <a:t>std</a:t>
-            </a:r>
-            <a:r>
-              <a:rPr lang="en-US" sz="900" dirty="0" smtClean="0">
-                <a:solidFill>
-                  <a:srgbClr val="000000"/>
-                </a:solidFill>
-                <a:latin typeface="Consolas" panose="020B0609020204030204" pitchFamily="49" charset="0"/>
-              </a:rPr>
-              <a:t>::</a:t>
-            </a:r>
-            <a:r>
-              <a:rPr lang="en-US" sz="900" dirty="0" smtClean="0">
-                <a:solidFill>
-                  <a:srgbClr val="0000FF"/>
-                </a:solidFill>
-                <a:latin typeface="Consolas" panose="020B0609020204030204" pitchFamily="49" charset="0"/>
-              </a:rPr>
-              <a:t>string</a:t>
-            </a:r>
-            <a:r>
-              <a:rPr lang="en-US" sz="900" dirty="0" smtClean="0">
-                <a:solidFill>
-                  <a:srgbClr val="000000"/>
-                </a:solidFill>
-                <a:latin typeface="Consolas" panose="020B0609020204030204" pitchFamily="49" charset="0"/>
-              </a:rPr>
-              <a:t>&amp; );</a:t>
-            </a:r>
-          </a:p>
-          <a:p>
-            <a:endParaRPr lang="en-US" sz="900" dirty="0" smtClean="0">
-              <a:solidFill>
-                <a:srgbClr val="000000"/>
-              </a:solidFill>
-              <a:latin typeface="Consolas" panose="020B0609020204030204" pitchFamily="49" charset="0"/>
-            </a:endParaRPr>
-          </a:p>
-          <a:p>
-            <a:r>
-              <a:rPr lang="en-US" sz="900" dirty="0" smtClean="0">
-                <a:solidFill>
-                  <a:srgbClr val="000000"/>
-                </a:solidFill>
-                <a:latin typeface="Consolas" panose="020B0609020204030204" pitchFamily="49" charset="0"/>
-              </a:rPr>
-              <a:t>    </a:t>
-            </a:r>
-            <a:r>
-              <a:rPr lang="en-US" sz="900" dirty="0" smtClean="0">
-                <a:solidFill>
-                  <a:srgbClr val="008000"/>
-                </a:solidFill>
-                <a:latin typeface="Consolas" panose="020B0609020204030204" pitchFamily="49" charset="0"/>
-              </a:rPr>
-              <a:t>//  no longer construct object by given name</a:t>
-            </a:r>
-            <a:endParaRPr lang="en-US" sz="900" dirty="0" smtClean="0">
-              <a:solidFill>
-                <a:srgbClr val="000000"/>
-              </a:solidFill>
-              <a:latin typeface="Consolas" panose="020B0609020204030204" pitchFamily="49" charset="0"/>
-            </a:endParaRPr>
-          </a:p>
-          <a:p>
-            <a:r>
-              <a:rPr lang="en-US" sz="900" dirty="0" smtClean="0">
-                <a:solidFill>
-                  <a:srgbClr val="000000"/>
-                </a:solidFill>
-                <a:latin typeface="Consolas" panose="020B0609020204030204" pitchFamily="49" charset="0"/>
-              </a:rPr>
-              <a:t>    </a:t>
-            </a:r>
-            <a:r>
-              <a:rPr lang="en-US" sz="900" dirty="0" smtClean="0">
-                <a:solidFill>
-                  <a:srgbClr val="0000FF"/>
-                </a:solidFill>
-                <a:latin typeface="Consolas" panose="020B0609020204030204" pitchFamily="49" charset="0"/>
-              </a:rPr>
-              <a:t>void</a:t>
-            </a:r>
-            <a:r>
-              <a:rPr lang="en-US" sz="900" dirty="0" smtClean="0">
-                <a:solidFill>
-                  <a:srgbClr val="000000"/>
-                </a:solidFill>
-                <a:latin typeface="Consolas" panose="020B0609020204030204" pitchFamily="49" charset="0"/>
-              </a:rPr>
-              <a:t> </a:t>
-            </a:r>
-            <a:r>
-              <a:rPr lang="en-US" sz="900" dirty="0" smtClean="0">
-                <a:solidFill>
-                  <a:srgbClr val="880000"/>
-                </a:solidFill>
-                <a:latin typeface="Consolas" panose="020B0609020204030204" pitchFamily="49" charset="0"/>
-              </a:rPr>
-              <a:t>remove</a:t>
-            </a:r>
-            <a:r>
-              <a:rPr lang="en-US" sz="900" dirty="0" smtClean="0">
-                <a:solidFill>
-                  <a:srgbClr val="000000"/>
-                </a:solidFill>
-                <a:latin typeface="Consolas" panose="020B0609020204030204" pitchFamily="49" charset="0"/>
-              </a:rPr>
-              <a:t>( </a:t>
-            </a:r>
-            <a:r>
-              <a:rPr lang="en-US" sz="900" dirty="0" err="1" smtClean="0">
-                <a:solidFill>
-                  <a:srgbClr val="0000FF"/>
-                </a:solidFill>
-                <a:latin typeface="Consolas" panose="020B0609020204030204" pitchFamily="49" charset="0"/>
-              </a:rPr>
-              <a:t>const</a:t>
-            </a:r>
-            <a:r>
-              <a:rPr lang="en-US" sz="900" dirty="0" smtClean="0">
-                <a:solidFill>
-                  <a:srgbClr val="000000"/>
-                </a:solidFill>
-                <a:latin typeface="Consolas" panose="020B0609020204030204" pitchFamily="49" charset="0"/>
-              </a:rPr>
-              <a:t> </a:t>
-            </a:r>
-            <a:r>
-              <a:rPr lang="en-US" sz="900" dirty="0" err="1" smtClean="0">
-                <a:solidFill>
-                  <a:srgbClr val="0000FF"/>
-                </a:solidFill>
-                <a:latin typeface="Consolas" panose="020B0609020204030204" pitchFamily="49" charset="0"/>
-              </a:rPr>
-              <a:t>std</a:t>
-            </a:r>
-            <a:r>
-              <a:rPr lang="en-US" sz="900" dirty="0" smtClean="0">
-                <a:solidFill>
-                  <a:srgbClr val="000000"/>
-                </a:solidFill>
-                <a:latin typeface="Consolas" panose="020B0609020204030204" pitchFamily="49" charset="0"/>
-              </a:rPr>
-              <a:t>::</a:t>
-            </a:r>
-            <a:r>
-              <a:rPr lang="en-US" sz="900" dirty="0" smtClean="0">
-                <a:solidFill>
-                  <a:srgbClr val="0000FF"/>
-                </a:solidFill>
-                <a:latin typeface="Consolas" panose="020B0609020204030204" pitchFamily="49" charset="0"/>
-              </a:rPr>
-              <a:t>string</a:t>
-            </a:r>
-            <a:r>
-              <a:rPr lang="en-US" sz="900" dirty="0" smtClean="0">
-                <a:solidFill>
-                  <a:srgbClr val="000000"/>
-                </a:solidFill>
-                <a:latin typeface="Consolas" panose="020B0609020204030204" pitchFamily="49" charset="0"/>
-              </a:rPr>
-              <a:t>&amp; );</a:t>
-            </a:r>
-          </a:p>
-          <a:p>
-            <a:endParaRPr lang="en-US" sz="900" dirty="0">
-              <a:solidFill>
-                <a:srgbClr val="000000"/>
-              </a:solidFill>
-              <a:latin typeface="Consolas" panose="020B0609020204030204" pitchFamily="49" charset="0"/>
-            </a:endParaRPr>
-          </a:p>
-          <a:p>
-            <a:r>
-              <a:rPr lang="en-US" sz="900" dirty="0">
-                <a:solidFill>
-                  <a:srgbClr val="000000"/>
-                </a:solidFill>
-                <a:latin typeface="Consolas" panose="020B0609020204030204" pitchFamily="49" charset="0"/>
-              </a:rPr>
-              <a:t>  </a:t>
-            </a:r>
-            <a:r>
-              <a:rPr lang="en-US" sz="900" dirty="0">
-                <a:solidFill>
-                  <a:srgbClr val="0000FF"/>
-                </a:solidFill>
-                <a:latin typeface="Consolas" panose="020B0609020204030204" pitchFamily="49" charset="0"/>
-              </a:rPr>
-              <a:t>private</a:t>
-            </a:r>
-            <a:r>
-              <a:rPr lang="en-US" sz="900" dirty="0">
-                <a:solidFill>
-                  <a:srgbClr val="000000"/>
-                </a:solidFill>
-                <a:latin typeface="Consolas" panose="020B0609020204030204" pitchFamily="49" charset="0"/>
-              </a:rPr>
-              <a:t>:</a:t>
-            </a:r>
-          </a:p>
-          <a:p>
-            <a:endParaRPr lang="en-US" sz="900" dirty="0">
-              <a:solidFill>
-                <a:srgbClr val="000000"/>
-              </a:solidFill>
-              <a:latin typeface="Consolas" panose="020B0609020204030204" pitchFamily="49" charset="0"/>
-            </a:endParaRPr>
-          </a:p>
-          <a:p>
-            <a:r>
-              <a:rPr lang="en-US" sz="900" dirty="0">
-                <a:solidFill>
-                  <a:srgbClr val="000000"/>
-                </a:solidFill>
-                <a:latin typeface="Consolas" panose="020B0609020204030204" pitchFamily="49" charset="0"/>
-              </a:rPr>
-              <a:t>    </a:t>
-            </a:r>
-            <a:r>
-              <a:rPr lang="en-US" sz="900" dirty="0" err="1">
-                <a:solidFill>
-                  <a:srgbClr val="0000FF"/>
-                </a:solidFill>
-                <a:latin typeface="Consolas" panose="020B0609020204030204" pitchFamily="49" charset="0"/>
-              </a:rPr>
-              <a:t>std</a:t>
-            </a:r>
-            <a:r>
-              <a:rPr lang="en-US" sz="900" dirty="0">
-                <a:solidFill>
-                  <a:srgbClr val="000000"/>
-                </a:solidFill>
-                <a:latin typeface="Consolas" panose="020B0609020204030204" pitchFamily="49" charset="0"/>
-              </a:rPr>
-              <a:t>::</a:t>
-            </a:r>
-            <a:r>
-              <a:rPr lang="en-US" sz="900" dirty="0" err="1">
-                <a:solidFill>
-                  <a:srgbClr val="0000FF"/>
-                </a:solidFill>
-                <a:latin typeface="Consolas" panose="020B0609020204030204" pitchFamily="49" charset="0"/>
-              </a:rPr>
-              <a:t>unordered_map</a:t>
-            </a:r>
-            <a:r>
-              <a:rPr lang="en-US" sz="900" dirty="0">
-                <a:solidFill>
-                  <a:srgbClr val="000000"/>
-                </a:solidFill>
-                <a:latin typeface="Consolas" panose="020B0609020204030204" pitchFamily="49" charset="0"/>
-              </a:rPr>
-              <a:t>&lt;</a:t>
-            </a:r>
-          </a:p>
-          <a:p>
-            <a:r>
-              <a:rPr lang="en-US" sz="900" dirty="0">
-                <a:solidFill>
-                  <a:srgbClr val="000000"/>
-                </a:solidFill>
-                <a:latin typeface="Consolas" panose="020B0609020204030204" pitchFamily="49" charset="0"/>
-              </a:rPr>
-              <a:t>      </a:t>
-            </a:r>
-            <a:r>
-              <a:rPr lang="en-US" sz="900" dirty="0" err="1">
-                <a:solidFill>
-                  <a:srgbClr val="0000FF"/>
-                </a:solidFill>
-                <a:latin typeface="Consolas" panose="020B0609020204030204" pitchFamily="49" charset="0"/>
-              </a:rPr>
-              <a:t>std</a:t>
-            </a:r>
-            <a:r>
-              <a:rPr lang="en-US" sz="900" dirty="0">
-                <a:solidFill>
-                  <a:srgbClr val="000000"/>
-                </a:solidFill>
-                <a:latin typeface="Consolas" panose="020B0609020204030204" pitchFamily="49" charset="0"/>
-              </a:rPr>
-              <a:t>::</a:t>
-            </a:r>
-            <a:r>
-              <a:rPr lang="en-US" sz="900" dirty="0">
-                <a:solidFill>
-                  <a:srgbClr val="0000FF"/>
-                </a:solidFill>
-                <a:latin typeface="Consolas" panose="020B0609020204030204" pitchFamily="49" charset="0"/>
-              </a:rPr>
-              <a:t>string</a:t>
-            </a:r>
-            <a:r>
-              <a:rPr lang="en-US" sz="900" dirty="0">
-                <a:solidFill>
-                  <a:srgbClr val="000000"/>
-                </a:solidFill>
-                <a:latin typeface="Consolas" panose="020B0609020204030204" pitchFamily="49" charset="0"/>
-              </a:rPr>
-              <a:t>,</a:t>
-            </a:r>
-          </a:p>
-          <a:p>
-            <a:r>
-              <a:rPr lang="en-US" sz="900" dirty="0">
-                <a:solidFill>
-                  <a:srgbClr val="000000"/>
-                </a:solidFill>
-                <a:latin typeface="Consolas" panose="020B0609020204030204" pitchFamily="49" charset="0"/>
-              </a:rPr>
-              <a:t>      </a:t>
-            </a:r>
-            <a:r>
-              <a:rPr lang="en-US" sz="900" dirty="0" err="1">
-                <a:solidFill>
-                  <a:srgbClr val="0000FF"/>
-                </a:solidFill>
-                <a:latin typeface="Consolas" panose="020B0609020204030204" pitchFamily="49" charset="0"/>
-              </a:rPr>
-              <a:t>std</a:t>
-            </a:r>
-            <a:r>
-              <a:rPr lang="en-US" sz="900" dirty="0">
-                <a:solidFill>
-                  <a:srgbClr val="000000"/>
-                </a:solidFill>
-                <a:latin typeface="Consolas" panose="020B0609020204030204" pitchFamily="49" charset="0"/>
-              </a:rPr>
-              <a:t>::</a:t>
-            </a:r>
-            <a:r>
-              <a:rPr lang="en-US" sz="900" dirty="0" err="1">
-                <a:solidFill>
-                  <a:srgbClr val="0000FF"/>
-                </a:solidFill>
-                <a:latin typeface="Consolas" panose="020B0609020204030204" pitchFamily="49" charset="0"/>
-              </a:rPr>
-              <a:t>unique_ptr</a:t>
-            </a:r>
-            <a:r>
-              <a:rPr lang="en-US" sz="900" dirty="0">
-                <a:solidFill>
-                  <a:srgbClr val="000000"/>
-                </a:solidFill>
-                <a:latin typeface="Consolas" panose="020B0609020204030204" pitchFamily="49" charset="0"/>
-              </a:rPr>
-              <a:t>&lt;</a:t>
-            </a:r>
-            <a:r>
-              <a:rPr lang="en-US" sz="900" dirty="0">
-                <a:solidFill>
-                  <a:srgbClr val="0000FF"/>
-                </a:solidFill>
-                <a:latin typeface="Consolas" panose="020B0609020204030204" pitchFamily="49" charset="0"/>
-              </a:rPr>
-              <a:t>Creator</a:t>
-            </a:r>
-            <a:r>
-              <a:rPr lang="en-US" sz="900" dirty="0">
-                <a:solidFill>
-                  <a:srgbClr val="000000"/>
-                </a:solidFill>
-                <a:latin typeface="Consolas" panose="020B0609020204030204" pitchFamily="49" charset="0"/>
-              </a:rPr>
-              <a:t>&gt;&gt; </a:t>
-            </a:r>
-            <a:r>
-              <a:rPr lang="en-US" sz="900" dirty="0" err="1">
-                <a:solidFill>
-                  <a:srgbClr val="000080"/>
-                </a:solidFill>
-                <a:latin typeface="Consolas" panose="020B0609020204030204" pitchFamily="49" charset="0"/>
-              </a:rPr>
-              <a:t>d_collection</a:t>
-            </a:r>
-            <a:r>
-              <a:rPr lang="en-US" sz="900" dirty="0">
-                <a:solidFill>
-                  <a:srgbClr val="000000"/>
-                </a:solidFill>
-                <a:latin typeface="Consolas" panose="020B0609020204030204" pitchFamily="49" charset="0"/>
-              </a:rPr>
-              <a:t>;</a:t>
-            </a:r>
-          </a:p>
-          <a:p>
-            <a:r>
-              <a:rPr lang="en-US" sz="900" dirty="0">
-                <a:solidFill>
-                  <a:srgbClr val="000000"/>
-                </a:solidFill>
-                <a:latin typeface="Consolas" panose="020B0609020204030204" pitchFamily="49" charset="0"/>
-              </a:rPr>
-              <a:t>  </a:t>
-            </a:r>
-            <a:r>
-              <a:rPr lang="en-US" sz="900" dirty="0" smtClean="0">
-                <a:solidFill>
-                  <a:srgbClr val="000000"/>
-                </a:solidFill>
-                <a:latin typeface="Consolas" panose="020B0609020204030204" pitchFamily="49" charset="0"/>
-              </a:rPr>
-              <a:t>};</a:t>
-            </a:r>
-            <a:endParaRPr lang="en-US" sz="900" dirty="0">
-              <a:solidFill>
-                <a:srgbClr val="000000"/>
-              </a:solidFill>
-              <a:latin typeface="Consolas" panose="020B0609020204030204" pitchFamily="49" charset="0"/>
-            </a:endParaRPr>
-          </a:p>
         </p:txBody>
       </p:sp>
+      <p:cxnSp>
+        <p:nvCxnSpPr>
+          <p:cNvPr id="13" name="Straight Arrow Connector 12"/>
+          <p:cNvCxnSpPr>
+            <a:stCxn id="12" idx="0"/>
+            <a:endCxn id="8" idx="2"/>
+          </p:cNvCxnSpPr>
+          <p:nvPr/>
+        </p:nvCxnSpPr>
+        <p:spPr>
+          <a:xfrm flipH="1" flipV="1">
+            <a:off x="4572000" y="3429000"/>
+            <a:ext cx="2286000" cy="910004"/>
+          </a:xfrm>
+          <a:prstGeom prst="straightConnector1">
+            <a:avLst/>
+          </a:prstGeom>
+          <a:ln>
+            <a:headEnd type="none" w="med" len="med"/>
+            <a:tailEnd type="arrow" w="med" len="med"/>
+          </a:ln>
+        </p:spPr>
+        <p:style>
+          <a:lnRef idx="3">
+            <a:schemeClr val="accent1"/>
+          </a:lnRef>
+          <a:fillRef idx="0">
+            <a:schemeClr val="accent1"/>
+          </a:fillRef>
+          <a:effectRef idx="2">
+            <a:schemeClr val="accent1"/>
+          </a:effectRef>
+          <a:fontRef idx="minor">
+            <a:schemeClr val="tx1"/>
+          </a:fontRef>
+        </p:style>
+      </p:cxnSp>
+      <p:cxnSp>
+        <p:nvCxnSpPr>
+          <p:cNvPr id="16" name="Straight Arrow Connector 15"/>
+          <p:cNvCxnSpPr>
+            <a:stCxn id="10" idx="0"/>
+            <a:endCxn id="8" idx="2"/>
+          </p:cNvCxnSpPr>
+          <p:nvPr/>
+        </p:nvCxnSpPr>
+        <p:spPr>
+          <a:xfrm flipV="1">
+            <a:off x="2286000" y="3429000"/>
+            <a:ext cx="2286000" cy="910004"/>
+          </a:xfrm>
+          <a:prstGeom prst="straightConnector1">
+            <a:avLst/>
+          </a:prstGeom>
+          <a:ln>
+            <a:headEnd type="none" w="med" len="med"/>
+            <a:tailEnd type="arrow" w="med" len="med"/>
+          </a:ln>
+        </p:spPr>
+        <p:style>
+          <a:lnRef idx="3">
+            <a:schemeClr val="accent1"/>
+          </a:lnRef>
+          <a:fillRef idx="0">
+            <a:schemeClr val="accent1"/>
+          </a:fillRef>
+          <a:effectRef idx="2">
+            <a:schemeClr val="accent1"/>
+          </a:effectRef>
+          <a:fontRef idx="minor">
+            <a:schemeClr val="tx1"/>
+          </a:fontRef>
+        </p:style>
+      </p:cxnSp>
     </p:spTree>
     <p:extLst>
       <p:ext uri="{BB962C8B-B14F-4D97-AF65-F5344CB8AC3E}">
-        <p14:creationId xmlns:p14="http://schemas.microsoft.com/office/powerpoint/2010/main" val="1535295679"/>
+        <p14:creationId xmlns:p14="http://schemas.microsoft.com/office/powerpoint/2010/main" val="1982681562"/>
       </p:ext>
     </p:extLst>
   </p:cSld>
@@ -7388,7 +7181,7 @@
           <a:p>
             <a:r>
               <a:rPr lang="en-US" dirty="0" smtClean="0"/>
-              <a:t>Factory definition</a:t>
+              <a:t>Factory declaration</a:t>
             </a:r>
             <a:endParaRPr lang="en-US" dirty="0"/>
           </a:p>
@@ -7457,8 +7250,8 @@
         </p:nvSpPr>
         <p:spPr>
           <a:xfrm>
-            <a:off x="914400" y="1598980"/>
-            <a:ext cx="4572000" cy="3831818"/>
+            <a:off x="914400" y="1219200"/>
+            <a:ext cx="6400800" cy="4324261"/>
           </a:xfrm>
           <a:prstGeom prst="rect">
             <a:avLst/>
@@ -7471,169 +7264,24 @@
           <a:lstStyle/>
           <a:p>
             <a:r>
-              <a:rPr lang="en-US" sz="900" dirty="0">
+              <a:rPr lang="en-US" sz="1100" dirty="0" smtClean="0">
                 <a:solidFill>
                   <a:srgbClr val="008000"/>
                 </a:solidFill>
                 <a:latin typeface="Consolas" panose="020B0609020204030204" pitchFamily="49" charset="0"/>
               </a:rPr>
-              <a:t>//  my 'virtual constructor'</a:t>
-            </a:r>
-            <a:endParaRPr lang="en-US" sz="900" dirty="0" smtClean="0">
-              <a:solidFill>
-                <a:srgbClr val="0000FF"/>
-              </a:solidFill>
-              <a:latin typeface="Consolas" panose="020B0609020204030204" pitchFamily="49" charset="0"/>
-            </a:endParaRPr>
-          </a:p>
-          <a:p>
-            <a:r>
-              <a:rPr lang="en-US" sz="900" dirty="0" smtClean="0">
-                <a:solidFill>
-                  <a:srgbClr val="0000FF"/>
-                </a:solidFill>
-                <a:latin typeface="Consolas" panose="020B0609020204030204" pitchFamily="49" charset="0"/>
-              </a:rPr>
-              <a:t>template</a:t>
-            </a:r>
-            <a:r>
-              <a:rPr lang="en-US" sz="900" dirty="0" smtClean="0">
-                <a:solidFill>
-                  <a:srgbClr val="000000"/>
-                </a:solidFill>
-                <a:latin typeface="Consolas" panose="020B0609020204030204" pitchFamily="49" charset="0"/>
-              </a:rPr>
-              <a:t> </a:t>
-            </a:r>
-            <a:r>
-              <a:rPr lang="en-US" sz="900" dirty="0">
-                <a:solidFill>
-                  <a:srgbClr val="000000"/>
-                </a:solidFill>
-                <a:latin typeface="Consolas" panose="020B0609020204030204" pitchFamily="49" charset="0"/>
-              </a:rPr>
-              <a:t>&lt;</a:t>
-            </a:r>
-            <a:r>
-              <a:rPr lang="en-US" sz="900" dirty="0" err="1">
-                <a:solidFill>
-                  <a:srgbClr val="0000FF"/>
-                </a:solidFill>
-                <a:latin typeface="Consolas" panose="020B0609020204030204" pitchFamily="49" charset="0"/>
-              </a:rPr>
-              <a:t>typename</a:t>
-            </a:r>
-            <a:r>
-              <a:rPr lang="en-US" sz="900" dirty="0">
-                <a:solidFill>
-                  <a:srgbClr val="000000"/>
-                </a:solidFill>
-                <a:latin typeface="Consolas" panose="020B0609020204030204" pitchFamily="49" charset="0"/>
-              </a:rPr>
-              <a:t> </a:t>
-            </a:r>
-            <a:r>
-              <a:rPr lang="en-US" sz="900" dirty="0">
-                <a:solidFill>
-                  <a:srgbClr val="0000FF"/>
-                </a:solidFill>
-                <a:latin typeface="Consolas" panose="020B0609020204030204" pitchFamily="49" charset="0"/>
-              </a:rPr>
-              <a:t>T</a:t>
-            </a:r>
-            <a:r>
-              <a:rPr lang="en-US" sz="900" dirty="0">
-                <a:solidFill>
-                  <a:srgbClr val="000000"/>
-                </a:solidFill>
-                <a:latin typeface="Consolas" panose="020B0609020204030204" pitchFamily="49" charset="0"/>
-              </a:rPr>
-              <a:t>&gt;</a:t>
-            </a:r>
-          </a:p>
-          <a:p>
-            <a:r>
-              <a:rPr lang="en-US" sz="900" dirty="0" err="1">
-                <a:solidFill>
-                  <a:srgbClr val="0000FF"/>
-                </a:solidFill>
-                <a:latin typeface="Consolas" panose="020B0609020204030204" pitchFamily="49" charset="0"/>
-              </a:rPr>
-              <a:t>struct</a:t>
-            </a:r>
-            <a:r>
-              <a:rPr lang="en-US" sz="900" dirty="0">
-                <a:solidFill>
-                  <a:srgbClr val="000000"/>
-                </a:solidFill>
-                <a:latin typeface="Consolas" panose="020B0609020204030204" pitchFamily="49" charset="0"/>
-              </a:rPr>
-              <a:t> </a:t>
-            </a:r>
-            <a:r>
-              <a:rPr lang="en-US" sz="900" dirty="0">
-                <a:solidFill>
-                  <a:srgbClr val="0000FF"/>
-                </a:solidFill>
-                <a:latin typeface="Consolas" panose="020B0609020204030204" pitchFamily="49" charset="0"/>
-              </a:rPr>
-              <a:t>SDK_NS</a:t>
-            </a:r>
-            <a:r>
-              <a:rPr lang="en-US" sz="900" dirty="0">
-                <a:solidFill>
-                  <a:srgbClr val="000000"/>
-                </a:solidFill>
-                <a:latin typeface="Consolas" panose="020B0609020204030204" pitchFamily="49" charset="0"/>
-              </a:rPr>
-              <a:t>::</a:t>
-            </a:r>
-            <a:r>
-              <a:rPr lang="en-US" sz="900" dirty="0">
-                <a:solidFill>
-                  <a:srgbClr val="0000FF"/>
-                </a:solidFill>
-                <a:latin typeface="Consolas" panose="020B0609020204030204" pitchFamily="49" charset="0"/>
-              </a:rPr>
-              <a:t>Factory</a:t>
-            </a:r>
-            <a:r>
-              <a:rPr lang="en-US" sz="900" dirty="0">
-                <a:solidFill>
-                  <a:srgbClr val="000000"/>
-                </a:solidFill>
-                <a:latin typeface="Consolas" panose="020B0609020204030204" pitchFamily="49" charset="0"/>
-              </a:rPr>
-              <a:t>&lt;</a:t>
-            </a:r>
-            <a:r>
-              <a:rPr lang="en-US" sz="900" dirty="0">
-                <a:solidFill>
-                  <a:srgbClr val="0000FF"/>
-                </a:solidFill>
-                <a:latin typeface="Consolas" panose="020B0609020204030204" pitchFamily="49" charset="0"/>
-              </a:rPr>
-              <a:t>T</a:t>
-            </a:r>
-            <a:r>
-              <a:rPr lang="en-US" sz="900" dirty="0">
-                <a:solidFill>
-                  <a:srgbClr val="000000"/>
-                </a:solidFill>
-                <a:latin typeface="Consolas" panose="020B0609020204030204" pitchFamily="49" charset="0"/>
-              </a:rPr>
-              <a:t>&gt;::</a:t>
-            </a:r>
-            <a:r>
-              <a:rPr lang="en-US" sz="900" dirty="0">
-                <a:solidFill>
-                  <a:srgbClr val="0000FF"/>
-                </a:solidFill>
-                <a:latin typeface="Consolas" panose="020B0609020204030204" pitchFamily="49" charset="0"/>
-              </a:rPr>
-              <a:t>Creator</a:t>
-            </a:r>
-            <a:endParaRPr lang="en-US" sz="900" dirty="0">
+              <a:t>//  </a:t>
+            </a:r>
+            <a:r>
+              <a:rPr lang="en-US" sz="1100" dirty="0">
+                <a:solidFill>
+                  <a:srgbClr val="008000"/>
+                </a:solidFill>
+                <a:latin typeface="Consolas" panose="020B0609020204030204" pitchFamily="49" charset="0"/>
+              </a:rPr>
+              <a:t>Factory creates instance of interface implementation</a:t>
+            </a:r>
+            <a:endParaRPr lang="en-US" sz="1100" dirty="0">
               <a:solidFill>
                 <a:srgbClr val="000000"/>
               </a:solidFill>
@@ -7642,212 +7290,24 @@
           </a:p>
           <a:p>
             <a:r>
-              <a:rPr lang="en-US" sz="900" dirty="0">
-                <a:solidFill>
-                  <a:srgbClr val="000000"/>
-                </a:solidFill>
-                <a:latin typeface="Consolas" panose="020B0609020204030204" pitchFamily="49" charset="0"/>
-              </a:rPr>
-              <a:t>{</a:t>
-            </a:r>
-          </a:p>
-          <a:p>
-            <a:r>
-              <a:rPr lang="en-US" sz="900" dirty="0">
-                <a:solidFill>
-                  <a:srgbClr val="000000"/>
-                </a:solidFill>
-                <a:latin typeface="Consolas" panose="020B0609020204030204" pitchFamily="49" charset="0"/>
-              </a:rPr>
-              <a:t>  </a:t>
-            </a:r>
-            <a:r>
-              <a:rPr lang="en-US" sz="900" dirty="0">
-                <a:solidFill>
-                  <a:srgbClr val="0000FF"/>
-                </a:solidFill>
-                <a:latin typeface="Consolas" panose="020B0609020204030204" pitchFamily="49" charset="0"/>
-              </a:rPr>
-              <a:t>virtual</a:t>
-            </a:r>
-            <a:r>
-              <a:rPr lang="en-US" sz="900" dirty="0">
-                <a:solidFill>
-                  <a:srgbClr val="000000"/>
-                </a:solidFill>
-                <a:latin typeface="Consolas" panose="020B0609020204030204" pitchFamily="49" charset="0"/>
-              </a:rPr>
-              <a:t> </a:t>
-            </a:r>
-            <a:r>
-              <a:rPr lang="en-US" sz="900" dirty="0" err="1">
-                <a:solidFill>
-                  <a:srgbClr val="0000FF"/>
-                </a:solidFill>
-                <a:latin typeface="Consolas" panose="020B0609020204030204" pitchFamily="49" charset="0"/>
-              </a:rPr>
-              <a:t>std</a:t>
-            </a:r>
-            <a:r>
-              <a:rPr lang="en-US" sz="900" dirty="0">
-                <a:solidFill>
-                  <a:srgbClr val="000000"/>
-                </a:solidFill>
-                <a:latin typeface="Consolas" panose="020B0609020204030204" pitchFamily="49" charset="0"/>
-              </a:rPr>
-              <a:t>::</a:t>
-            </a:r>
-            <a:r>
-              <a:rPr lang="en-US" sz="900" dirty="0" err="1">
-                <a:solidFill>
-                  <a:srgbClr val="0000FF"/>
-                </a:solidFill>
-                <a:latin typeface="Consolas" panose="020B0609020204030204" pitchFamily="49" charset="0"/>
-              </a:rPr>
-              <a:t>unique_ptr</a:t>
-            </a:r>
-            <a:r>
-              <a:rPr lang="en-US" sz="900" dirty="0">
-                <a:solidFill>
-                  <a:srgbClr val="000000"/>
-                </a:solidFill>
-                <a:latin typeface="Consolas" panose="020B0609020204030204" pitchFamily="49" charset="0"/>
-              </a:rPr>
-              <a:t>&lt;</a:t>
-            </a:r>
-            <a:r>
-              <a:rPr lang="en-US" sz="900" dirty="0">
-                <a:solidFill>
-                  <a:srgbClr val="0000FF"/>
-                </a:solidFill>
-                <a:latin typeface="Consolas" panose="020B0609020204030204" pitchFamily="49" charset="0"/>
-              </a:rPr>
-              <a:t>T</a:t>
-            </a:r>
-            <a:r>
-              <a:rPr lang="en-US" sz="900" dirty="0">
-                <a:solidFill>
-                  <a:srgbClr val="000000"/>
-                </a:solidFill>
-                <a:latin typeface="Consolas" panose="020B0609020204030204" pitchFamily="49" charset="0"/>
-              </a:rPr>
-              <a:t>&gt; </a:t>
-            </a:r>
-            <a:r>
-              <a:rPr lang="en-US" sz="900" dirty="0">
-                <a:solidFill>
-                  <a:srgbClr val="880000"/>
-                </a:solidFill>
-                <a:latin typeface="Consolas" panose="020B0609020204030204" pitchFamily="49" charset="0"/>
-              </a:rPr>
-              <a:t>create</a:t>
-            </a:r>
-            <a:r>
-              <a:rPr lang="en-US" sz="900" dirty="0">
-                <a:solidFill>
-                  <a:srgbClr val="000000"/>
-                </a:solidFill>
-                <a:latin typeface="Consolas" panose="020B0609020204030204" pitchFamily="49" charset="0"/>
-              </a:rPr>
-              <a:t>() </a:t>
-            </a:r>
-            <a:r>
-              <a:rPr lang="en-US" sz="900" dirty="0" err="1">
-                <a:solidFill>
-                  <a:srgbClr val="0000FF"/>
-                </a:solidFill>
-                <a:latin typeface="Consolas" panose="020B0609020204030204" pitchFamily="49" charset="0"/>
-              </a:rPr>
-              <a:t>const</a:t>
-            </a:r>
-            <a:r>
-              <a:rPr lang="en-US" sz="900" dirty="0">
-                <a:solidFill>
-                  <a:srgbClr val="000000"/>
-                </a:solidFill>
-                <a:latin typeface="Consolas" panose="020B0609020204030204" pitchFamily="49" charset="0"/>
-              </a:rPr>
-              <a:t> = 0;</a:t>
-            </a:r>
-          </a:p>
-          <a:p>
-            <a:r>
-              <a:rPr lang="en-US" sz="900" dirty="0" smtClean="0">
-                <a:solidFill>
-                  <a:srgbClr val="000000"/>
-                </a:solidFill>
-                <a:latin typeface="Consolas" panose="020B0609020204030204" pitchFamily="49" charset="0"/>
-              </a:rPr>
-              <a:t>  </a:t>
-            </a:r>
-            <a:r>
-              <a:rPr lang="en-US" sz="900" dirty="0">
-                <a:solidFill>
-                  <a:srgbClr val="0000FF"/>
-                </a:solidFill>
-                <a:latin typeface="Consolas" panose="020B0609020204030204" pitchFamily="49" charset="0"/>
-              </a:rPr>
-              <a:t>virtual</a:t>
-            </a:r>
-            <a:r>
-              <a:rPr lang="en-US" sz="900" dirty="0">
-                <a:solidFill>
-                  <a:srgbClr val="000000"/>
-                </a:solidFill>
-                <a:latin typeface="Consolas" panose="020B0609020204030204" pitchFamily="49" charset="0"/>
-              </a:rPr>
-              <a:t> ~</a:t>
-            </a:r>
-            <a:r>
-              <a:rPr lang="en-US" sz="900" dirty="0">
-                <a:solidFill>
-                  <a:srgbClr val="0000FF"/>
-                </a:solidFill>
-                <a:latin typeface="Consolas" panose="020B0609020204030204" pitchFamily="49" charset="0"/>
-              </a:rPr>
-              <a:t>Creator</a:t>
-            </a:r>
-            <a:r>
-              <a:rPr lang="en-US" sz="900" dirty="0">
-                <a:solidFill>
-                  <a:srgbClr val="000000"/>
-                </a:solidFill>
-                <a:latin typeface="Consolas" panose="020B0609020204030204" pitchFamily="49" charset="0"/>
-              </a:rPr>
-              <a:t>() = </a:t>
-            </a:r>
-            <a:r>
-              <a:rPr lang="en-US" sz="900" dirty="0">
-                <a:solidFill>
-                  <a:srgbClr val="0000FF"/>
-                </a:solidFill>
-                <a:latin typeface="Consolas" panose="020B0609020204030204" pitchFamily="49" charset="0"/>
-              </a:rPr>
-              <a:t>default</a:t>
-            </a:r>
-            <a:r>
-              <a:rPr lang="en-US" sz="900" dirty="0">
-                <a:solidFill>
-                  <a:srgbClr val="000000"/>
-                </a:solidFill>
-                <a:latin typeface="Consolas" panose="020B0609020204030204" pitchFamily="49" charset="0"/>
-              </a:rPr>
-              <a:t>;</a:t>
-            </a:r>
-          </a:p>
-          <a:p>
-            <a:r>
-              <a:rPr lang="en-US" sz="900" dirty="0">
-                <a:solidFill>
-                  <a:srgbClr val="000000"/>
-                </a:solidFill>
-                <a:latin typeface="Consolas" panose="020B0609020204030204" pitchFamily="49" charset="0"/>
-              </a:rPr>
-              <a:t>};</a:t>
-            </a:r>
-          </a:p>
-          <a:p>
-            <a:endParaRPr lang="en-US" sz="900" dirty="0">
+              <a:rPr lang="en-US" sz="1100" dirty="0" smtClean="0">
+                <a:solidFill>
+                  <a:srgbClr val="008000"/>
+                </a:solidFill>
+                <a:latin typeface="Consolas" panose="020B0609020204030204" pitchFamily="49" charset="0"/>
+              </a:rPr>
+              <a:t>//  </a:t>
+            </a:r>
+            <a:r>
+              <a:rPr lang="en-US" sz="1100" dirty="0">
+                <a:solidFill>
+                  <a:srgbClr val="008000"/>
+                </a:solidFill>
+                <a:latin typeface="Consolas" panose="020B0609020204030204" pitchFamily="49" charset="0"/>
+              </a:rPr>
+              <a:t>by implementation name.</a:t>
+            </a:r>
+            <a:endParaRPr lang="en-US" sz="1100" dirty="0">
               <a:solidFill>
                 <a:srgbClr val="000000"/>
               </a:solidFill>
@@ -7855,7 +7315,99 @@
             </a:endParaRPr>
           </a:p>
           <a:p>
-            <a:endParaRPr lang="en-US" sz="900" dirty="0" smtClean="0">
+            <a:r>
+              <a:rPr lang="en-US" sz="1100" dirty="0" smtClean="0">
+                <a:solidFill>
+                  <a:srgbClr val="0000FF"/>
+                </a:solidFill>
+                <a:latin typeface="Consolas" panose="020B0609020204030204" pitchFamily="49" charset="0"/>
+              </a:rPr>
+              <a:t>template</a:t>
+            </a:r>
+            <a:r>
+              <a:rPr lang="en-US" sz="1100" dirty="0" smtClean="0">
+                <a:solidFill>
+                  <a:srgbClr val="000000"/>
+                </a:solidFill>
+                <a:latin typeface="Consolas" panose="020B0609020204030204" pitchFamily="49" charset="0"/>
+              </a:rPr>
+              <a:t> </a:t>
+            </a:r>
+            <a:r>
+              <a:rPr lang="en-US" sz="1100" dirty="0">
+                <a:solidFill>
+                  <a:srgbClr val="000000"/>
+                </a:solidFill>
+                <a:latin typeface="Consolas" panose="020B0609020204030204" pitchFamily="49" charset="0"/>
+              </a:rPr>
+              <a:t>&lt;</a:t>
+            </a:r>
+            <a:r>
+              <a:rPr lang="en-US" sz="1100" dirty="0" err="1">
+                <a:solidFill>
+                  <a:srgbClr val="0000FF"/>
+                </a:solidFill>
+                <a:latin typeface="Consolas" panose="020B0609020204030204" pitchFamily="49" charset="0"/>
+              </a:rPr>
+              <a:t>typename</a:t>
+            </a:r>
+            <a:r>
+              <a:rPr lang="en-US" sz="1100" dirty="0">
+                <a:solidFill>
+                  <a:srgbClr val="000000"/>
+                </a:solidFill>
+                <a:latin typeface="Consolas" panose="020B0609020204030204" pitchFamily="49" charset="0"/>
+              </a:rPr>
+              <a:t> </a:t>
+            </a:r>
+            <a:r>
+              <a:rPr lang="en-US" sz="1100" dirty="0">
+                <a:solidFill>
+                  <a:srgbClr val="0000FF"/>
+                </a:solidFill>
+                <a:latin typeface="Consolas" panose="020B0609020204030204" pitchFamily="49" charset="0"/>
+              </a:rPr>
+              <a:t>T</a:t>
+            </a:r>
+            <a:r>
+              <a:rPr lang="en-US" sz="1100" dirty="0">
+                <a:solidFill>
+                  <a:srgbClr val="000000"/>
+                </a:solidFill>
+                <a:latin typeface="Consolas" panose="020B0609020204030204" pitchFamily="49" charset="0"/>
+              </a:rPr>
+              <a:t>&gt;</a:t>
+            </a:r>
+          </a:p>
+          <a:p>
+            <a:r>
+              <a:rPr lang="en-US" sz="1100" dirty="0" smtClean="0">
+                <a:solidFill>
+                  <a:srgbClr val="0000FF"/>
+                </a:solidFill>
+                <a:latin typeface="Consolas" panose="020B0609020204030204" pitchFamily="49" charset="0"/>
+              </a:rPr>
+              <a:t>class</a:t>
+            </a:r>
+            <a:r>
+              <a:rPr lang="en-US" sz="1100" dirty="0" smtClean="0">
+                <a:solidFill>
+                  <a:srgbClr val="000000"/>
+                </a:solidFill>
+                <a:latin typeface="Consolas" panose="020B0609020204030204" pitchFamily="49" charset="0"/>
+              </a:rPr>
+              <a:t> </a:t>
+            </a:r>
+            <a:r>
+              <a:rPr lang="en-US" sz="1100" dirty="0">
+                <a:solidFill>
+                  <a:srgbClr val="0000FF"/>
+                </a:solidFill>
+                <a:latin typeface="Consolas" panose="020B0609020204030204" pitchFamily="49" charset="0"/>
+              </a:rPr>
+              <a:t>Factory</a:t>
+            </a:r>
+            <a:endParaRPr lang="en-US" sz="1100" dirty="0">
               <a:solidFill>
                 <a:srgbClr val="000000"/>
               </a:solidFill>
@@ -7864,15 +7416,15 @@
           </a:p>
           <a:p>
             <a:r>
-              <a:rPr lang="en-US" sz="900" dirty="0">
-                <a:solidFill>
-                  <a:srgbClr val="008000"/>
-                </a:solidFill>
-                <a:latin typeface="Consolas" panose="020B0609020204030204" pitchFamily="49" charset="0"/>
-              </a:rPr>
-              <a:t>//  register type X under custom name</a:t>
-            </a:r>
-            <a:endParaRPr lang="en-US" sz="900" dirty="0">
+              <a:rPr lang="en-US" sz="1100" dirty="0" smtClean="0">
+                <a:solidFill>
+                  <a:srgbClr val="000000"/>
+                </a:solidFill>
+                <a:latin typeface="Consolas" panose="020B0609020204030204" pitchFamily="49" charset="0"/>
+              </a:rPr>
+              <a:t>{</a:t>
+            </a:r>
+            <a:endParaRPr lang="en-US" sz="1100" dirty="0">
               <a:solidFill>
                 <a:srgbClr val="000000"/>
               </a:solidFill>
@@ -7881,34 +7433,25 @@
           </a:p>
           <a:p>
             <a:r>
-              <a:rPr lang="en-US" sz="900" dirty="0">
-                <a:solidFill>
-                  <a:srgbClr val="0000FF"/>
-                </a:solidFill>
-                <a:latin typeface="Consolas" panose="020B0609020204030204" pitchFamily="49" charset="0"/>
-              </a:rPr>
-              <a:t>template</a:t>
-            </a:r>
-            <a:r>
-              <a:rPr lang="en-US" sz="900" dirty="0">
-                <a:solidFill>
-                  <a:srgbClr val="000000"/>
-                </a:solidFill>
-                <a:latin typeface="Consolas" panose="020B0609020204030204" pitchFamily="49" charset="0"/>
-              </a:rPr>
-              <a:t> &lt;</a:t>
-            </a:r>
-            <a:r>
-              <a:rPr lang="en-US" sz="900" dirty="0" err="1">
-                <a:solidFill>
-                  <a:srgbClr val="0000FF"/>
-                </a:solidFill>
-                <a:latin typeface="Consolas" panose="020B0609020204030204" pitchFamily="49" charset="0"/>
-              </a:rPr>
-              <a:t>typename</a:t>
-            </a:r>
-            <a:r>
-              <a:rPr lang="en-US" sz="900" dirty="0">
+              <a:rPr lang="en-US" sz="1100" dirty="0" smtClean="0">
+                <a:solidFill>
+                  <a:srgbClr val="000000"/>
+                </a:solidFill>
+                <a:latin typeface="Consolas" panose="020B0609020204030204" pitchFamily="49" charset="0"/>
+              </a:rPr>
+              <a:t>  </a:t>
+            </a:r>
+            <a:r>
+              <a:rPr lang="en-US" sz="1100" dirty="0" err="1">
+                <a:solidFill>
+                  <a:srgbClr val="0000FF"/>
+                </a:solidFill>
+                <a:latin typeface="Consolas" panose="020B0609020204030204" pitchFamily="49" charset="0"/>
+              </a:rPr>
+              <a:t>struct</a:t>
+            </a:r>
+            <a:r>
+              <a:rPr lang="en-US" sz="1100" dirty="0">
                 <a:solidFill>
                   <a:srgbClr val="000000"/>
                 </a:solidFill>
@@ -7917,291 +7460,26 @@
               <a:t> </a:t>
             </a:r>
             <a:r>
-              <a:rPr lang="en-US" sz="900" dirty="0">
-                <a:solidFill>
-                  <a:srgbClr val="0000FF"/>
-                </a:solidFill>
-                <a:latin typeface="Consolas" panose="020B0609020204030204" pitchFamily="49" charset="0"/>
-              </a:rPr>
-              <a:t>T</a:t>
-            </a:r>
-            <a:r>
-              <a:rPr lang="en-US" sz="900" dirty="0">
-                <a:solidFill>
-                  <a:srgbClr val="000000"/>
-                </a:solidFill>
-                <a:latin typeface="Consolas" panose="020B0609020204030204" pitchFamily="49" charset="0"/>
-              </a:rPr>
-              <a:t>&gt; </a:t>
-            </a:r>
-            <a:r>
-              <a:rPr lang="en-US" sz="900" dirty="0">
-                <a:solidFill>
-                  <a:srgbClr val="0000FF"/>
-                </a:solidFill>
-                <a:latin typeface="Consolas" panose="020B0609020204030204" pitchFamily="49" charset="0"/>
-              </a:rPr>
-              <a:t>template</a:t>
-            </a:r>
-            <a:r>
-              <a:rPr lang="en-US" sz="900" dirty="0">
-                <a:solidFill>
-                  <a:srgbClr val="000000"/>
-                </a:solidFill>
-                <a:latin typeface="Consolas" panose="020B0609020204030204" pitchFamily="49" charset="0"/>
-              </a:rPr>
-              <a:t> &lt;</a:t>
-            </a:r>
-            <a:r>
-              <a:rPr lang="en-US" sz="900" dirty="0" err="1">
-                <a:solidFill>
-                  <a:srgbClr val="0000FF"/>
-                </a:solidFill>
-                <a:latin typeface="Consolas" panose="020B0609020204030204" pitchFamily="49" charset="0"/>
-              </a:rPr>
-              <a:t>typename</a:t>
-            </a:r>
-            <a:r>
-              <a:rPr lang="en-US" sz="900" dirty="0">
-                <a:solidFill>
-                  <a:srgbClr val="000000"/>
-                </a:solidFill>
-                <a:latin typeface="Consolas" panose="020B0609020204030204" pitchFamily="49" charset="0"/>
-              </a:rPr>
-              <a:t> </a:t>
-            </a:r>
-            <a:r>
-              <a:rPr lang="en-US" sz="900" dirty="0">
-                <a:solidFill>
-                  <a:srgbClr val="0000FF"/>
-                </a:solidFill>
-                <a:latin typeface="Consolas" panose="020B0609020204030204" pitchFamily="49" charset="0"/>
-              </a:rPr>
-              <a:t>X</a:t>
-            </a:r>
-            <a:r>
-              <a:rPr lang="en-US" sz="900" dirty="0">
-                <a:solidFill>
-                  <a:srgbClr val="000000"/>
-                </a:solidFill>
-                <a:latin typeface="Consolas" panose="020B0609020204030204" pitchFamily="49" charset="0"/>
-              </a:rPr>
-              <a:t>&gt;</a:t>
-            </a:r>
-          </a:p>
-          <a:p>
-            <a:r>
-              <a:rPr lang="en-US" sz="900" dirty="0">
-                <a:solidFill>
-                  <a:srgbClr val="0000FF"/>
-                </a:solidFill>
-                <a:latin typeface="Consolas" panose="020B0609020204030204" pitchFamily="49" charset="0"/>
-              </a:rPr>
-              <a:t>void</a:t>
-            </a:r>
-            <a:r>
-              <a:rPr lang="en-US" sz="900" dirty="0">
-                <a:solidFill>
-                  <a:srgbClr val="000000"/>
-                </a:solidFill>
-                <a:latin typeface="Consolas" panose="020B0609020204030204" pitchFamily="49" charset="0"/>
-              </a:rPr>
-              <a:t> </a:t>
-            </a:r>
-            <a:r>
-              <a:rPr lang="en-US" sz="900" dirty="0">
-                <a:solidFill>
-                  <a:srgbClr val="0000FF"/>
-                </a:solidFill>
-                <a:latin typeface="Consolas" panose="020B0609020204030204" pitchFamily="49" charset="0"/>
-              </a:rPr>
-              <a:t>SDK_NS</a:t>
-            </a:r>
-            <a:r>
-              <a:rPr lang="en-US" sz="900" dirty="0">
-                <a:solidFill>
-                  <a:srgbClr val="000000"/>
-                </a:solidFill>
-                <a:latin typeface="Consolas" panose="020B0609020204030204" pitchFamily="49" charset="0"/>
-              </a:rPr>
-              <a:t>::</a:t>
-            </a:r>
-            <a:r>
-              <a:rPr lang="en-US" sz="900" dirty="0">
-                <a:solidFill>
-                  <a:srgbClr val="0000FF"/>
-                </a:solidFill>
-                <a:latin typeface="Consolas" panose="020B0609020204030204" pitchFamily="49" charset="0"/>
-              </a:rPr>
-              <a:t>Factory</a:t>
-            </a:r>
-            <a:r>
-              <a:rPr lang="en-US" sz="900" dirty="0">
-                <a:solidFill>
-                  <a:srgbClr val="000000"/>
-                </a:solidFill>
-                <a:latin typeface="Consolas" panose="020B0609020204030204" pitchFamily="49" charset="0"/>
-              </a:rPr>
-              <a:t>&lt;</a:t>
-            </a:r>
-            <a:r>
-              <a:rPr lang="en-US" sz="900" dirty="0">
-                <a:solidFill>
-                  <a:srgbClr val="0000FF"/>
-                </a:solidFill>
-                <a:latin typeface="Consolas" panose="020B0609020204030204" pitchFamily="49" charset="0"/>
-              </a:rPr>
-              <a:t>T</a:t>
-            </a:r>
-            <a:r>
-              <a:rPr lang="en-US" sz="900" dirty="0">
-                <a:solidFill>
-                  <a:srgbClr val="000000"/>
-                </a:solidFill>
-                <a:latin typeface="Consolas" panose="020B0609020204030204" pitchFamily="49" charset="0"/>
-              </a:rPr>
-              <a:t>&gt;::</a:t>
-            </a:r>
-            <a:r>
-              <a:rPr lang="en-US" sz="900" dirty="0">
-                <a:solidFill>
-                  <a:srgbClr val="880000"/>
-                </a:solidFill>
-                <a:latin typeface="Consolas" panose="020B0609020204030204" pitchFamily="49" charset="0"/>
-              </a:rPr>
-              <a:t>add</a:t>
-            </a:r>
-            <a:r>
-              <a:rPr lang="en-US" sz="900" dirty="0">
-                <a:solidFill>
-                  <a:srgbClr val="000000"/>
-                </a:solidFill>
-                <a:latin typeface="Consolas" panose="020B0609020204030204" pitchFamily="49" charset="0"/>
-              </a:rPr>
-              <a:t>( </a:t>
-            </a:r>
-            <a:r>
-              <a:rPr lang="en-US" sz="900" dirty="0" err="1">
-                <a:solidFill>
-                  <a:srgbClr val="0000FF"/>
-                </a:solidFill>
-                <a:latin typeface="Consolas" panose="020B0609020204030204" pitchFamily="49" charset="0"/>
-              </a:rPr>
-              <a:t>const</a:t>
-            </a:r>
-            <a:r>
-              <a:rPr lang="en-US" sz="900" dirty="0">
-                <a:solidFill>
-                  <a:srgbClr val="000000"/>
-                </a:solidFill>
-                <a:latin typeface="Consolas" panose="020B0609020204030204" pitchFamily="49" charset="0"/>
-              </a:rPr>
-              <a:t> </a:t>
-            </a:r>
-            <a:r>
-              <a:rPr lang="en-US" sz="900" dirty="0" err="1">
-                <a:solidFill>
-                  <a:srgbClr val="0000FF"/>
-                </a:solidFill>
-                <a:latin typeface="Consolas" panose="020B0609020204030204" pitchFamily="49" charset="0"/>
-              </a:rPr>
-              <a:t>std</a:t>
-            </a:r>
-            <a:r>
-              <a:rPr lang="en-US" sz="900" dirty="0">
-                <a:solidFill>
-                  <a:srgbClr val="000000"/>
-                </a:solidFill>
-                <a:latin typeface="Consolas" panose="020B0609020204030204" pitchFamily="49" charset="0"/>
-              </a:rPr>
-              <a:t>::</a:t>
-            </a:r>
-            <a:r>
-              <a:rPr lang="en-US" sz="900" dirty="0">
-                <a:solidFill>
-                  <a:srgbClr val="0000FF"/>
-                </a:solidFill>
-                <a:latin typeface="Consolas" panose="020B0609020204030204" pitchFamily="49" charset="0"/>
-              </a:rPr>
-              <a:t>string</a:t>
-            </a:r>
-            <a:r>
-              <a:rPr lang="en-US" sz="900" dirty="0">
-                <a:solidFill>
-                  <a:srgbClr val="000000"/>
-                </a:solidFill>
-                <a:latin typeface="Consolas" panose="020B0609020204030204" pitchFamily="49" charset="0"/>
-              </a:rPr>
-              <a:t>&amp; </a:t>
-            </a:r>
-            <a:r>
-              <a:rPr lang="en-US" sz="900" dirty="0" err="1">
-                <a:solidFill>
-                  <a:srgbClr val="000080"/>
-                </a:solidFill>
-                <a:latin typeface="Consolas" panose="020B0609020204030204" pitchFamily="49" charset="0"/>
-              </a:rPr>
-              <a:t>i_name</a:t>
-            </a:r>
-            <a:r>
-              <a:rPr lang="en-US" sz="900" dirty="0">
-                <a:solidFill>
-                  <a:srgbClr val="000000"/>
-                </a:solidFill>
-                <a:latin typeface="Consolas" panose="020B0609020204030204" pitchFamily="49" charset="0"/>
-              </a:rPr>
-              <a:t> )</a:t>
-            </a:r>
-          </a:p>
-          <a:p>
-            <a:r>
-              <a:rPr lang="en-US" sz="900" dirty="0">
-                <a:solidFill>
-                  <a:srgbClr val="000000"/>
-                </a:solidFill>
-                <a:latin typeface="Consolas" panose="020B0609020204030204" pitchFamily="49" charset="0"/>
-              </a:rPr>
-              <a:t>{</a:t>
-            </a:r>
-          </a:p>
-          <a:p>
-            <a:r>
-              <a:rPr lang="en-US" sz="900" dirty="0">
-                <a:solidFill>
-                  <a:srgbClr val="000000"/>
-                </a:solidFill>
-                <a:latin typeface="Consolas" panose="020B0609020204030204" pitchFamily="49" charset="0"/>
-              </a:rPr>
-              <a:t>  </a:t>
-            </a:r>
-            <a:r>
-              <a:rPr lang="en-US" sz="900" dirty="0">
-                <a:solidFill>
-                  <a:srgbClr val="008000"/>
-                </a:solidFill>
-                <a:latin typeface="Consolas" panose="020B0609020204030204" pitchFamily="49" charset="0"/>
-              </a:rPr>
-              <a:t>//  </a:t>
-            </a:r>
-            <a:r>
-              <a:rPr lang="en-US" sz="900" dirty="0" smtClean="0">
-                <a:solidFill>
-                  <a:srgbClr val="008000"/>
-                </a:solidFill>
-                <a:latin typeface="Consolas" panose="020B0609020204030204" pitchFamily="49" charset="0"/>
-              </a:rPr>
-              <a:t>constructor </a:t>
-            </a:r>
-            <a:r>
-              <a:rPr lang="en-US" sz="900" dirty="0">
-                <a:solidFill>
-                  <a:srgbClr val="008000"/>
-                </a:solidFill>
-                <a:latin typeface="Consolas" panose="020B0609020204030204" pitchFamily="49" charset="0"/>
-              </a:rPr>
-              <a:t>for type X</a:t>
-            </a:r>
-            <a:endParaRPr lang="en-US" sz="900" dirty="0">
+              <a:rPr lang="en-US" sz="1100" dirty="0">
+                <a:solidFill>
+                  <a:srgbClr val="0000FF"/>
+                </a:solidFill>
+                <a:latin typeface="Consolas" panose="020B0609020204030204" pitchFamily="49" charset="0"/>
+              </a:rPr>
+              <a:t>Creator</a:t>
+            </a:r>
+            <a:r>
+              <a:rPr lang="en-US" sz="1100" dirty="0">
+                <a:solidFill>
+                  <a:srgbClr val="000000"/>
+                </a:solidFill>
+                <a:latin typeface="Consolas" panose="020B0609020204030204" pitchFamily="49" charset="0"/>
+              </a:rPr>
+              <a:t>;</a:t>
+            </a:r>
+          </a:p>
+          <a:p>
+            <a:endParaRPr lang="en-US" sz="1100" dirty="0">
               <a:solidFill>
                 <a:srgbClr val="000000"/>
               </a:solidFill>
@@ -8210,52 +7488,7 @@
           </a:p>
           <a:p>
             <a:r>
-              <a:rPr lang="en-US" sz="900" dirty="0">
-                <a:solidFill>
-                  <a:srgbClr val="000000"/>
-                </a:solidFill>
-                <a:latin typeface="Consolas" panose="020B0609020204030204" pitchFamily="49" charset="0"/>
-              </a:rPr>
-              <a:t>  </a:t>
-            </a:r>
-            <a:r>
-              <a:rPr lang="en-US" sz="900" dirty="0" err="1">
-                <a:solidFill>
-                  <a:srgbClr val="0000FF"/>
-                </a:solidFill>
-                <a:latin typeface="Consolas" panose="020B0609020204030204" pitchFamily="49" charset="0"/>
-              </a:rPr>
-              <a:t>struct</a:t>
-            </a:r>
-            <a:r>
-              <a:rPr lang="en-US" sz="900" dirty="0">
-                <a:solidFill>
-                  <a:srgbClr val="000000"/>
-                </a:solidFill>
-                <a:latin typeface="Consolas" panose="020B0609020204030204" pitchFamily="49" charset="0"/>
-              </a:rPr>
-              <a:t> </a:t>
-            </a:r>
-            <a:r>
-              <a:rPr lang="en-US" sz="900" dirty="0" err="1">
-                <a:solidFill>
-                  <a:srgbClr val="0000FF"/>
-                </a:solidFill>
-                <a:latin typeface="Consolas" panose="020B0609020204030204" pitchFamily="49" charset="0"/>
-              </a:rPr>
-              <a:t>Impl</a:t>
-            </a:r>
-            <a:r>
-              <a:rPr lang="en-US" sz="900" dirty="0">
-                <a:solidFill>
-                  <a:srgbClr val="000000"/>
-                </a:solidFill>
-                <a:latin typeface="Consolas" panose="020B0609020204030204" pitchFamily="49" charset="0"/>
-              </a:rPr>
-              <a:t> : </a:t>
-            </a:r>
-            <a:r>
-              <a:rPr lang="en-US" sz="900" dirty="0">
+              <a:rPr lang="en-US" sz="1100" dirty="0" smtClean="0">
                 <a:solidFill>
                   <a:srgbClr val="0000FF"/>
                 </a:solidFill>
@@ -8264,24 +7497,17 @@
               <a:t>public</a:t>
             </a:r>
             <a:r>
-              <a:rPr lang="en-US" sz="900" dirty="0">
-                <a:solidFill>
-                  <a:srgbClr val="000000"/>
-                </a:solidFill>
-                <a:latin typeface="Consolas" panose="020B0609020204030204" pitchFamily="49" charset="0"/>
-              </a:rPr>
-              <a:t> </a:t>
-            </a:r>
-            <a:r>
-              <a:rPr lang="en-US" sz="900" dirty="0">
-                <a:solidFill>
-                  <a:srgbClr val="0000FF"/>
-                </a:solidFill>
-                <a:latin typeface="Consolas" panose="020B0609020204030204" pitchFamily="49" charset="0"/>
-              </a:rPr>
-              <a:t>Creator</a:t>
-            </a:r>
-            <a:endParaRPr lang="en-US" sz="900" dirty="0">
+              <a:rPr lang="en-US" sz="1100" dirty="0">
+                <a:solidFill>
+                  <a:srgbClr val="000000"/>
+                </a:solidFill>
+                <a:latin typeface="Consolas" panose="020B0609020204030204" pitchFamily="49" charset="0"/>
+              </a:rPr>
+              <a:t>:</a:t>
+            </a:r>
+          </a:p>
+          <a:p>
+            <a:endParaRPr lang="en-US" sz="1100" dirty="0">
               <a:solidFill>
                 <a:srgbClr val="000000"/>
               </a:solidFill>
@@ -8290,143 +7516,24 @@
           </a:p>
           <a:p>
             <a:r>
-              <a:rPr lang="en-US" sz="900" dirty="0">
-                <a:solidFill>
-                  <a:srgbClr val="000000"/>
-                </a:solidFill>
-                <a:latin typeface="Consolas" panose="020B0609020204030204" pitchFamily="49" charset="0"/>
-              </a:rPr>
-              <a:t>  {</a:t>
-            </a:r>
-          </a:p>
-          <a:p>
-            <a:r>
-              <a:rPr lang="en-US" sz="900" dirty="0">
-                <a:solidFill>
-                  <a:srgbClr val="000000"/>
-                </a:solidFill>
-                <a:latin typeface="Consolas" panose="020B0609020204030204" pitchFamily="49" charset="0"/>
-              </a:rPr>
-              <a:t>    </a:t>
-            </a:r>
-            <a:r>
-              <a:rPr lang="en-US" sz="900" dirty="0">
-                <a:solidFill>
-                  <a:srgbClr val="0000FF"/>
-                </a:solidFill>
-                <a:latin typeface="Consolas" panose="020B0609020204030204" pitchFamily="49" charset="0"/>
-              </a:rPr>
-              <a:t>virtual</a:t>
-            </a:r>
-            <a:r>
-              <a:rPr lang="en-US" sz="900" dirty="0">
-                <a:solidFill>
-                  <a:srgbClr val="000000"/>
-                </a:solidFill>
-                <a:latin typeface="Consolas" panose="020B0609020204030204" pitchFamily="49" charset="0"/>
-              </a:rPr>
-              <a:t> </a:t>
-            </a:r>
-            <a:r>
-              <a:rPr lang="en-US" sz="900" dirty="0" err="1">
-                <a:solidFill>
-                  <a:srgbClr val="0000FF"/>
-                </a:solidFill>
-                <a:latin typeface="Consolas" panose="020B0609020204030204" pitchFamily="49" charset="0"/>
-              </a:rPr>
-              <a:t>std</a:t>
-            </a:r>
-            <a:r>
-              <a:rPr lang="en-US" sz="900" dirty="0">
-                <a:solidFill>
-                  <a:srgbClr val="000000"/>
-                </a:solidFill>
-                <a:latin typeface="Consolas" panose="020B0609020204030204" pitchFamily="49" charset="0"/>
-              </a:rPr>
-              <a:t>::</a:t>
-            </a:r>
-            <a:r>
-              <a:rPr lang="en-US" sz="900" dirty="0" err="1">
-                <a:solidFill>
-                  <a:srgbClr val="0000FF"/>
-                </a:solidFill>
-                <a:latin typeface="Consolas" panose="020B0609020204030204" pitchFamily="49" charset="0"/>
-              </a:rPr>
-              <a:t>unique_ptr</a:t>
-            </a:r>
-            <a:r>
-              <a:rPr lang="en-US" sz="900" dirty="0">
-                <a:solidFill>
-                  <a:srgbClr val="000000"/>
-                </a:solidFill>
-                <a:latin typeface="Consolas" panose="020B0609020204030204" pitchFamily="49" charset="0"/>
-              </a:rPr>
-              <a:t>&lt;</a:t>
-            </a:r>
-            <a:r>
-              <a:rPr lang="en-US" sz="900" dirty="0">
-                <a:solidFill>
-                  <a:srgbClr val="0000FF"/>
-                </a:solidFill>
-                <a:latin typeface="Consolas" panose="020B0609020204030204" pitchFamily="49" charset="0"/>
-              </a:rPr>
-              <a:t>T</a:t>
-            </a:r>
-            <a:r>
-              <a:rPr lang="en-US" sz="900" dirty="0">
-                <a:solidFill>
-                  <a:srgbClr val="000000"/>
-                </a:solidFill>
-                <a:latin typeface="Consolas" panose="020B0609020204030204" pitchFamily="49" charset="0"/>
-              </a:rPr>
-              <a:t>&gt; </a:t>
-            </a:r>
-            <a:r>
-              <a:rPr lang="en-US" sz="900" dirty="0">
-                <a:solidFill>
-                  <a:srgbClr val="880000"/>
-                </a:solidFill>
-                <a:latin typeface="Consolas" panose="020B0609020204030204" pitchFamily="49" charset="0"/>
-              </a:rPr>
-              <a:t>create</a:t>
-            </a:r>
-            <a:r>
-              <a:rPr lang="en-US" sz="900" dirty="0">
-                <a:solidFill>
-                  <a:srgbClr val="000000"/>
-                </a:solidFill>
-                <a:latin typeface="Consolas" panose="020B0609020204030204" pitchFamily="49" charset="0"/>
-              </a:rPr>
-              <a:t>() </a:t>
-            </a:r>
-            <a:r>
-              <a:rPr lang="en-US" sz="900" dirty="0" err="1">
-                <a:solidFill>
-                  <a:srgbClr val="0000FF"/>
-                </a:solidFill>
-                <a:latin typeface="Consolas" panose="020B0609020204030204" pitchFamily="49" charset="0"/>
-              </a:rPr>
-              <a:t>const</a:t>
-            </a:r>
-            <a:r>
-              <a:rPr lang="en-US" sz="900" dirty="0">
-                <a:solidFill>
-                  <a:srgbClr val="000000"/>
-                </a:solidFill>
-                <a:latin typeface="Consolas" panose="020B0609020204030204" pitchFamily="49" charset="0"/>
-              </a:rPr>
-              <a:t> </a:t>
-            </a:r>
-            <a:r>
-              <a:rPr lang="en-US" sz="900" dirty="0">
-                <a:solidFill>
-                  <a:srgbClr val="0000FF"/>
-                </a:solidFill>
-                <a:latin typeface="Consolas" panose="020B0609020204030204" pitchFamily="49" charset="0"/>
-              </a:rPr>
-              <a:t>override</a:t>
-            </a:r>
-            <a:endParaRPr lang="en-US" sz="900" dirty="0">
+              <a:rPr lang="en-US" sz="1100" dirty="0" smtClean="0">
+                <a:solidFill>
+                  <a:srgbClr val="000000"/>
+                </a:solidFill>
+                <a:latin typeface="Consolas" panose="020B0609020204030204" pitchFamily="49" charset="0"/>
+              </a:rPr>
+              <a:t>  </a:t>
+            </a:r>
+            <a:r>
+              <a:rPr lang="en-US" sz="1100" dirty="0">
+                <a:solidFill>
+                  <a:srgbClr val="008000"/>
+                </a:solidFill>
+                <a:latin typeface="Consolas" panose="020B0609020204030204" pitchFamily="49" charset="0"/>
+              </a:rPr>
+              <a:t>//  construct derived class instance by name</a:t>
+            </a:r>
+            <a:endParaRPr lang="en-US" sz="1100" dirty="0">
               <a:solidFill>
                 <a:srgbClr val="000000"/>
               </a:solidFill>
@@ -8435,35 +7542,161 @@
           </a:p>
           <a:p>
             <a:r>
-              <a:rPr lang="en-US" sz="900" dirty="0">
-                <a:solidFill>
-                  <a:srgbClr val="000000"/>
-                </a:solidFill>
-                <a:latin typeface="Consolas" panose="020B0609020204030204" pitchFamily="49" charset="0"/>
-              </a:rPr>
-              <a:t>    {</a:t>
-            </a:r>
-          </a:p>
-          <a:p>
-            <a:r>
-              <a:rPr lang="en-US" sz="900" dirty="0">
-                <a:solidFill>
-                  <a:srgbClr val="000000"/>
-                </a:solidFill>
-                <a:latin typeface="Consolas" panose="020B0609020204030204" pitchFamily="49" charset="0"/>
-              </a:rPr>
-              <a:t>      </a:t>
-            </a:r>
-            <a:r>
-              <a:rPr lang="en-US" sz="900" dirty="0">
-                <a:solidFill>
-                  <a:srgbClr val="008000"/>
-                </a:solidFill>
-                <a:latin typeface="Consolas" panose="020B0609020204030204" pitchFamily="49" charset="0"/>
-              </a:rPr>
-              <a:t>//  construct derived type X</a:t>
-            </a:r>
-            <a:endParaRPr lang="en-US" sz="900" dirty="0">
+              <a:rPr lang="en-US" sz="1100" dirty="0" smtClean="0">
+                <a:solidFill>
+                  <a:srgbClr val="000000"/>
+                </a:solidFill>
+                <a:latin typeface="Consolas" panose="020B0609020204030204" pitchFamily="49" charset="0"/>
+              </a:rPr>
+              <a:t>  </a:t>
+            </a:r>
+            <a:r>
+              <a:rPr lang="en-US" sz="1100" dirty="0" err="1">
+                <a:solidFill>
+                  <a:srgbClr val="0000FF"/>
+                </a:solidFill>
+                <a:latin typeface="Consolas" panose="020B0609020204030204" pitchFamily="49" charset="0"/>
+              </a:rPr>
+              <a:t>std</a:t>
+            </a:r>
+            <a:r>
+              <a:rPr lang="en-US" sz="1100" dirty="0">
+                <a:solidFill>
+                  <a:srgbClr val="000000"/>
+                </a:solidFill>
+                <a:latin typeface="Consolas" panose="020B0609020204030204" pitchFamily="49" charset="0"/>
+              </a:rPr>
+              <a:t>::</a:t>
+            </a:r>
+            <a:r>
+              <a:rPr lang="en-US" sz="1100" dirty="0" err="1">
+                <a:solidFill>
+                  <a:srgbClr val="0000FF"/>
+                </a:solidFill>
+                <a:latin typeface="Consolas" panose="020B0609020204030204" pitchFamily="49" charset="0"/>
+              </a:rPr>
+              <a:t>unique_ptr</a:t>
+            </a:r>
+            <a:r>
+              <a:rPr lang="en-US" sz="1100" dirty="0">
+                <a:solidFill>
+                  <a:srgbClr val="000000"/>
+                </a:solidFill>
+                <a:latin typeface="Consolas" panose="020B0609020204030204" pitchFamily="49" charset="0"/>
+              </a:rPr>
+              <a:t>&lt;</a:t>
+            </a:r>
+            <a:r>
+              <a:rPr lang="en-US" sz="1100" dirty="0">
+                <a:solidFill>
+                  <a:srgbClr val="0000FF"/>
+                </a:solidFill>
+                <a:latin typeface="Consolas" panose="020B0609020204030204" pitchFamily="49" charset="0"/>
+              </a:rPr>
+              <a:t>T</a:t>
+            </a:r>
+            <a:r>
+              <a:rPr lang="en-US" sz="1100" dirty="0">
+                <a:solidFill>
+                  <a:srgbClr val="000000"/>
+                </a:solidFill>
+                <a:latin typeface="Consolas" panose="020B0609020204030204" pitchFamily="49" charset="0"/>
+              </a:rPr>
+              <a:t>&gt; </a:t>
+            </a:r>
+            <a:r>
+              <a:rPr lang="en-US" sz="1100" dirty="0">
+                <a:solidFill>
+                  <a:srgbClr val="880000"/>
+                </a:solidFill>
+                <a:latin typeface="Consolas" panose="020B0609020204030204" pitchFamily="49" charset="0"/>
+              </a:rPr>
+              <a:t>create</a:t>
+            </a:r>
+            <a:r>
+              <a:rPr lang="en-US" sz="1100" dirty="0">
+                <a:solidFill>
+                  <a:srgbClr val="000000"/>
+                </a:solidFill>
+                <a:latin typeface="Consolas" panose="020B0609020204030204" pitchFamily="49" charset="0"/>
+              </a:rPr>
+              <a:t>( </a:t>
+            </a:r>
+            <a:r>
+              <a:rPr lang="en-US" sz="1100" dirty="0" err="1">
+                <a:solidFill>
+                  <a:srgbClr val="0000FF"/>
+                </a:solidFill>
+                <a:latin typeface="Consolas" panose="020B0609020204030204" pitchFamily="49" charset="0"/>
+              </a:rPr>
+              <a:t>const</a:t>
+            </a:r>
+            <a:r>
+              <a:rPr lang="en-US" sz="1100" dirty="0">
+                <a:solidFill>
+                  <a:srgbClr val="000000"/>
+                </a:solidFill>
+                <a:latin typeface="Consolas" panose="020B0609020204030204" pitchFamily="49" charset="0"/>
+              </a:rPr>
+              <a:t> </a:t>
+            </a:r>
+            <a:r>
+              <a:rPr lang="en-US" sz="1100" dirty="0" err="1">
+                <a:solidFill>
+                  <a:srgbClr val="0000FF"/>
+                </a:solidFill>
+                <a:latin typeface="Consolas" panose="020B0609020204030204" pitchFamily="49" charset="0"/>
+              </a:rPr>
+              <a:t>std</a:t>
+            </a:r>
+            <a:r>
+              <a:rPr lang="en-US" sz="1100" dirty="0">
+                <a:solidFill>
+                  <a:srgbClr val="000000"/>
+                </a:solidFill>
+                <a:latin typeface="Consolas" panose="020B0609020204030204" pitchFamily="49" charset="0"/>
+              </a:rPr>
+              <a:t>::</a:t>
+            </a:r>
+            <a:r>
+              <a:rPr lang="en-US" sz="1100" dirty="0">
+                <a:solidFill>
+                  <a:srgbClr val="0000FF"/>
+                </a:solidFill>
+                <a:latin typeface="Consolas" panose="020B0609020204030204" pitchFamily="49" charset="0"/>
+              </a:rPr>
+              <a:t>string</a:t>
+            </a:r>
+            <a:r>
+              <a:rPr lang="en-US" sz="1100" dirty="0">
+                <a:solidFill>
+                  <a:srgbClr val="000000"/>
+                </a:solidFill>
+                <a:latin typeface="Consolas" panose="020B0609020204030204" pitchFamily="49" charset="0"/>
+              </a:rPr>
+              <a:t>&amp; ) </a:t>
+            </a:r>
+            <a:r>
+              <a:rPr lang="en-US" sz="1100" dirty="0" err="1">
+                <a:solidFill>
+                  <a:srgbClr val="0000FF"/>
+                </a:solidFill>
+                <a:latin typeface="Consolas" panose="020B0609020204030204" pitchFamily="49" charset="0"/>
+              </a:rPr>
+              <a:t>const</a:t>
+            </a:r>
+            <a:r>
+              <a:rPr lang="en-US" sz="1100" dirty="0">
+                <a:solidFill>
+                  <a:srgbClr val="000000"/>
+                </a:solidFill>
+                <a:latin typeface="Consolas" panose="020B0609020204030204" pitchFamily="49" charset="0"/>
+              </a:rPr>
+              <a:t>;</a:t>
+            </a:r>
+          </a:p>
+          <a:p>
+            <a:endParaRPr lang="en-US" sz="1100" dirty="0">
               <a:solidFill>
                 <a:srgbClr val="000000"/>
               </a:solidFill>
@@ -8472,24 +7705,24 @@
           </a:p>
           <a:p>
             <a:r>
-              <a:rPr lang="en-US" sz="900" dirty="0">
-                <a:solidFill>
-                  <a:srgbClr val="000000"/>
-                </a:solidFill>
-                <a:latin typeface="Consolas" panose="020B0609020204030204" pitchFamily="49" charset="0"/>
-              </a:rPr>
-              <a:t>      </a:t>
-            </a:r>
-            <a:r>
-              <a:rPr lang="en-US" sz="900" dirty="0">
+              <a:rPr lang="en-US" sz="1100" dirty="0" smtClean="0">
+                <a:solidFill>
+                  <a:srgbClr val="000000"/>
+                </a:solidFill>
+                <a:latin typeface="Consolas" panose="020B0609020204030204" pitchFamily="49" charset="0"/>
+              </a:rPr>
+              <a:t>  </a:t>
+            </a:r>
+            <a:r>
+              <a:rPr lang="en-US" sz="1100" dirty="0" smtClean="0">
                 <a:solidFill>
                   <a:srgbClr val="008000"/>
                 </a:solidFill>
                 <a:latin typeface="Consolas" panose="020B0609020204030204" pitchFamily="49" charset="0"/>
               </a:rPr>
-              <a:t>//  return as base type T</a:t>
-            </a:r>
-            <a:endParaRPr lang="en-US" sz="900" dirty="0">
+              <a:t>//  make derived class X constructible by name</a:t>
+            </a:r>
+            <a:endParaRPr lang="en-US" sz="1100" dirty="0" smtClean="0">
               <a:solidFill>
                 <a:srgbClr val="000000"/>
               </a:solidFill>
@@ -8498,25 +7731,43 @@
           </a:p>
           <a:p>
             <a:r>
-              <a:rPr lang="en-US" sz="900" dirty="0">
-                <a:solidFill>
-                  <a:srgbClr val="000000"/>
-                </a:solidFill>
-                <a:latin typeface="Consolas" panose="020B0609020204030204" pitchFamily="49" charset="0"/>
-              </a:rPr>
-              <a:t>      </a:t>
-            </a:r>
-            <a:r>
-              <a:rPr lang="en-US" sz="900" dirty="0">
-                <a:solidFill>
-                  <a:srgbClr val="0000FF"/>
-                </a:solidFill>
-                <a:latin typeface="Consolas" panose="020B0609020204030204" pitchFamily="49" charset="0"/>
-              </a:rPr>
-              <a:t>return</a:t>
-            </a:r>
-            <a:r>
-              <a:rPr lang="en-US" sz="900" dirty="0">
+              <a:rPr lang="en-US" sz="1100" dirty="0" smtClean="0">
+                <a:solidFill>
+                  <a:srgbClr val="000000"/>
+                </a:solidFill>
+                <a:latin typeface="Consolas" panose="020B0609020204030204" pitchFamily="49" charset="0"/>
+              </a:rPr>
+              <a:t>  </a:t>
+            </a:r>
+            <a:r>
+              <a:rPr lang="en-US" sz="1100" dirty="0" smtClean="0">
+                <a:solidFill>
+                  <a:srgbClr val="0000FF"/>
+                </a:solidFill>
+                <a:latin typeface="Consolas" panose="020B0609020204030204" pitchFamily="49" charset="0"/>
+              </a:rPr>
+              <a:t>template</a:t>
+            </a:r>
+            <a:r>
+              <a:rPr lang="en-US" sz="1100" dirty="0" smtClean="0">
+                <a:solidFill>
+                  <a:srgbClr val="000000"/>
+                </a:solidFill>
+                <a:latin typeface="Consolas" panose="020B0609020204030204" pitchFamily="49" charset="0"/>
+              </a:rPr>
+              <a:t> &lt;</a:t>
+            </a:r>
+            <a:r>
+              <a:rPr lang="en-US" sz="1100" dirty="0" err="1" smtClean="0">
+                <a:solidFill>
+                  <a:srgbClr val="0000FF"/>
+                </a:solidFill>
+                <a:latin typeface="Consolas" panose="020B0609020204030204" pitchFamily="49" charset="0"/>
+              </a:rPr>
+              <a:t>typename</a:t>
+            </a:r>
+            <a:r>
+              <a:rPr lang="en-US" sz="1100" dirty="0" smtClean="0">
                 <a:solidFill>
                   <a:srgbClr val="000000"/>
                 </a:solidFill>
@@ -8525,7 +7776,90 @@
               <a:t> </a:t>
             </a:r>
             <a:r>
-              <a:rPr lang="en-US" sz="900" dirty="0" err="1">
+              <a:rPr lang="en-US" sz="1100" dirty="0" smtClean="0">
+                <a:solidFill>
+                  <a:srgbClr val="0000FF"/>
+                </a:solidFill>
+                <a:latin typeface="Consolas" panose="020B0609020204030204" pitchFamily="49" charset="0"/>
+              </a:rPr>
+              <a:t>X</a:t>
+            </a:r>
+            <a:r>
+              <a:rPr lang="en-US" sz="1100" dirty="0" smtClean="0">
+                <a:solidFill>
+                  <a:srgbClr val="000000"/>
+                </a:solidFill>
+                <a:latin typeface="Consolas" panose="020B0609020204030204" pitchFamily="49" charset="0"/>
+              </a:rPr>
+              <a:t>&gt;</a:t>
+            </a:r>
+          </a:p>
+          <a:p>
+            <a:r>
+              <a:rPr lang="en-US" sz="1100" dirty="0" smtClean="0">
+                <a:solidFill>
+                  <a:srgbClr val="000000"/>
+                </a:solidFill>
+                <a:latin typeface="Consolas" panose="020B0609020204030204" pitchFamily="49" charset="0"/>
+              </a:rPr>
+              <a:t>  </a:t>
+            </a:r>
+            <a:r>
+              <a:rPr lang="en-US" sz="1100" dirty="0" smtClean="0">
+                <a:solidFill>
+                  <a:srgbClr val="0000FF"/>
+                </a:solidFill>
+                <a:latin typeface="Consolas" panose="020B0609020204030204" pitchFamily="49" charset="0"/>
+              </a:rPr>
+              <a:t>void</a:t>
+            </a:r>
+            <a:r>
+              <a:rPr lang="en-US" sz="1100" dirty="0" smtClean="0">
+                <a:solidFill>
+                  <a:srgbClr val="000000"/>
+                </a:solidFill>
+                <a:latin typeface="Consolas" panose="020B0609020204030204" pitchFamily="49" charset="0"/>
+              </a:rPr>
+              <a:t> </a:t>
+            </a:r>
+            <a:r>
+              <a:rPr lang="en-US" sz="1100" dirty="0" smtClean="0">
+                <a:solidFill>
+                  <a:srgbClr val="880000"/>
+                </a:solidFill>
+                <a:latin typeface="Consolas" panose="020B0609020204030204" pitchFamily="49" charset="0"/>
+              </a:rPr>
+              <a:t>add</a:t>
+            </a:r>
+            <a:r>
+              <a:rPr lang="en-US" sz="1100" dirty="0" smtClean="0">
+                <a:solidFill>
+                  <a:srgbClr val="000000"/>
+                </a:solidFill>
+                <a:latin typeface="Consolas" panose="020B0609020204030204" pitchFamily="49" charset="0"/>
+              </a:rPr>
+              <a:t>( </a:t>
+            </a:r>
+            <a:r>
+              <a:rPr lang="en-US" sz="1100" dirty="0" err="1" smtClean="0">
+                <a:solidFill>
+                  <a:srgbClr val="0000FF"/>
+                </a:solidFill>
+                <a:latin typeface="Consolas" panose="020B0609020204030204" pitchFamily="49" charset="0"/>
+              </a:rPr>
+              <a:t>const</a:t>
+            </a:r>
+            <a:r>
+              <a:rPr lang="en-US" sz="1100" dirty="0" smtClean="0">
+                <a:solidFill>
+                  <a:srgbClr val="000000"/>
+                </a:solidFill>
+                <a:latin typeface="Consolas" panose="020B0609020204030204" pitchFamily="49" charset="0"/>
+              </a:rPr>
+              <a:t> </a:t>
+            </a:r>
+            <a:r>
+              <a:rPr lang="en-US" sz="1100" dirty="0" err="1" smtClean="0">
                 <a:solidFill>
                   <a:srgbClr val="0000FF"/>
                 </a:solidFill>
@@ -8534,7 +7868,7 @@
               <a:t>std</a:t>
             </a:r>
             <a:r>
-              <a:rPr lang="en-US" sz="900" dirty="0">
+              <a:rPr lang="en-US" sz="1100" dirty="0" smtClean="0">
                 <a:solidFill>
                   <a:srgbClr val="000000"/>
                 </a:solidFill>
@@ -8543,66 +7877,26 @@
               <a:t>::</a:t>
             </a:r>
             <a:r>
-              <a:rPr lang="en-US" sz="900" dirty="0" err="1">
-                <a:solidFill>
-                  <a:srgbClr val="880000"/>
-                </a:solidFill>
-                <a:latin typeface="Consolas" panose="020B0609020204030204" pitchFamily="49" charset="0"/>
-              </a:rPr>
-              <a:t>make_unique</a:t>
-            </a:r>
-            <a:r>
-              <a:rPr lang="en-US" sz="900" dirty="0">
-                <a:solidFill>
-                  <a:srgbClr val="000000"/>
-                </a:solidFill>
-                <a:latin typeface="Consolas" panose="020B0609020204030204" pitchFamily="49" charset="0"/>
-              </a:rPr>
-              <a:t>&lt;</a:t>
-            </a:r>
-            <a:r>
-              <a:rPr lang="en-US" sz="900" dirty="0">
-                <a:solidFill>
-                  <a:srgbClr val="0000FF"/>
-                </a:solidFill>
-                <a:latin typeface="Consolas" panose="020B0609020204030204" pitchFamily="49" charset="0"/>
-              </a:rPr>
-              <a:t>X</a:t>
-            </a:r>
-            <a:r>
-              <a:rPr lang="en-US" sz="900" dirty="0">
-                <a:solidFill>
-                  <a:srgbClr val="000000"/>
-                </a:solidFill>
-                <a:latin typeface="Consolas" panose="020B0609020204030204" pitchFamily="49" charset="0"/>
-              </a:rPr>
-              <a:t>&gt;();</a:t>
-            </a:r>
-          </a:p>
-          <a:p>
-            <a:r>
-              <a:rPr lang="en-US" sz="900" dirty="0">
-                <a:solidFill>
-                  <a:srgbClr val="000000"/>
-                </a:solidFill>
-                <a:latin typeface="Consolas" panose="020B0609020204030204" pitchFamily="49" charset="0"/>
-              </a:rPr>
-              <a:t>    }</a:t>
-            </a:r>
-          </a:p>
-          <a:p>
-            <a:r>
-              <a:rPr lang="en-US" sz="900" dirty="0">
-                <a:solidFill>
-                  <a:srgbClr val="000000"/>
-                </a:solidFill>
-                <a:latin typeface="Consolas" panose="020B0609020204030204" pitchFamily="49" charset="0"/>
-              </a:rPr>
-              <a:t>  };</a:t>
-            </a:r>
-          </a:p>
-          <a:p>
-            <a:endParaRPr lang="en-US" sz="900" dirty="0">
+              <a:rPr lang="en-US" sz="1100" dirty="0" smtClean="0">
+                <a:solidFill>
+                  <a:srgbClr val="0000FF"/>
+                </a:solidFill>
+                <a:latin typeface="Consolas" panose="020B0609020204030204" pitchFamily="49" charset="0"/>
+              </a:rPr>
+              <a:t>string</a:t>
+            </a:r>
+            <a:r>
+              <a:rPr lang="en-US" sz="1100" dirty="0" smtClean="0">
+                <a:solidFill>
+                  <a:srgbClr val="000000"/>
+                </a:solidFill>
+                <a:latin typeface="Consolas" panose="020B0609020204030204" pitchFamily="49" charset="0"/>
+              </a:rPr>
+              <a:t>&amp; );</a:t>
+            </a:r>
+          </a:p>
+          <a:p>
+            <a:endParaRPr lang="en-US" sz="1100" dirty="0" smtClean="0">
               <a:solidFill>
                 <a:srgbClr val="000000"/>
               </a:solidFill>
@@ -8611,7 +7905,7 @@
           </a:p>
           <a:p>
             <a:r>
-              <a:rPr lang="en-US" sz="900" dirty="0">
+              <a:rPr lang="en-US" sz="1100" dirty="0" smtClean="0">
                 <a:solidFill>
                   <a:srgbClr val="000000"/>
                 </a:solidFill>
@@ -8620,15 +7914,15 @@
               <a:t>  </a:t>
             </a:r>
             <a:r>
-              <a:rPr lang="en-US" sz="900" dirty="0">
+              <a:rPr lang="en-US" sz="1100" dirty="0" smtClean="0">
                 <a:solidFill>
                   <a:srgbClr val="008000"/>
                 </a:solidFill>
                 <a:latin typeface="Consolas" panose="020B0609020204030204" pitchFamily="49" charset="0"/>
               </a:rPr>
-              <a:t>//  bind string name and type X constructor together</a:t>
-            </a:r>
-            <a:endParaRPr lang="en-US" sz="900" dirty="0">
+              <a:t>//  no longer construct object by given name</a:t>
+            </a:r>
+            <a:endParaRPr lang="en-US" sz="1100" dirty="0" smtClean="0">
               <a:solidFill>
                 <a:srgbClr val="000000"/>
               </a:solidFill>
@@ -8637,7 +7931,7 @@
           </a:p>
           <a:p>
             <a:r>
-              <a:rPr lang="en-US" sz="900" dirty="0">
+              <a:rPr lang="en-US" sz="1100" dirty="0" smtClean="0">
                 <a:solidFill>
                   <a:srgbClr val="000000"/>
                 </a:solidFill>
@@ -8646,34 +7940,34 @@
               <a:t>  </a:t>
             </a:r>
             <a:r>
-              <a:rPr lang="en-US" sz="900" dirty="0" err="1">
-                <a:solidFill>
-                  <a:srgbClr val="000080"/>
-                </a:solidFill>
-                <a:latin typeface="Consolas" panose="020B0609020204030204" pitchFamily="49" charset="0"/>
-              </a:rPr>
-              <a:t>d_collection</a:t>
-            </a:r>
-            <a:r>
-              <a:rPr lang="en-US" sz="900" dirty="0" err="1">
-                <a:solidFill>
-                  <a:srgbClr val="000000"/>
-                </a:solidFill>
-                <a:latin typeface="Consolas" panose="020B0609020204030204" pitchFamily="49" charset="0"/>
-              </a:rPr>
-              <a:t>.</a:t>
-            </a:r>
-            <a:r>
-              <a:rPr lang="en-US" sz="900" dirty="0" err="1">
+              <a:rPr lang="en-US" sz="1100" dirty="0" smtClean="0">
+                <a:solidFill>
+                  <a:srgbClr val="0000FF"/>
+                </a:solidFill>
+                <a:latin typeface="Consolas" panose="020B0609020204030204" pitchFamily="49" charset="0"/>
+              </a:rPr>
+              <a:t>void</a:t>
+            </a:r>
+            <a:r>
+              <a:rPr lang="en-US" sz="1100" dirty="0" smtClean="0">
+                <a:solidFill>
+                  <a:srgbClr val="000000"/>
+                </a:solidFill>
+                <a:latin typeface="Consolas" panose="020B0609020204030204" pitchFamily="49" charset="0"/>
+              </a:rPr>
+              <a:t> </a:t>
+            </a:r>
+            <a:r>
+              <a:rPr lang="en-US" sz="1100" dirty="0" smtClean="0">
                 <a:solidFill>
                   <a:srgbClr val="880000"/>
                 </a:solidFill>
                 <a:latin typeface="Consolas" panose="020B0609020204030204" pitchFamily="49" charset="0"/>
               </a:rPr>
-              <a:t>emplace</a:t>
-            </a:r>
-            <a:r>
-              <a:rPr lang="en-US" sz="900" dirty="0">
+              <a:t>remove</a:t>
+            </a:r>
+            <a:r>
+              <a:rPr lang="en-US" sz="1100" dirty="0" smtClean="0">
                 <a:solidFill>
                   <a:srgbClr val="000000"/>
                 </a:solidFill>
@@ -8682,25 +7976,25 @@
               <a:t>( </a:t>
             </a:r>
             <a:r>
-              <a:rPr lang="en-US" sz="900" dirty="0" err="1">
-                <a:solidFill>
-                  <a:srgbClr val="000080"/>
-                </a:solidFill>
-                <a:latin typeface="Consolas" panose="020B0609020204030204" pitchFamily="49" charset="0"/>
-              </a:rPr>
-              <a:t>i_name</a:t>
-            </a:r>
-            <a:r>
-              <a:rPr lang="en-US" sz="900" dirty="0">
-                <a:solidFill>
-                  <a:srgbClr val="000000"/>
-                </a:solidFill>
-                <a:latin typeface="Consolas" panose="020B0609020204030204" pitchFamily="49" charset="0"/>
-              </a:rPr>
-              <a:t>, </a:t>
-            </a:r>
-            <a:r>
-              <a:rPr lang="en-US" sz="900" dirty="0" err="1">
+              <a:rPr lang="en-US" sz="1100" dirty="0" err="1" smtClean="0">
+                <a:solidFill>
+                  <a:srgbClr val="0000FF"/>
+                </a:solidFill>
+                <a:latin typeface="Consolas" panose="020B0609020204030204" pitchFamily="49" charset="0"/>
+              </a:rPr>
+              <a:t>const</a:t>
+            </a:r>
+            <a:r>
+              <a:rPr lang="en-US" sz="1100" dirty="0" smtClean="0">
+                <a:solidFill>
+                  <a:srgbClr val="000000"/>
+                </a:solidFill>
+                <a:latin typeface="Consolas" panose="020B0609020204030204" pitchFamily="49" charset="0"/>
+              </a:rPr>
+              <a:t> </a:t>
+            </a:r>
+            <a:r>
+              <a:rPr lang="en-US" sz="1100" dirty="0" err="1" smtClean="0">
                 <a:solidFill>
                   <a:srgbClr val="0000FF"/>
                 </a:solidFill>
@@ -8709,7 +8003,7 @@
               <a:t>std</a:t>
             </a:r>
             <a:r>
-              <a:rPr lang="en-US" sz="900" dirty="0">
+              <a:rPr lang="en-US" sz="1100" dirty="0" smtClean="0">
                 <a:solidFill>
                   <a:srgbClr val="000000"/>
                 </a:solidFill>
@@ -8718,65 +8012,260 @@
               <a:t>::</a:t>
             </a:r>
             <a:r>
-              <a:rPr lang="en-US" sz="900" dirty="0" err="1">
-                <a:solidFill>
-                  <a:srgbClr val="880000"/>
-                </a:solidFill>
-                <a:latin typeface="Consolas" panose="020B0609020204030204" pitchFamily="49" charset="0"/>
-              </a:rPr>
-              <a:t>make_unique</a:t>
-            </a:r>
-            <a:r>
-              <a:rPr lang="en-US" sz="900" dirty="0">
-                <a:solidFill>
-                  <a:srgbClr val="000000"/>
-                </a:solidFill>
-                <a:latin typeface="Consolas" panose="020B0609020204030204" pitchFamily="49" charset="0"/>
-              </a:rPr>
-              <a:t>&lt;</a:t>
-            </a:r>
-            <a:r>
-              <a:rPr lang="en-US" sz="900" dirty="0" err="1">
-                <a:solidFill>
-                  <a:srgbClr val="0000FF"/>
-                </a:solidFill>
-                <a:latin typeface="Consolas" panose="020B0609020204030204" pitchFamily="49" charset="0"/>
-              </a:rPr>
-              <a:t>Impl</a:t>
-            </a:r>
-            <a:r>
-              <a:rPr lang="en-US" sz="900" dirty="0">
-                <a:solidFill>
-                  <a:srgbClr val="000000"/>
-                </a:solidFill>
-                <a:latin typeface="Consolas" panose="020B0609020204030204" pitchFamily="49" charset="0"/>
-              </a:rPr>
-              <a:t>&gt;() );</a:t>
-            </a:r>
-          </a:p>
-          <a:p>
-            <a:r>
-              <a:rPr lang="en-US" sz="900" dirty="0">
-                <a:solidFill>
-                  <a:srgbClr val="000000"/>
-                </a:solidFill>
-                <a:latin typeface="Consolas" panose="020B0609020204030204" pitchFamily="49" charset="0"/>
-              </a:rPr>
-              <a:t>}</a:t>
-            </a:r>
-            <a:endParaRPr lang="en-US" sz="900" dirty="0">
+              <a:rPr lang="en-US" sz="1100" dirty="0" smtClean="0">
+                <a:solidFill>
+                  <a:srgbClr val="0000FF"/>
+                </a:solidFill>
+                <a:latin typeface="Consolas" panose="020B0609020204030204" pitchFamily="49" charset="0"/>
+              </a:rPr>
+              <a:t>string</a:t>
+            </a:r>
+            <a:r>
+              <a:rPr lang="en-US" sz="1100" dirty="0" smtClean="0">
+                <a:solidFill>
+                  <a:srgbClr val="000000"/>
+                </a:solidFill>
+                <a:latin typeface="Consolas" panose="020B0609020204030204" pitchFamily="49" charset="0"/>
+              </a:rPr>
+              <a:t>&amp; );</a:t>
+            </a:r>
+          </a:p>
+          <a:p>
+            <a:endParaRPr lang="en-US" sz="1100" dirty="0">
               <a:solidFill>
                 <a:srgbClr val="000000"/>
               </a:solidFill>
               <a:latin typeface="Consolas" panose="020B0609020204030204" pitchFamily="49" charset="0"/>
             </a:endParaRPr>
           </a:p>
+          <a:p>
+            <a:r>
+              <a:rPr lang="en-US" sz="1100" dirty="0" smtClean="0">
+                <a:solidFill>
+                  <a:srgbClr val="0000FF"/>
+                </a:solidFill>
+                <a:latin typeface="Consolas" panose="020B0609020204030204" pitchFamily="49" charset="0"/>
+              </a:rPr>
+              <a:t>private</a:t>
+            </a:r>
+            <a:r>
+              <a:rPr lang="en-US" sz="1100" dirty="0">
+                <a:solidFill>
+                  <a:srgbClr val="000000"/>
+                </a:solidFill>
+                <a:latin typeface="Consolas" panose="020B0609020204030204" pitchFamily="49" charset="0"/>
+              </a:rPr>
+              <a:t>:</a:t>
+            </a:r>
+          </a:p>
+          <a:p>
+            <a:endParaRPr lang="en-US" sz="1100" dirty="0">
+              <a:solidFill>
+                <a:srgbClr val="000000"/>
+              </a:solidFill>
+              <a:latin typeface="Consolas" panose="020B0609020204030204" pitchFamily="49" charset="0"/>
+            </a:endParaRPr>
+          </a:p>
+          <a:p>
+            <a:r>
+              <a:rPr lang="en-US" sz="1100" dirty="0" smtClean="0">
+                <a:solidFill>
+                  <a:srgbClr val="000000"/>
+                </a:solidFill>
+                <a:latin typeface="Consolas" panose="020B0609020204030204" pitchFamily="49" charset="0"/>
+              </a:rPr>
+              <a:t>  </a:t>
+            </a:r>
+            <a:r>
+              <a:rPr lang="en-US" sz="1100" dirty="0" err="1">
+                <a:solidFill>
+                  <a:srgbClr val="0000FF"/>
+                </a:solidFill>
+                <a:latin typeface="Consolas" panose="020B0609020204030204" pitchFamily="49" charset="0"/>
+              </a:rPr>
+              <a:t>std</a:t>
+            </a:r>
+            <a:r>
+              <a:rPr lang="en-US" sz="1100" dirty="0">
+                <a:solidFill>
+                  <a:srgbClr val="000000"/>
+                </a:solidFill>
+                <a:latin typeface="Consolas" panose="020B0609020204030204" pitchFamily="49" charset="0"/>
+              </a:rPr>
+              <a:t>::</a:t>
+            </a:r>
+            <a:r>
+              <a:rPr lang="en-US" sz="1100" dirty="0" err="1">
+                <a:solidFill>
+                  <a:srgbClr val="0000FF"/>
+                </a:solidFill>
+                <a:latin typeface="Consolas" panose="020B0609020204030204" pitchFamily="49" charset="0"/>
+              </a:rPr>
+              <a:t>unordered_map</a:t>
+            </a:r>
+            <a:r>
+              <a:rPr lang="en-US" sz="1100" dirty="0">
+                <a:solidFill>
+                  <a:srgbClr val="000000"/>
+                </a:solidFill>
+                <a:latin typeface="Consolas" panose="020B0609020204030204" pitchFamily="49" charset="0"/>
+              </a:rPr>
+              <a:t>&lt;</a:t>
+            </a:r>
+          </a:p>
+          <a:p>
+            <a:r>
+              <a:rPr lang="en-US" sz="1100" dirty="0" smtClean="0">
+                <a:solidFill>
+                  <a:srgbClr val="000000"/>
+                </a:solidFill>
+                <a:latin typeface="Consolas" panose="020B0609020204030204" pitchFamily="49" charset="0"/>
+              </a:rPr>
+              <a:t>    </a:t>
+            </a:r>
+            <a:r>
+              <a:rPr lang="en-US" sz="1100" dirty="0" err="1">
+                <a:solidFill>
+                  <a:srgbClr val="0000FF"/>
+                </a:solidFill>
+                <a:latin typeface="Consolas" panose="020B0609020204030204" pitchFamily="49" charset="0"/>
+              </a:rPr>
+              <a:t>std</a:t>
+            </a:r>
+            <a:r>
+              <a:rPr lang="en-US" sz="1100" dirty="0">
+                <a:solidFill>
+                  <a:srgbClr val="000000"/>
+                </a:solidFill>
+                <a:latin typeface="Consolas" panose="020B0609020204030204" pitchFamily="49" charset="0"/>
+              </a:rPr>
+              <a:t>::</a:t>
+            </a:r>
+            <a:r>
+              <a:rPr lang="en-US" sz="1100" dirty="0">
+                <a:solidFill>
+                  <a:srgbClr val="0000FF"/>
+                </a:solidFill>
+                <a:latin typeface="Consolas" panose="020B0609020204030204" pitchFamily="49" charset="0"/>
+              </a:rPr>
+              <a:t>string</a:t>
+            </a:r>
+            <a:r>
+              <a:rPr lang="en-US" sz="1100" dirty="0">
+                <a:solidFill>
+                  <a:srgbClr val="000000"/>
+                </a:solidFill>
+                <a:latin typeface="Consolas" panose="020B0609020204030204" pitchFamily="49" charset="0"/>
+              </a:rPr>
+              <a:t>,</a:t>
+            </a:r>
+          </a:p>
+          <a:p>
+            <a:r>
+              <a:rPr lang="en-US" sz="1100" dirty="0" smtClean="0">
+                <a:solidFill>
+                  <a:srgbClr val="000000"/>
+                </a:solidFill>
+                <a:latin typeface="Consolas" panose="020B0609020204030204" pitchFamily="49" charset="0"/>
+              </a:rPr>
+              <a:t>    </a:t>
+            </a:r>
+            <a:r>
+              <a:rPr lang="en-US" sz="1100" dirty="0" err="1">
+                <a:solidFill>
+                  <a:srgbClr val="0000FF"/>
+                </a:solidFill>
+                <a:latin typeface="Consolas" panose="020B0609020204030204" pitchFamily="49" charset="0"/>
+              </a:rPr>
+              <a:t>std</a:t>
+            </a:r>
+            <a:r>
+              <a:rPr lang="en-US" sz="1100" dirty="0">
+                <a:solidFill>
+                  <a:srgbClr val="000000"/>
+                </a:solidFill>
+                <a:latin typeface="Consolas" panose="020B0609020204030204" pitchFamily="49" charset="0"/>
+              </a:rPr>
+              <a:t>::</a:t>
+            </a:r>
+            <a:r>
+              <a:rPr lang="en-US" sz="1100" dirty="0" err="1">
+                <a:solidFill>
+                  <a:srgbClr val="0000FF"/>
+                </a:solidFill>
+                <a:latin typeface="Consolas" panose="020B0609020204030204" pitchFamily="49" charset="0"/>
+              </a:rPr>
+              <a:t>unique_ptr</a:t>
+            </a:r>
+            <a:r>
+              <a:rPr lang="en-US" sz="1100" dirty="0">
+                <a:solidFill>
+                  <a:srgbClr val="000000"/>
+                </a:solidFill>
+                <a:latin typeface="Consolas" panose="020B0609020204030204" pitchFamily="49" charset="0"/>
+              </a:rPr>
+              <a:t>&lt;</a:t>
+            </a:r>
+            <a:r>
+              <a:rPr lang="en-US" sz="1100" dirty="0">
+                <a:solidFill>
+                  <a:srgbClr val="0000FF"/>
+                </a:solidFill>
+                <a:latin typeface="Consolas" panose="020B0609020204030204" pitchFamily="49" charset="0"/>
+              </a:rPr>
+              <a:t>Creator</a:t>
+            </a:r>
+            <a:r>
+              <a:rPr lang="en-US" sz="1100" dirty="0">
+                <a:solidFill>
+                  <a:srgbClr val="000000"/>
+                </a:solidFill>
+                <a:latin typeface="Consolas" panose="020B0609020204030204" pitchFamily="49" charset="0"/>
+              </a:rPr>
+              <a:t>&gt;&gt; </a:t>
+            </a:r>
+            <a:r>
+              <a:rPr lang="en-US" sz="1100" dirty="0" err="1">
+                <a:solidFill>
+                  <a:srgbClr val="000080"/>
+                </a:solidFill>
+                <a:latin typeface="Consolas" panose="020B0609020204030204" pitchFamily="49" charset="0"/>
+              </a:rPr>
+              <a:t>d_collection</a:t>
+            </a:r>
+            <a:r>
+              <a:rPr lang="en-US" sz="1100" dirty="0">
+                <a:solidFill>
+                  <a:srgbClr val="000000"/>
+                </a:solidFill>
+                <a:latin typeface="Consolas" panose="020B0609020204030204" pitchFamily="49" charset="0"/>
+              </a:rPr>
+              <a:t>;</a:t>
+            </a:r>
+          </a:p>
+          <a:p>
+            <a:r>
+              <a:rPr lang="en-US" sz="1100" dirty="0" smtClean="0">
+                <a:solidFill>
+                  <a:srgbClr val="000000"/>
+                </a:solidFill>
+                <a:latin typeface="Consolas" panose="020B0609020204030204" pitchFamily="49" charset="0"/>
+              </a:rPr>
+              <a:t>};</a:t>
+            </a:r>
+            <a:endParaRPr lang="en-US" sz="1100" dirty="0">
+              <a:solidFill>
+                <a:srgbClr val="000000"/>
+              </a:solidFill>
+              <a:latin typeface="Consolas" panose="020B0609020204030204" pitchFamily="49" charset="0"/>
+            </a:endParaRPr>
+          </a:p>
         </p:txBody>
       </p:sp>
     </p:spTree>
     <p:extLst>
       <p:ext uri="{BB962C8B-B14F-4D97-AF65-F5344CB8AC3E}">
-        <p14:creationId xmlns:p14="http://schemas.microsoft.com/office/powerpoint/2010/main" val="567384408"/>
+        <p14:creationId xmlns:p14="http://schemas.microsoft.com/office/powerpoint/2010/main" val="1535295679"/>
       </p:ext>
     </p:extLst>
   </p:cSld>
@@ -8827,7 +8316,7 @@
           <a:p>
             <a:r>
               <a:rPr lang="en-US" dirty="0" smtClean="0"/>
-              <a:t>Registration</a:t>
+              <a:t>Factory definition</a:t>
             </a:r>
             <a:endParaRPr lang="en-US" dirty="0"/>
           </a:p>
@@ -8890,14 +8379,14 @@
       </p:sp>
       <p:sp>
         <p:nvSpPr>
-          <p:cNvPr id="6" name="Rectangle 5"/>
+          <p:cNvPr id="5" name="Rectangle 4"/>
           <p:cNvSpPr/>
           <p:nvPr/>
         </p:nvSpPr>
         <p:spPr>
           <a:xfrm>
-            <a:off x="914400" y="1620083"/>
-            <a:ext cx="5486400" cy="4108817"/>
+            <a:off x="914400" y="1219200"/>
+            <a:ext cx="6400800" cy="4832092"/>
           </a:xfrm>
           <a:prstGeom prst="rect">
             <a:avLst/>
@@ -8910,15 +8399,15 @@
           <a:lstStyle/>
           <a:p>
             <a:r>
-              <a:rPr lang="en-US" sz="900" dirty="0">
+              <a:rPr lang="en-US" sz="1100" dirty="0">
                 <a:solidFill>
                   <a:srgbClr val="008000"/>
                 </a:solidFill>
                 <a:latin typeface="Consolas" panose="020B0609020204030204" pitchFamily="49" charset="0"/>
               </a:rPr>
-              <a:t>//  apply RAII for object registration in a factory</a:t>
-            </a:r>
-            <a:endParaRPr lang="en-US" sz="900" dirty="0" smtClean="0">
+              <a:t>//  my 'virtual constructor'</a:t>
+            </a:r>
+            <a:endParaRPr lang="en-US" sz="1100" dirty="0" smtClean="0">
               <a:solidFill>
                 <a:srgbClr val="0000FF"/>
               </a:solidFill>
@@ -8927,7 +8416,7 @@
           </a:p>
           <a:p>
             <a:r>
-              <a:rPr lang="en-US" sz="900" dirty="0" smtClean="0">
+              <a:rPr lang="en-US" sz="1100" dirty="0" smtClean="0">
                 <a:solidFill>
                   <a:srgbClr val="0000FF"/>
                 </a:solidFill>
@@ -8936,7 +8425,7 @@
               <a:t>template</a:t>
             </a:r>
             <a:r>
-              <a:rPr lang="en-US" sz="900" dirty="0" smtClean="0">
+              <a:rPr lang="en-US" sz="1100" dirty="0" smtClean="0">
                 <a:solidFill>
                   <a:srgbClr val="000000"/>
                 </a:solidFill>
@@ -8945,7 +8434,7 @@
               <a:t> </a:t>
             </a:r>
             <a:r>
-              <a:rPr lang="en-US" sz="900" dirty="0">
+              <a:rPr lang="en-US" sz="1100" dirty="0">
                 <a:solidFill>
                   <a:srgbClr val="000000"/>
                 </a:solidFill>
@@ -8954,7 +8443,7 @@
               <a:t>&lt;</a:t>
             </a:r>
             <a:r>
-              <a:rPr lang="en-US" sz="900" dirty="0" err="1">
+              <a:rPr lang="en-US" sz="1100" dirty="0" err="1">
                 <a:solidFill>
                   <a:srgbClr val="0000FF"/>
                 </a:solidFill>
@@ -8963,7 +8452,7 @@
               <a:t>typename</a:t>
             </a:r>
             <a:r>
-              <a:rPr lang="en-US" sz="900" dirty="0">
+              <a:rPr lang="en-US" sz="1100" dirty="0">
                 <a:solidFill>
                   <a:srgbClr val="000000"/>
                 </a:solidFill>
@@ -8972,7 +8461,7 @@
               <a:t> </a:t>
             </a:r>
             <a:r>
-              <a:rPr lang="en-US" sz="900" dirty="0">
+              <a:rPr lang="en-US" sz="1100" dirty="0">
                 <a:solidFill>
                   <a:srgbClr val="0000FF"/>
                 </a:solidFill>
@@ -8981,7 +8470,7 @@
               <a:t>T</a:t>
             </a:r>
             <a:r>
-              <a:rPr lang="en-US" sz="900" dirty="0">
+              <a:rPr lang="en-US" sz="1100" dirty="0">
                 <a:solidFill>
                   <a:srgbClr val="000000"/>
                 </a:solidFill>
@@ -8992,16 +8481,16 @@
           </a:p>
           <a:p>
             <a:r>
-              <a:rPr lang="en-US" sz="900" dirty="0" smtClean="0">
-                <a:solidFill>
-                  <a:srgbClr val="0000FF"/>
-                </a:solidFill>
-                <a:latin typeface="Consolas" panose="020B0609020204030204" pitchFamily="49" charset="0"/>
-              </a:rPr>
-              <a:t>class</a:t>
-            </a:r>
-            <a:r>
-              <a:rPr lang="en-US" sz="900" dirty="0" smtClean="0">
+              <a:rPr lang="en-US" sz="1100" dirty="0" err="1">
+                <a:solidFill>
+                  <a:srgbClr val="0000FF"/>
+                </a:solidFill>
+                <a:latin typeface="Consolas" panose="020B0609020204030204" pitchFamily="49" charset="0"/>
+              </a:rPr>
+              <a:t>struct</a:t>
+            </a:r>
+            <a:r>
+              <a:rPr lang="en-US" sz="1100" dirty="0">
                 <a:solidFill>
                   <a:srgbClr val="000000"/>
                 </a:solidFill>
@@ -9010,15 +8499,69 @@
               <a:t> </a:t>
             </a:r>
             <a:r>
-              <a:rPr lang="en-US" sz="900" dirty="0" err="1">
-                <a:solidFill>
-                  <a:srgbClr val="0000FF"/>
-                </a:solidFill>
-                <a:latin typeface="Consolas" panose="020B0609020204030204" pitchFamily="49" charset="0"/>
-              </a:rPr>
-              <a:t>Registrator</a:t>
-            </a:r>
-            <a:endParaRPr lang="en-US" sz="900" dirty="0">
+              <a:rPr lang="en-US" sz="1100" dirty="0">
+                <a:solidFill>
+                  <a:srgbClr val="0000FF"/>
+                </a:solidFill>
+                <a:latin typeface="Consolas" panose="020B0609020204030204" pitchFamily="49" charset="0"/>
+              </a:rPr>
+              <a:t>SDK_NS</a:t>
+            </a:r>
+            <a:r>
+              <a:rPr lang="en-US" sz="1100" dirty="0">
+                <a:solidFill>
+                  <a:srgbClr val="000000"/>
+                </a:solidFill>
+                <a:latin typeface="Consolas" panose="020B0609020204030204" pitchFamily="49" charset="0"/>
+              </a:rPr>
+              <a:t>::</a:t>
+            </a:r>
+            <a:r>
+              <a:rPr lang="en-US" sz="1100" dirty="0">
+                <a:solidFill>
+                  <a:srgbClr val="0000FF"/>
+                </a:solidFill>
+                <a:latin typeface="Consolas" panose="020B0609020204030204" pitchFamily="49" charset="0"/>
+              </a:rPr>
+              <a:t>Factory</a:t>
+            </a:r>
+            <a:r>
+              <a:rPr lang="en-US" sz="1100" dirty="0">
+                <a:solidFill>
+                  <a:srgbClr val="000000"/>
+                </a:solidFill>
+                <a:latin typeface="Consolas" panose="020B0609020204030204" pitchFamily="49" charset="0"/>
+              </a:rPr>
+              <a:t>&lt;</a:t>
+            </a:r>
+            <a:r>
+              <a:rPr lang="en-US" sz="1100" dirty="0">
+                <a:solidFill>
+                  <a:srgbClr val="0000FF"/>
+                </a:solidFill>
+                <a:latin typeface="Consolas" panose="020B0609020204030204" pitchFamily="49" charset="0"/>
+              </a:rPr>
+              <a:t>T</a:t>
+            </a:r>
+            <a:r>
+              <a:rPr lang="en-US" sz="1100" dirty="0">
+                <a:solidFill>
+                  <a:srgbClr val="000000"/>
+                </a:solidFill>
+                <a:latin typeface="Consolas" panose="020B0609020204030204" pitchFamily="49" charset="0"/>
+              </a:rPr>
+              <a:t>&gt;::</a:t>
+            </a:r>
+            <a:r>
+              <a:rPr lang="en-US" sz="1100" dirty="0">
+                <a:solidFill>
+                  <a:srgbClr val="0000FF"/>
+                </a:solidFill>
+                <a:latin typeface="Consolas" panose="020B0609020204030204" pitchFamily="49" charset="0"/>
+              </a:rPr>
+              <a:t>Creator</a:t>
+            </a:r>
+            <a:endParaRPr lang="en-US" sz="1100" dirty="0">
               <a:solidFill>
                 <a:srgbClr val="000000"/>
               </a:solidFill>
@@ -9027,7 +8570,7 @@
           </a:p>
           <a:p>
             <a:r>
-              <a:rPr lang="en-US" sz="900" dirty="0" smtClean="0">
+              <a:rPr lang="en-US" sz="1100" dirty="0">
                 <a:solidFill>
                   <a:srgbClr val="000000"/>
                 </a:solidFill>
@@ -9035,7 +8578,204 @@
               </a:rPr>
               <a:t>{</a:t>
             </a:r>
-            <a:endParaRPr lang="en-US" sz="900" dirty="0">
+          </a:p>
+          <a:p>
+            <a:r>
+              <a:rPr lang="en-US" sz="1100" dirty="0">
+                <a:solidFill>
+                  <a:srgbClr val="000000"/>
+                </a:solidFill>
+                <a:latin typeface="Consolas" panose="020B0609020204030204" pitchFamily="49" charset="0"/>
+              </a:rPr>
+              <a:t>  </a:t>
+            </a:r>
+            <a:r>
+              <a:rPr lang="en-US" sz="1100" dirty="0">
+                <a:solidFill>
+                  <a:srgbClr val="0000FF"/>
+                </a:solidFill>
+                <a:latin typeface="Consolas" panose="020B0609020204030204" pitchFamily="49" charset="0"/>
+              </a:rPr>
+              <a:t>virtual</a:t>
+            </a:r>
+            <a:r>
+              <a:rPr lang="en-US" sz="1100" dirty="0">
+                <a:solidFill>
+                  <a:srgbClr val="000000"/>
+                </a:solidFill>
+                <a:latin typeface="Consolas" panose="020B0609020204030204" pitchFamily="49" charset="0"/>
+              </a:rPr>
+              <a:t> </a:t>
+            </a:r>
+            <a:r>
+              <a:rPr lang="en-US" sz="1100" dirty="0" err="1">
+                <a:solidFill>
+                  <a:srgbClr val="0000FF"/>
+                </a:solidFill>
+                <a:latin typeface="Consolas" panose="020B0609020204030204" pitchFamily="49" charset="0"/>
+              </a:rPr>
+              <a:t>std</a:t>
+            </a:r>
+            <a:r>
+              <a:rPr lang="en-US" sz="1100" dirty="0">
+                <a:solidFill>
+                  <a:srgbClr val="000000"/>
+                </a:solidFill>
+                <a:latin typeface="Consolas" panose="020B0609020204030204" pitchFamily="49" charset="0"/>
+              </a:rPr>
+              <a:t>::</a:t>
+            </a:r>
+            <a:r>
+              <a:rPr lang="en-US" sz="1100" dirty="0" err="1">
+                <a:solidFill>
+                  <a:srgbClr val="0000FF"/>
+                </a:solidFill>
+                <a:latin typeface="Consolas" panose="020B0609020204030204" pitchFamily="49" charset="0"/>
+              </a:rPr>
+              <a:t>unique_ptr</a:t>
+            </a:r>
+            <a:r>
+              <a:rPr lang="en-US" sz="1100" dirty="0">
+                <a:solidFill>
+                  <a:srgbClr val="000000"/>
+                </a:solidFill>
+                <a:latin typeface="Consolas" panose="020B0609020204030204" pitchFamily="49" charset="0"/>
+              </a:rPr>
+              <a:t>&lt;</a:t>
+            </a:r>
+            <a:r>
+              <a:rPr lang="en-US" sz="1100" dirty="0">
+                <a:solidFill>
+                  <a:srgbClr val="0000FF"/>
+                </a:solidFill>
+                <a:latin typeface="Consolas" panose="020B0609020204030204" pitchFamily="49" charset="0"/>
+              </a:rPr>
+              <a:t>T</a:t>
+            </a:r>
+            <a:r>
+              <a:rPr lang="en-US" sz="1100" dirty="0">
+                <a:solidFill>
+                  <a:srgbClr val="000000"/>
+                </a:solidFill>
+                <a:latin typeface="Consolas" panose="020B0609020204030204" pitchFamily="49" charset="0"/>
+              </a:rPr>
+              <a:t>&gt; </a:t>
+            </a:r>
+            <a:r>
+              <a:rPr lang="en-US" sz="1100" dirty="0">
+                <a:solidFill>
+                  <a:srgbClr val="880000"/>
+                </a:solidFill>
+                <a:latin typeface="Consolas" panose="020B0609020204030204" pitchFamily="49" charset="0"/>
+              </a:rPr>
+              <a:t>create</a:t>
+            </a:r>
+            <a:r>
+              <a:rPr lang="en-US" sz="1100" dirty="0">
+                <a:solidFill>
+                  <a:srgbClr val="000000"/>
+                </a:solidFill>
+                <a:latin typeface="Consolas" panose="020B0609020204030204" pitchFamily="49" charset="0"/>
+              </a:rPr>
+              <a:t>() </a:t>
+            </a:r>
+            <a:r>
+              <a:rPr lang="en-US" sz="1100" dirty="0" err="1">
+                <a:solidFill>
+                  <a:srgbClr val="0000FF"/>
+                </a:solidFill>
+                <a:latin typeface="Consolas" panose="020B0609020204030204" pitchFamily="49" charset="0"/>
+              </a:rPr>
+              <a:t>const</a:t>
+            </a:r>
+            <a:r>
+              <a:rPr lang="en-US" sz="1100" dirty="0">
+                <a:solidFill>
+                  <a:srgbClr val="000000"/>
+                </a:solidFill>
+                <a:latin typeface="Consolas" panose="020B0609020204030204" pitchFamily="49" charset="0"/>
+              </a:rPr>
+              <a:t> = 0;</a:t>
+            </a:r>
+          </a:p>
+          <a:p>
+            <a:r>
+              <a:rPr lang="en-US" sz="1100" dirty="0" smtClean="0">
+                <a:solidFill>
+                  <a:srgbClr val="000000"/>
+                </a:solidFill>
+                <a:latin typeface="Consolas" panose="020B0609020204030204" pitchFamily="49" charset="0"/>
+              </a:rPr>
+              <a:t>  </a:t>
+            </a:r>
+            <a:r>
+              <a:rPr lang="en-US" sz="1100" dirty="0">
+                <a:solidFill>
+                  <a:srgbClr val="0000FF"/>
+                </a:solidFill>
+                <a:latin typeface="Consolas" panose="020B0609020204030204" pitchFamily="49" charset="0"/>
+              </a:rPr>
+              <a:t>virtual</a:t>
+            </a:r>
+            <a:r>
+              <a:rPr lang="en-US" sz="1100" dirty="0">
+                <a:solidFill>
+                  <a:srgbClr val="000000"/>
+                </a:solidFill>
+                <a:latin typeface="Consolas" panose="020B0609020204030204" pitchFamily="49" charset="0"/>
+              </a:rPr>
+              <a:t> ~</a:t>
+            </a:r>
+            <a:r>
+              <a:rPr lang="en-US" sz="1100" dirty="0">
+                <a:solidFill>
+                  <a:srgbClr val="0000FF"/>
+                </a:solidFill>
+                <a:latin typeface="Consolas" panose="020B0609020204030204" pitchFamily="49" charset="0"/>
+              </a:rPr>
+              <a:t>Creator</a:t>
+            </a:r>
+            <a:r>
+              <a:rPr lang="en-US" sz="1100" dirty="0">
+                <a:solidFill>
+                  <a:srgbClr val="000000"/>
+                </a:solidFill>
+                <a:latin typeface="Consolas" panose="020B0609020204030204" pitchFamily="49" charset="0"/>
+              </a:rPr>
+              <a:t>() = </a:t>
+            </a:r>
+            <a:r>
+              <a:rPr lang="en-US" sz="1100" dirty="0">
+                <a:solidFill>
+                  <a:srgbClr val="0000FF"/>
+                </a:solidFill>
+                <a:latin typeface="Consolas" panose="020B0609020204030204" pitchFamily="49" charset="0"/>
+              </a:rPr>
+              <a:t>default</a:t>
+            </a:r>
+            <a:r>
+              <a:rPr lang="en-US" sz="1100" dirty="0">
+                <a:solidFill>
+                  <a:srgbClr val="000000"/>
+                </a:solidFill>
+                <a:latin typeface="Consolas" panose="020B0609020204030204" pitchFamily="49" charset="0"/>
+              </a:rPr>
+              <a:t>;</a:t>
+            </a:r>
+          </a:p>
+          <a:p>
+            <a:r>
+              <a:rPr lang="en-US" sz="1100" dirty="0">
+                <a:solidFill>
+                  <a:srgbClr val="000000"/>
+                </a:solidFill>
+                <a:latin typeface="Consolas" panose="020B0609020204030204" pitchFamily="49" charset="0"/>
+              </a:rPr>
+              <a:t>};</a:t>
+            </a:r>
+          </a:p>
+          <a:p>
+            <a:endParaRPr lang="en-US" sz="1100" dirty="0">
               <a:solidFill>
                 <a:srgbClr val="000000"/>
               </a:solidFill>
@@ -9043,325 +8783,7 @@
             </a:endParaRPr>
           </a:p>
           <a:p>
-            <a:r>
-              <a:rPr lang="en-US" sz="900" dirty="0" smtClean="0">
-                <a:solidFill>
-                  <a:srgbClr val="0000FF"/>
-                </a:solidFill>
-                <a:latin typeface="Consolas" panose="020B0609020204030204" pitchFamily="49" charset="0"/>
-              </a:rPr>
-              <a:t>public</a:t>
-            </a:r>
-            <a:r>
-              <a:rPr lang="en-US" sz="900" dirty="0">
-                <a:solidFill>
-                  <a:srgbClr val="000000"/>
-                </a:solidFill>
-                <a:latin typeface="Consolas" panose="020B0609020204030204" pitchFamily="49" charset="0"/>
-              </a:rPr>
-              <a:t>:</a:t>
-            </a:r>
-          </a:p>
-          <a:p>
-            <a:r>
-              <a:rPr lang="en-US" sz="900" dirty="0" smtClean="0">
-                <a:solidFill>
-                  <a:srgbClr val="000000"/>
-                </a:solidFill>
-                <a:latin typeface="Consolas" panose="020B0609020204030204" pitchFamily="49" charset="0"/>
-              </a:rPr>
-              <a:t>  </a:t>
-            </a:r>
-            <a:r>
-              <a:rPr lang="en-US" sz="900" dirty="0" err="1">
-                <a:solidFill>
-                  <a:srgbClr val="0000FF"/>
-                </a:solidFill>
-                <a:latin typeface="Consolas" panose="020B0609020204030204" pitchFamily="49" charset="0"/>
-              </a:rPr>
-              <a:t>Registrator</a:t>
-            </a:r>
-            <a:r>
-              <a:rPr lang="en-US" sz="900" dirty="0">
-                <a:solidFill>
-                  <a:srgbClr val="000000"/>
-                </a:solidFill>
-                <a:latin typeface="Consolas" panose="020B0609020204030204" pitchFamily="49" charset="0"/>
-              </a:rPr>
-              <a:t>( </a:t>
-            </a:r>
-            <a:r>
-              <a:rPr lang="en-US" sz="900" dirty="0" err="1">
-                <a:solidFill>
-                  <a:srgbClr val="0000FF"/>
-                </a:solidFill>
-                <a:latin typeface="Consolas" panose="020B0609020204030204" pitchFamily="49" charset="0"/>
-              </a:rPr>
-              <a:t>const</a:t>
-            </a:r>
-            <a:r>
-              <a:rPr lang="en-US" sz="900" dirty="0">
-                <a:solidFill>
-                  <a:srgbClr val="000000"/>
-                </a:solidFill>
-                <a:latin typeface="Consolas" panose="020B0609020204030204" pitchFamily="49" charset="0"/>
-              </a:rPr>
-              <a:t> </a:t>
-            </a:r>
-            <a:r>
-              <a:rPr lang="en-US" sz="900" dirty="0" err="1">
-                <a:solidFill>
-                  <a:srgbClr val="0000FF"/>
-                </a:solidFill>
-                <a:latin typeface="Consolas" panose="020B0609020204030204" pitchFamily="49" charset="0"/>
-              </a:rPr>
-              <a:t>std</a:t>
-            </a:r>
-            <a:r>
-              <a:rPr lang="en-US" sz="900" dirty="0">
-                <a:solidFill>
-                  <a:srgbClr val="000000"/>
-                </a:solidFill>
-                <a:latin typeface="Consolas" panose="020B0609020204030204" pitchFamily="49" charset="0"/>
-              </a:rPr>
-              <a:t>::</a:t>
-            </a:r>
-            <a:r>
-              <a:rPr lang="en-US" sz="900" dirty="0">
-                <a:solidFill>
-                  <a:srgbClr val="0000FF"/>
-                </a:solidFill>
-                <a:latin typeface="Consolas" panose="020B0609020204030204" pitchFamily="49" charset="0"/>
-              </a:rPr>
-              <a:t>string</a:t>
-            </a:r>
-            <a:r>
-              <a:rPr lang="en-US" sz="900" dirty="0">
-                <a:solidFill>
-                  <a:srgbClr val="000000"/>
-                </a:solidFill>
-                <a:latin typeface="Consolas" panose="020B0609020204030204" pitchFamily="49" charset="0"/>
-              </a:rPr>
-              <a:t>&amp; </a:t>
-            </a:r>
-            <a:r>
-              <a:rPr lang="en-US" sz="900" dirty="0" err="1">
-                <a:solidFill>
-                  <a:srgbClr val="000080"/>
-                </a:solidFill>
-                <a:latin typeface="Consolas" panose="020B0609020204030204" pitchFamily="49" charset="0"/>
-              </a:rPr>
-              <a:t>i_name</a:t>
-            </a:r>
-            <a:r>
-              <a:rPr lang="en-US" sz="900" dirty="0">
-                <a:solidFill>
-                  <a:srgbClr val="000000"/>
-                </a:solidFill>
-                <a:latin typeface="Consolas" panose="020B0609020204030204" pitchFamily="49" charset="0"/>
-              </a:rPr>
-              <a:t> </a:t>
-            </a:r>
-            <a:r>
-              <a:rPr lang="en-US" sz="900" dirty="0" smtClean="0">
-                <a:solidFill>
-                  <a:srgbClr val="000000"/>
-                </a:solidFill>
-                <a:latin typeface="Consolas" panose="020B0609020204030204" pitchFamily="49" charset="0"/>
-              </a:rPr>
-              <a:t>)</a:t>
-            </a:r>
-          </a:p>
-          <a:p>
-            <a:r>
-              <a:rPr lang="en-US" sz="900" dirty="0" smtClean="0">
-                <a:solidFill>
-                  <a:srgbClr val="000000"/>
-                </a:solidFill>
-                <a:latin typeface="Consolas" panose="020B0609020204030204" pitchFamily="49" charset="0"/>
-              </a:rPr>
-              <a:t>    : </a:t>
-            </a:r>
-            <a:r>
-              <a:rPr lang="en-US" sz="900" dirty="0" err="1">
-                <a:solidFill>
-                  <a:srgbClr val="000080"/>
-                </a:solidFill>
-                <a:latin typeface="Consolas" panose="020B0609020204030204" pitchFamily="49" charset="0"/>
-              </a:rPr>
-              <a:t>d_name</a:t>
-            </a:r>
-            <a:r>
-              <a:rPr lang="en-US" sz="900" dirty="0">
-                <a:solidFill>
-                  <a:srgbClr val="000000"/>
-                </a:solidFill>
-                <a:latin typeface="Consolas" panose="020B0609020204030204" pitchFamily="49" charset="0"/>
-              </a:rPr>
-              <a:t>{ </a:t>
-            </a:r>
-            <a:r>
-              <a:rPr lang="en-US" sz="900" dirty="0" err="1">
-                <a:solidFill>
-                  <a:srgbClr val="000080"/>
-                </a:solidFill>
-                <a:latin typeface="Consolas" panose="020B0609020204030204" pitchFamily="49" charset="0"/>
-              </a:rPr>
-              <a:t>i_name</a:t>
-            </a:r>
-            <a:r>
-              <a:rPr lang="en-US" sz="900" dirty="0">
-                <a:solidFill>
-                  <a:srgbClr val="000000"/>
-                </a:solidFill>
-                <a:latin typeface="Consolas" panose="020B0609020204030204" pitchFamily="49" charset="0"/>
-              </a:rPr>
-              <a:t> }</a:t>
-            </a:r>
-          </a:p>
-          <a:p>
-            <a:r>
-              <a:rPr lang="en-US" sz="900" dirty="0" smtClean="0">
-                <a:solidFill>
-                  <a:srgbClr val="000000"/>
-                </a:solidFill>
-                <a:latin typeface="Consolas" panose="020B0609020204030204" pitchFamily="49" charset="0"/>
-              </a:rPr>
-              <a:t>  </a:t>
-            </a:r>
-            <a:r>
-              <a:rPr lang="en-US" sz="900" dirty="0">
-                <a:solidFill>
-                  <a:srgbClr val="000000"/>
-                </a:solidFill>
-                <a:latin typeface="Consolas" panose="020B0609020204030204" pitchFamily="49" charset="0"/>
-              </a:rPr>
-              <a:t>{</a:t>
-            </a:r>
-          </a:p>
-          <a:p>
-            <a:r>
-              <a:rPr lang="en-US" sz="900" dirty="0" smtClean="0">
-                <a:solidFill>
-                  <a:srgbClr val="000000"/>
-                </a:solidFill>
-                <a:latin typeface="Consolas" panose="020B0609020204030204" pitchFamily="49" charset="0"/>
-              </a:rPr>
-              <a:t>    </a:t>
-            </a:r>
-            <a:r>
-              <a:rPr lang="en-US" sz="900" dirty="0">
-                <a:solidFill>
-                  <a:srgbClr val="0000FF"/>
-                </a:solidFill>
-                <a:latin typeface="Consolas" panose="020B0609020204030204" pitchFamily="49" charset="0"/>
-              </a:rPr>
-              <a:t>T</a:t>
-            </a:r>
-            <a:r>
-              <a:rPr lang="en-US" sz="900" dirty="0">
-                <a:solidFill>
-                  <a:srgbClr val="000000"/>
-                </a:solidFill>
-                <a:latin typeface="Consolas" panose="020B0609020204030204" pitchFamily="49" charset="0"/>
-              </a:rPr>
-              <a:t>::</a:t>
-            </a:r>
-            <a:r>
-              <a:rPr lang="en-US" sz="900" dirty="0">
-                <a:solidFill>
-                  <a:srgbClr val="880000"/>
-                </a:solidFill>
-                <a:latin typeface="Consolas" panose="020B0609020204030204" pitchFamily="49" charset="0"/>
-              </a:rPr>
-              <a:t>GetFactory</a:t>
-            </a:r>
-            <a:r>
-              <a:rPr lang="en-US" sz="900" dirty="0">
-                <a:solidFill>
-                  <a:srgbClr val="000000"/>
-                </a:solidFill>
-                <a:latin typeface="Consolas" panose="020B0609020204030204" pitchFamily="49" charset="0"/>
-              </a:rPr>
-              <a:t>().</a:t>
-            </a:r>
-            <a:r>
-              <a:rPr lang="en-US" sz="900" dirty="0">
-                <a:solidFill>
-                  <a:srgbClr val="880000"/>
-                </a:solidFill>
-                <a:latin typeface="Consolas" panose="020B0609020204030204" pitchFamily="49" charset="0"/>
-              </a:rPr>
-              <a:t>add</a:t>
-            </a:r>
-            <a:r>
-              <a:rPr lang="en-US" sz="900" dirty="0">
-                <a:solidFill>
-                  <a:srgbClr val="000000"/>
-                </a:solidFill>
-                <a:latin typeface="Consolas" panose="020B0609020204030204" pitchFamily="49" charset="0"/>
-              </a:rPr>
-              <a:t>&lt;</a:t>
-            </a:r>
-            <a:r>
-              <a:rPr lang="en-US" sz="900" dirty="0">
-                <a:solidFill>
-                  <a:srgbClr val="0000FF"/>
-                </a:solidFill>
-                <a:latin typeface="Consolas" panose="020B0609020204030204" pitchFamily="49" charset="0"/>
-              </a:rPr>
-              <a:t>T</a:t>
-            </a:r>
-            <a:r>
-              <a:rPr lang="en-US" sz="900" dirty="0">
-                <a:solidFill>
-                  <a:srgbClr val="000000"/>
-                </a:solidFill>
-                <a:latin typeface="Consolas" panose="020B0609020204030204" pitchFamily="49" charset="0"/>
-              </a:rPr>
-              <a:t>&gt;( </a:t>
-            </a:r>
-            <a:r>
-              <a:rPr lang="en-US" sz="900" dirty="0" err="1">
-                <a:solidFill>
-                  <a:srgbClr val="000080"/>
-                </a:solidFill>
-                <a:latin typeface="Consolas" panose="020B0609020204030204" pitchFamily="49" charset="0"/>
-              </a:rPr>
-              <a:t>d_name</a:t>
-            </a:r>
-            <a:r>
-              <a:rPr lang="en-US" sz="900" dirty="0">
-                <a:solidFill>
-                  <a:srgbClr val="000000"/>
-                </a:solidFill>
-                <a:latin typeface="Consolas" panose="020B0609020204030204" pitchFamily="49" charset="0"/>
-              </a:rPr>
-              <a:t> );</a:t>
-            </a:r>
-          </a:p>
-          <a:p>
-            <a:r>
-              <a:rPr lang="en-US" sz="900" dirty="0" smtClean="0">
-                <a:solidFill>
-                  <a:srgbClr val="000000"/>
-                </a:solidFill>
-                <a:latin typeface="Consolas" panose="020B0609020204030204" pitchFamily="49" charset="0"/>
-              </a:rPr>
-              <a:t>  </a:t>
-            </a:r>
-            <a:r>
-              <a:rPr lang="en-US" sz="900" dirty="0">
-                <a:solidFill>
-                  <a:srgbClr val="000000"/>
-                </a:solidFill>
-                <a:latin typeface="Consolas" panose="020B0609020204030204" pitchFamily="49" charset="0"/>
-              </a:rPr>
-              <a:t>}</a:t>
-            </a:r>
-          </a:p>
-          <a:p>
-            <a:endParaRPr lang="en-US" sz="900" dirty="0" smtClean="0">
+            <a:endParaRPr lang="en-US" sz="1100" dirty="0" smtClean="0">
               <a:solidFill>
                 <a:srgbClr val="000000"/>
               </a:solidFill>
@@ -9370,167 +8792,15 @@
           </a:p>
           <a:p>
             <a:r>
-              <a:rPr lang="en-US" sz="900" dirty="0" smtClean="0">
-                <a:solidFill>
-                  <a:srgbClr val="000000"/>
-                </a:solidFill>
-                <a:latin typeface="Consolas" panose="020B0609020204030204" pitchFamily="49" charset="0"/>
-              </a:rPr>
-              <a:t>  </a:t>
-            </a:r>
-            <a:r>
-              <a:rPr lang="en-US" sz="900" dirty="0">
-                <a:solidFill>
-                  <a:srgbClr val="000000"/>
-                </a:solidFill>
-                <a:latin typeface="Consolas" panose="020B0609020204030204" pitchFamily="49" charset="0"/>
-              </a:rPr>
-              <a:t>~</a:t>
-            </a:r>
-            <a:r>
-              <a:rPr lang="en-US" sz="900" dirty="0" err="1">
-                <a:solidFill>
-                  <a:srgbClr val="0000FF"/>
-                </a:solidFill>
-                <a:latin typeface="Consolas" panose="020B0609020204030204" pitchFamily="49" charset="0"/>
-              </a:rPr>
-              <a:t>Registrator</a:t>
-            </a:r>
-            <a:r>
-              <a:rPr lang="en-US" sz="900" dirty="0">
-                <a:solidFill>
-                  <a:srgbClr val="000000"/>
-                </a:solidFill>
-                <a:latin typeface="Consolas" panose="020B0609020204030204" pitchFamily="49" charset="0"/>
-              </a:rPr>
-              <a:t>()</a:t>
-            </a:r>
-          </a:p>
-          <a:p>
-            <a:r>
-              <a:rPr lang="en-US" sz="900" dirty="0" smtClean="0">
-                <a:solidFill>
-                  <a:srgbClr val="000000"/>
-                </a:solidFill>
-                <a:latin typeface="Consolas" panose="020B0609020204030204" pitchFamily="49" charset="0"/>
-              </a:rPr>
-              <a:t>  </a:t>
-            </a:r>
-            <a:r>
-              <a:rPr lang="en-US" sz="900" dirty="0">
-                <a:solidFill>
-                  <a:srgbClr val="000000"/>
-                </a:solidFill>
-                <a:latin typeface="Consolas" panose="020B0609020204030204" pitchFamily="49" charset="0"/>
-              </a:rPr>
-              <a:t>{</a:t>
-            </a:r>
-          </a:p>
-          <a:p>
-            <a:r>
-              <a:rPr lang="en-US" sz="900" dirty="0" smtClean="0">
-                <a:solidFill>
-                  <a:srgbClr val="000000"/>
-                </a:solidFill>
-                <a:latin typeface="Consolas" panose="020B0609020204030204" pitchFamily="49" charset="0"/>
-              </a:rPr>
-              <a:t>    </a:t>
-            </a:r>
-            <a:r>
-              <a:rPr lang="en-US" sz="900" dirty="0">
-                <a:solidFill>
-                  <a:srgbClr val="0000FF"/>
-                </a:solidFill>
-                <a:latin typeface="Consolas" panose="020B0609020204030204" pitchFamily="49" charset="0"/>
-              </a:rPr>
-              <a:t>T</a:t>
-            </a:r>
-            <a:r>
-              <a:rPr lang="en-US" sz="900" dirty="0">
-                <a:solidFill>
-                  <a:srgbClr val="000000"/>
-                </a:solidFill>
-                <a:latin typeface="Consolas" panose="020B0609020204030204" pitchFamily="49" charset="0"/>
-              </a:rPr>
-              <a:t>::</a:t>
-            </a:r>
-            <a:r>
-              <a:rPr lang="en-US" sz="900" dirty="0">
-                <a:solidFill>
-                  <a:srgbClr val="880000"/>
-                </a:solidFill>
-                <a:latin typeface="Consolas" panose="020B0609020204030204" pitchFamily="49" charset="0"/>
-              </a:rPr>
-              <a:t>GetFactory</a:t>
-            </a:r>
-            <a:r>
-              <a:rPr lang="en-US" sz="900" dirty="0">
-                <a:solidFill>
-                  <a:srgbClr val="000000"/>
-                </a:solidFill>
-                <a:latin typeface="Consolas" panose="020B0609020204030204" pitchFamily="49" charset="0"/>
-              </a:rPr>
-              <a:t>().</a:t>
-            </a:r>
-            <a:r>
-              <a:rPr lang="en-US" sz="900" dirty="0">
-                <a:solidFill>
-                  <a:srgbClr val="880000"/>
-                </a:solidFill>
-                <a:latin typeface="Consolas" panose="020B0609020204030204" pitchFamily="49" charset="0"/>
-              </a:rPr>
-              <a:t>remove</a:t>
-            </a:r>
-            <a:r>
-              <a:rPr lang="en-US" sz="900" dirty="0">
-                <a:solidFill>
-                  <a:srgbClr val="000000"/>
-                </a:solidFill>
-                <a:latin typeface="Consolas" panose="020B0609020204030204" pitchFamily="49" charset="0"/>
-              </a:rPr>
-              <a:t>( </a:t>
-            </a:r>
-            <a:r>
-              <a:rPr lang="en-US" sz="900" dirty="0" err="1">
-                <a:solidFill>
-                  <a:srgbClr val="000080"/>
-                </a:solidFill>
-                <a:latin typeface="Consolas" panose="020B0609020204030204" pitchFamily="49" charset="0"/>
-              </a:rPr>
-              <a:t>d_name</a:t>
-            </a:r>
-            <a:r>
-              <a:rPr lang="en-US" sz="900" dirty="0">
-                <a:solidFill>
-                  <a:srgbClr val="000000"/>
-                </a:solidFill>
-                <a:latin typeface="Consolas" panose="020B0609020204030204" pitchFamily="49" charset="0"/>
-              </a:rPr>
-              <a:t> );</a:t>
-            </a:r>
-          </a:p>
-          <a:p>
-            <a:r>
-              <a:rPr lang="en-US" sz="900" dirty="0" smtClean="0">
-                <a:solidFill>
-                  <a:srgbClr val="000000"/>
-                </a:solidFill>
-                <a:latin typeface="Consolas" panose="020B0609020204030204" pitchFamily="49" charset="0"/>
-              </a:rPr>
-              <a:t>  </a:t>
-            </a:r>
-            <a:r>
-              <a:rPr lang="en-US" sz="900" dirty="0">
-                <a:solidFill>
-                  <a:srgbClr val="000000"/>
-                </a:solidFill>
-                <a:latin typeface="Consolas" panose="020B0609020204030204" pitchFamily="49" charset="0"/>
-              </a:rPr>
-              <a:t>}</a:t>
-            </a:r>
-          </a:p>
-          <a:p>
-            <a:endParaRPr lang="en-US" sz="900" dirty="0">
+              <a:rPr lang="en-US" sz="1100" dirty="0">
+                <a:solidFill>
+                  <a:srgbClr val="008000"/>
+                </a:solidFill>
+                <a:latin typeface="Consolas" panose="020B0609020204030204" pitchFamily="49" charset="0"/>
+              </a:rPr>
+              <a:t>//  register type X under custom name</a:t>
+            </a:r>
+            <a:endParaRPr lang="en-US" sz="1100" dirty="0">
               <a:solidFill>
                 <a:srgbClr val="000000"/>
               </a:solidFill>
@@ -9539,27 +8809,292 @@
           </a:p>
           <a:p>
             <a:r>
-              <a:rPr lang="en-US" sz="900" dirty="0" smtClean="0">
-                <a:solidFill>
-                  <a:srgbClr val="0000FF"/>
-                </a:solidFill>
-                <a:latin typeface="Consolas" panose="020B0609020204030204" pitchFamily="49" charset="0"/>
-              </a:rPr>
-              <a:t>private</a:t>
-            </a:r>
-            <a:r>
-              <a:rPr lang="en-US" sz="900" dirty="0">
-                <a:solidFill>
-                  <a:srgbClr val="000000"/>
-                </a:solidFill>
-                <a:latin typeface="Consolas" panose="020B0609020204030204" pitchFamily="49" charset="0"/>
-              </a:rPr>
-              <a:t>:</a:t>
-            </a:r>
-          </a:p>
-          <a:p>
-            <a:r>
-              <a:rPr lang="en-US" sz="900" dirty="0" smtClean="0">
+              <a:rPr lang="en-US" sz="1100" dirty="0">
+                <a:solidFill>
+                  <a:srgbClr val="0000FF"/>
+                </a:solidFill>
+                <a:latin typeface="Consolas" panose="020B0609020204030204" pitchFamily="49" charset="0"/>
+              </a:rPr>
+              <a:t>template</a:t>
+            </a:r>
+            <a:r>
+              <a:rPr lang="en-US" sz="1100" dirty="0">
+                <a:solidFill>
+                  <a:srgbClr val="000000"/>
+                </a:solidFill>
+                <a:latin typeface="Consolas" panose="020B0609020204030204" pitchFamily="49" charset="0"/>
+              </a:rPr>
+              <a:t> &lt;</a:t>
+            </a:r>
+            <a:r>
+              <a:rPr lang="en-US" sz="1100" dirty="0" err="1">
+                <a:solidFill>
+                  <a:srgbClr val="0000FF"/>
+                </a:solidFill>
+                <a:latin typeface="Consolas" panose="020B0609020204030204" pitchFamily="49" charset="0"/>
+              </a:rPr>
+              <a:t>typename</a:t>
+            </a:r>
+            <a:r>
+              <a:rPr lang="en-US" sz="1100" dirty="0">
+                <a:solidFill>
+                  <a:srgbClr val="000000"/>
+                </a:solidFill>
+                <a:latin typeface="Consolas" panose="020B0609020204030204" pitchFamily="49" charset="0"/>
+              </a:rPr>
+              <a:t> </a:t>
+            </a:r>
+            <a:r>
+              <a:rPr lang="en-US" sz="1100" dirty="0">
+                <a:solidFill>
+                  <a:srgbClr val="0000FF"/>
+                </a:solidFill>
+                <a:latin typeface="Consolas" panose="020B0609020204030204" pitchFamily="49" charset="0"/>
+              </a:rPr>
+              <a:t>T</a:t>
+            </a:r>
+            <a:r>
+              <a:rPr lang="en-US" sz="1100" dirty="0">
+                <a:solidFill>
+                  <a:srgbClr val="000000"/>
+                </a:solidFill>
+                <a:latin typeface="Consolas" panose="020B0609020204030204" pitchFamily="49" charset="0"/>
+              </a:rPr>
+              <a:t>&gt; </a:t>
+            </a:r>
+            <a:r>
+              <a:rPr lang="en-US" sz="1100" dirty="0">
+                <a:solidFill>
+                  <a:srgbClr val="0000FF"/>
+                </a:solidFill>
+                <a:latin typeface="Consolas" panose="020B0609020204030204" pitchFamily="49" charset="0"/>
+              </a:rPr>
+              <a:t>template</a:t>
+            </a:r>
+            <a:r>
+              <a:rPr lang="en-US" sz="1100" dirty="0">
+                <a:solidFill>
+                  <a:srgbClr val="000000"/>
+                </a:solidFill>
+                <a:latin typeface="Consolas" panose="020B0609020204030204" pitchFamily="49" charset="0"/>
+              </a:rPr>
+              <a:t> &lt;</a:t>
+            </a:r>
+            <a:r>
+              <a:rPr lang="en-US" sz="1100" dirty="0" err="1">
+                <a:solidFill>
+                  <a:srgbClr val="0000FF"/>
+                </a:solidFill>
+                <a:latin typeface="Consolas" panose="020B0609020204030204" pitchFamily="49" charset="0"/>
+              </a:rPr>
+              <a:t>typename</a:t>
+            </a:r>
+            <a:r>
+              <a:rPr lang="en-US" sz="1100" dirty="0">
+                <a:solidFill>
+                  <a:srgbClr val="000000"/>
+                </a:solidFill>
+                <a:latin typeface="Consolas" panose="020B0609020204030204" pitchFamily="49" charset="0"/>
+              </a:rPr>
+              <a:t> </a:t>
+            </a:r>
+            <a:r>
+              <a:rPr lang="en-US" sz="1100" dirty="0">
+                <a:solidFill>
+                  <a:srgbClr val="0000FF"/>
+                </a:solidFill>
+                <a:latin typeface="Consolas" panose="020B0609020204030204" pitchFamily="49" charset="0"/>
+              </a:rPr>
+              <a:t>X</a:t>
+            </a:r>
+            <a:r>
+              <a:rPr lang="en-US" sz="1100" dirty="0">
+                <a:solidFill>
+                  <a:srgbClr val="000000"/>
+                </a:solidFill>
+                <a:latin typeface="Consolas" panose="020B0609020204030204" pitchFamily="49" charset="0"/>
+              </a:rPr>
+              <a:t>&gt;</a:t>
+            </a:r>
+          </a:p>
+          <a:p>
+            <a:r>
+              <a:rPr lang="en-US" sz="1100" dirty="0">
+                <a:solidFill>
+                  <a:srgbClr val="0000FF"/>
+                </a:solidFill>
+                <a:latin typeface="Consolas" panose="020B0609020204030204" pitchFamily="49" charset="0"/>
+              </a:rPr>
+              <a:t>void</a:t>
+            </a:r>
+            <a:r>
+              <a:rPr lang="en-US" sz="1100" dirty="0">
+                <a:solidFill>
+                  <a:srgbClr val="000000"/>
+                </a:solidFill>
+                <a:latin typeface="Consolas" panose="020B0609020204030204" pitchFamily="49" charset="0"/>
+              </a:rPr>
+              <a:t> </a:t>
+            </a:r>
+            <a:r>
+              <a:rPr lang="en-US" sz="1100" dirty="0">
+                <a:solidFill>
+                  <a:srgbClr val="0000FF"/>
+                </a:solidFill>
+                <a:latin typeface="Consolas" panose="020B0609020204030204" pitchFamily="49" charset="0"/>
+              </a:rPr>
+              <a:t>SDK_NS</a:t>
+            </a:r>
+            <a:r>
+              <a:rPr lang="en-US" sz="1100" dirty="0">
+                <a:solidFill>
+                  <a:srgbClr val="000000"/>
+                </a:solidFill>
+                <a:latin typeface="Consolas" panose="020B0609020204030204" pitchFamily="49" charset="0"/>
+              </a:rPr>
+              <a:t>::</a:t>
+            </a:r>
+            <a:r>
+              <a:rPr lang="en-US" sz="1100" dirty="0">
+                <a:solidFill>
+                  <a:srgbClr val="0000FF"/>
+                </a:solidFill>
+                <a:latin typeface="Consolas" panose="020B0609020204030204" pitchFamily="49" charset="0"/>
+              </a:rPr>
+              <a:t>Factory</a:t>
+            </a:r>
+            <a:r>
+              <a:rPr lang="en-US" sz="1100" dirty="0">
+                <a:solidFill>
+                  <a:srgbClr val="000000"/>
+                </a:solidFill>
+                <a:latin typeface="Consolas" panose="020B0609020204030204" pitchFamily="49" charset="0"/>
+              </a:rPr>
+              <a:t>&lt;</a:t>
+            </a:r>
+            <a:r>
+              <a:rPr lang="en-US" sz="1100" dirty="0">
+                <a:solidFill>
+                  <a:srgbClr val="0000FF"/>
+                </a:solidFill>
+                <a:latin typeface="Consolas" panose="020B0609020204030204" pitchFamily="49" charset="0"/>
+              </a:rPr>
+              <a:t>T</a:t>
+            </a:r>
+            <a:r>
+              <a:rPr lang="en-US" sz="1100" dirty="0">
+                <a:solidFill>
+                  <a:srgbClr val="000000"/>
+                </a:solidFill>
+                <a:latin typeface="Consolas" panose="020B0609020204030204" pitchFamily="49" charset="0"/>
+              </a:rPr>
+              <a:t>&gt;::</a:t>
+            </a:r>
+            <a:r>
+              <a:rPr lang="en-US" sz="1100" dirty="0">
+                <a:solidFill>
+                  <a:srgbClr val="880000"/>
+                </a:solidFill>
+                <a:latin typeface="Consolas" panose="020B0609020204030204" pitchFamily="49" charset="0"/>
+              </a:rPr>
+              <a:t>add</a:t>
+            </a:r>
+            <a:r>
+              <a:rPr lang="en-US" sz="1100" dirty="0">
+                <a:solidFill>
+                  <a:srgbClr val="000000"/>
+                </a:solidFill>
+                <a:latin typeface="Consolas" panose="020B0609020204030204" pitchFamily="49" charset="0"/>
+              </a:rPr>
+              <a:t>( </a:t>
+            </a:r>
+            <a:r>
+              <a:rPr lang="en-US" sz="1100" dirty="0" err="1">
+                <a:solidFill>
+                  <a:srgbClr val="0000FF"/>
+                </a:solidFill>
+                <a:latin typeface="Consolas" panose="020B0609020204030204" pitchFamily="49" charset="0"/>
+              </a:rPr>
+              <a:t>const</a:t>
+            </a:r>
+            <a:r>
+              <a:rPr lang="en-US" sz="1100" dirty="0">
+                <a:solidFill>
+                  <a:srgbClr val="000000"/>
+                </a:solidFill>
+                <a:latin typeface="Consolas" panose="020B0609020204030204" pitchFamily="49" charset="0"/>
+              </a:rPr>
+              <a:t> </a:t>
+            </a:r>
+            <a:r>
+              <a:rPr lang="en-US" sz="1100" dirty="0" err="1">
+                <a:solidFill>
+                  <a:srgbClr val="0000FF"/>
+                </a:solidFill>
+                <a:latin typeface="Consolas" panose="020B0609020204030204" pitchFamily="49" charset="0"/>
+              </a:rPr>
+              <a:t>std</a:t>
+            </a:r>
+            <a:r>
+              <a:rPr lang="en-US" sz="1100" dirty="0">
+                <a:solidFill>
+                  <a:srgbClr val="000000"/>
+                </a:solidFill>
+                <a:latin typeface="Consolas" panose="020B0609020204030204" pitchFamily="49" charset="0"/>
+              </a:rPr>
+              <a:t>::</a:t>
+            </a:r>
+            <a:r>
+              <a:rPr lang="en-US" sz="1100" dirty="0">
+                <a:solidFill>
+                  <a:srgbClr val="0000FF"/>
+                </a:solidFill>
+                <a:latin typeface="Consolas" panose="020B0609020204030204" pitchFamily="49" charset="0"/>
+              </a:rPr>
+              <a:t>string</a:t>
+            </a:r>
+            <a:r>
+              <a:rPr lang="en-US" sz="1100" dirty="0">
+                <a:solidFill>
+                  <a:srgbClr val="000000"/>
+                </a:solidFill>
+                <a:latin typeface="Consolas" panose="020B0609020204030204" pitchFamily="49" charset="0"/>
+              </a:rPr>
+              <a:t>&amp; </a:t>
+            </a:r>
+            <a:r>
+              <a:rPr lang="en-US" sz="1100" dirty="0" err="1">
+                <a:solidFill>
+                  <a:srgbClr val="000080"/>
+                </a:solidFill>
+                <a:latin typeface="Consolas" panose="020B0609020204030204" pitchFamily="49" charset="0"/>
+              </a:rPr>
+              <a:t>i_name</a:t>
+            </a:r>
+            <a:r>
+              <a:rPr lang="en-US" sz="1100" dirty="0">
+                <a:solidFill>
+                  <a:srgbClr val="000000"/>
+                </a:solidFill>
+                <a:latin typeface="Consolas" panose="020B0609020204030204" pitchFamily="49" charset="0"/>
+              </a:rPr>
+              <a:t> )</a:t>
+            </a:r>
+          </a:p>
+          <a:p>
+            <a:r>
+              <a:rPr lang="en-US" sz="1100" dirty="0">
+                <a:solidFill>
+                  <a:srgbClr val="000000"/>
+                </a:solidFill>
+                <a:latin typeface="Consolas" panose="020B0609020204030204" pitchFamily="49" charset="0"/>
+              </a:rPr>
+              <a:t>{</a:t>
+            </a:r>
+          </a:p>
+          <a:p>
+            <a:r>
+              <a:rPr lang="en-US" sz="1100" dirty="0">
                 <a:solidFill>
                   <a:srgbClr val="000000"/>
                 </a:solidFill>
@@ -9568,73 +9103,33 @@
               <a:t>  </a:t>
             </a:r>
             <a:r>
-              <a:rPr lang="en-US" sz="900" dirty="0" err="1">
-                <a:solidFill>
-                  <a:srgbClr val="0000FF"/>
-                </a:solidFill>
-                <a:latin typeface="Consolas" panose="020B0609020204030204" pitchFamily="49" charset="0"/>
-              </a:rPr>
-              <a:t>std</a:t>
-            </a:r>
-            <a:r>
-              <a:rPr lang="en-US" sz="900" dirty="0">
-                <a:solidFill>
-                  <a:srgbClr val="000000"/>
-                </a:solidFill>
-                <a:latin typeface="Consolas" panose="020B0609020204030204" pitchFamily="49" charset="0"/>
-              </a:rPr>
-              <a:t>::</a:t>
-            </a:r>
-            <a:r>
-              <a:rPr lang="en-US" sz="900" dirty="0">
-                <a:solidFill>
-                  <a:srgbClr val="0000FF"/>
-                </a:solidFill>
-                <a:latin typeface="Consolas" panose="020B0609020204030204" pitchFamily="49" charset="0"/>
-              </a:rPr>
-              <a:t>string</a:t>
-            </a:r>
-            <a:r>
-              <a:rPr lang="en-US" sz="900" dirty="0">
-                <a:solidFill>
-                  <a:srgbClr val="000000"/>
-                </a:solidFill>
-                <a:latin typeface="Consolas" panose="020B0609020204030204" pitchFamily="49" charset="0"/>
-              </a:rPr>
-              <a:t> </a:t>
-            </a:r>
-            <a:r>
-              <a:rPr lang="en-US" sz="900" dirty="0" err="1">
-                <a:solidFill>
-                  <a:srgbClr val="000080"/>
-                </a:solidFill>
-                <a:latin typeface="Consolas" panose="020B0609020204030204" pitchFamily="49" charset="0"/>
-              </a:rPr>
-              <a:t>d_name</a:t>
-            </a:r>
-            <a:r>
-              <a:rPr lang="en-US" sz="900" dirty="0">
-                <a:solidFill>
-                  <a:srgbClr val="000000"/>
-                </a:solidFill>
-                <a:latin typeface="Consolas" panose="020B0609020204030204" pitchFamily="49" charset="0"/>
-              </a:rPr>
-              <a:t>;</a:t>
-            </a:r>
-          </a:p>
-          <a:p>
-            <a:r>
-              <a:rPr lang="en-US" sz="900" dirty="0" smtClean="0">
-                <a:solidFill>
-                  <a:srgbClr val="000000"/>
-                </a:solidFill>
-                <a:latin typeface="Consolas" panose="020B0609020204030204" pitchFamily="49" charset="0"/>
-              </a:rPr>
-              <a:t>};</a:t>
-            </a:r>
-          </a:p>
-          <a:p>
-            <a:endParaRPr lang="en-US" sz="900" dirty="0" smtClean="0">
+              <a:rPr lang="en-US" sz="1100" dirty="0">
+                <a:solidFill>
+                  <a:srgbClr val="008000"/>
+                </a:solidFill>
+                <a:latin typeface="Consolas" panose="020B0609020204030204" pitchFamily="49" charset="0"/>
+              </a:rPr>
+              <a:t>//  </a:t>
+            </a:r>
+            <a:r>
+              <a:rPr lang="en-US" sz="1100" dirty="0" smtClean="0">
+                <a:solidFill>
+                  <a:srgbClr val="008000"/>
+                </a:solidFill>
+                <a:latin typeface="Consolas" panose="020B0609020204030204" pitchFamily="49" charset="0"/>
+              </a:rPr>
+              <a:t>constructor </a:t>
+            </a:r>
+            <a:r>
+              <a:rPr lang="en-US" sz="1100" dirty="0">
+                <a:solidFill>
+                  <a:srgbClr val="008000"/>
+                </a:solidFill>
+                <a:latin typeface="Consolas" panose="020B0609020204030204" pitchFamily="49" charset="0"/>
+              </a:rPr>
+              <a:t>for type X</a:t>
+            </a:r>
+            <a:endParaRPr lang="en-US" sz="1100" dirty="0">
               <a:solidFill>
                 <a:srgbClr val="000000"/>
               </a:solidFill>
@@ -9643,15 +9138,78 @@
           </a:p>
           <a:p>
             <a:r>
-              <a:rPr lang="en-US" sz="900" dirty="0">
-                <a:solidFill>
-                  <a:srgbClr val="008000"/>
-                </a:solidFill>
-                <a:latin typeface="Consolas" panose="020B0609020204030204" pitchFamily="49" charset="0"/>
-              </a:rPr>
-              <a:t>//////////////////////////////////////////////////////////////////////////</a:t>
-            </a:r>
-            <a:endParaRPr lang="en-US" sz="900" dirty="0">
+              <a:rPr lang="en-US" sz="1100" dirty="0">
+                <a:solidFill>
+                  <a:srgbClr val="000000"/>
+                </a:solidFill>
+                <a:latin typeface="Consolas" panose="020B0609020204030204" pitchFamily="49" charset="0"/>
+              </a:rPr>
+              <a:t>  </a:t>
+            </a:r>
+            <a:r>
+              <a:rPr lang="en-US" sz="1100" dirty="0" err="1">
+                <a:solidFill>
+                  <a:srgbClr val="0000FF"/>
+                </a:solidFill>
+                <a:latin typeface="Consolas" panose="020B0609020204030204" pitchFamily="49" charset="0"/>
+              </a:rPr>
+              <a:t>struct</a:t>
+            </a:r>
+            <a:r>
+              <a:rPr lang="en-US" sz="1100" dirty="0">
+                <a:solidFill>
+                  <a:srgbClr val="000000"/>
+                </a:solidFill>
+                <a:latin typeface="Consolas" panose="020B0609020204030204" pitchFamily="49" charset="0"/>
+              </a:rPr>
+              <a:t> </a:t>
+            </a:r>
+            <a:r>
+              <a:rPr lang="en-US" sz="1100" dirty="0" err="1">
+                <a:solidFill>
+                  <a:srgbClr val="0000FF"/>
+                </a:solidFill>
+                <a:latin typeface="Consolas" panose="020B0609020204030204" pitchFamily="49" charset="0"/>
+              </a:rPr>
+              <a:t>Impl</a:t>
+            </a:r>
+            <a:r>
+              <a:rPr lang="en-US" sz="1100" dirty="0">
+                <a:solidFill>
+                  <a:srgbClr val="000000"/>
+                </a:solidFill>
+                <a:latin typeface="Consolas" panose="020B0609020204030204" pitchFamily="49" charset="0"/>
+              </a:rPr>
+              <a:t> : </a:t>
+            </a:r>
+            <a:r>
+              <a:rPr lang="en-US" sz="1100" dirty="0">
+                <a:solidFill>
+                  <a:srgbClr val="0000FF"/>
+                </a:solidFill>
+                <a:latin typeface="Consolas" panose="020B0609020204030204" pitchFamily="49" charset="0"/>
+              </a:rPr>
+              <a:t>public</a:t>
+            </a:r>
+            <a:r>
+              <a:rPr lang="en-US" sz="1100" dirty="0">
+                <a:solidFill>
+                  <a:srgbClr val="000000"/>
+                </a:solidFill>
+                <a:latin typeface="Consolas" panose="020B0609020204030204" pitchFamily="49" charset="0"/>
+              </a:rPr>
+              <a:t> </a:t>
+            </a:r>
+            <a:r>
+              <a:rPr lang="en-US" sz="1100" dirty="0">
+                <a:solidFill>
+                  <a:srgbClr val="0000FF"/>
+                </a:solidFill>
+                <a:latin typeface="Consolas" panose="020B0609020204030204" pitchFamily="49" charset="0"/>
+              </a:rPr>
+              <a:t>Creator</a:t>
+            </a:r>
+            <a:endParaRPr lang="en-US" sz="1100" dirty="0">
               <a:solidFill>
                 <a:srgbClr val="000000"/>
               </a:solidFill>
@@ -9659,7 +9217,144 @@
             </a:endParaRPr>
           </a:p>
           <a:p>
-            <a:endParaRPr lang="en-US" sz="900" dirty="0" smtClean="0">
+            <a:r>
+              <a:rPr lang="en-US" sz="1100" dirty="0">
+                <a:solidFill>
+                  <a:srgbClr val="000000"/>
+                </a:solidFill>
+                <a:latin typeface="Consolas" panose="020B0609020204030204" pitchFamily="49" charset="0"/>
+              </a:rPr>
+              <a:t>  {</a:t>
+            </a:r>
+          </a:p>
+          <a:p>
+            <a:r>
+              <a:rPr lang="en-US" sz="1100" dirty="0">
+                <a:solidFill>
+                  <a:srgbClr val="000000"/>
+                </a:solidFill>
+                <a:latin typeface="Consolas" panose="020B0609020204030204" pitchFamily="49" charset="0"/>
+              </a:rPr>
+              <a:t>    </a:t>
+            </a:r>
+            <a:r>
+              <a:rPr lang="en-US" sz="1100" dirty="0">
+                <a:solidFill>
+                  <a:srgbClr val="0000FF"/>
+                </a:solidFill>
+                <a:latin typeface="Consolas" panose="020B0609020204030204" pitchFamily="49" charset="0"/>
+              </a:rPr>
+              <a:t>virtual</a:t>
+            </a:r>
+            <a:r>
+              <a:rPr lang="en-US" sz="1100" dirty="0">
+                <a:solidFill>
+                  <a:srgbClr val="000000"/>
+                </a:solidFill>
+                <a:latin typeface="Consolas" panose="020B0609020204030204" pitchFamily="49" charset="0"/>
+              </a:rPr>
+              <a:t> </a:t>
+            </a:r>
+            <a:r>
+              <a:rPr lang="en-US" sz="1100" dirty="0" err="1">
+                <a:solidFill>
+                  <a:srgbClr val="0000FF"/>
+                </a:solidFill>
+                <a:latin typeface="Consolas" panose="020B0609020204030204" pitchFamily="49" charset="0"/>
+              </a:rPr>
+              <a:t>std</a:t>
+            </a:r>
+            <a:r>
+              <a:rPr lang="en-US" sz="1100" dirty="0">
+                <a:solidFill>
+                  <a:srgbClr val="000000"/>
+                </a:solidFill>
+                <a:latin typeface="Consolas" panose="020B0609020204030204" pitchFamily="49" charset="0"/>
+              </a:rPr>
+              <a:t>::</a:t>
+            </a:r>
+            <a:r>
+              <a:rPr lang="en-US" sz="1100" dirty="0" err="1">
+                <a:solidFill>
+                  <a:srgbClr val="0000FF"/>
+                </a:solidFill>
+                <a:latin typeface="Consolas" panose="020B0609020204030204" pitchFamily="49" charset="0"/>
+              </a:rPr>
+              <a:t>unique_ptr</a:t>
+            </a:r>
+            <a:r>
+              <a:rPr lang="en-US" sz="1100" dirty="0">
+                <a:solidFill>
+                  <a:srgbClr val="000000"/>
+                </a:solidFill>
+                <a:latin typeface="Consolas" panose="020B0609020204030204" pitchFamily="49" charset="0"/>
+              </a:rPr>
+              <a:t>&lt;</a:t>
+            </a:r>
+            <a:r>
+              <a:rPr lang="en-US" sz="1100" dirty="0">
+                <a:solidFill>
+                  <a:srgbClr val="0000FF"/>
+                </a:solidFill>
+                <a:latin typeface="Consolas" panose="020B0609020204030204" pitchFamily="49" charset="0"/>
+              </a:rPr>
+              <a:t>T</a:t>
+            </a:r>
+            <a:r>
+              <a:rPr lang="en-US" sz="1100" dirty="0">
+                <a:solidFill>
+                  <a:srgbClr val="000000"/>
+                </a:solidFill>
+                <a:latin typeface="Consolas" panose="020B0609020204030204" pitchFamily="49" charset="0"/>
+              </a:rPr>
+              <a:t>&gt; </a:t>
+            </a:r>
+            <a:r>
+              <a:rPr lang="en-US" sz="1100" dirty="0">
+                <a:solidFill>
+                  <a:srgbClr val="880000"/>
+                </a:solidFill>
+                <a:latin typeface="Consolas" panose="020B0609020204030204" pitchFamily="49" charset="0"/>
+              </a:rPr>
+              <a:t>create</a:t>
+            </a:r>
+            <a:r>
+              <a:rPr lang="en-US" sz="1100" dirty="0">
+                <a:solidFill>
+                  <a:srgbClr val="000000"/>
+                </a:solidFill>
+                <a:latin typeface="Consolas" panose="020B0609020204030204" pitchFamily="49" charset="0"/>
+              </a:rPr>
+              <a:t>() </a:t>
+            </a:r>
+            <a:r>
+              <a:rPr lang="en-US" sz="1100" dirty="0" err="1">
+                <a:solidFill>
+                  <a:srgbClr val="0000FF"/>
+                </a:solidFill>
+                <a:latin typeface="Consolas" panose="020B0609020204030204" pitchFamily="49" charset="0"/>
+              </a:rPr>
+              <a:t>const</a:t>
+            </a:r>
+            <a:r>
+              <a:rPr lang="en-US" sz="1100" dirty="0">
+                <a:solidFill>
+                  <a:srgbClr val="000000"/>
+                </a:solidFill>
+                <a:latin typeface="Consolas" panose="020B0609020204030204" pitchFamily="49" charset="0"/>
+              </a:rPr>
+              <a:t> </a:t>
+            </a:r>
+            <a:r>
+              <a:rPr lang="en-US" sz="1100" dirty="0">
+                <a:solidFill>
+                  <a:srgbClr val="0000FF"/>
+                </a:solidFill>
+                <a:latin typeface="Consolas" panose="020B0609020204030204" pitchFamily="49" charset="0"/>
+              </a:rPr>
+              <a:t>override</a:t>
+            </a:r>
+            <a:endParaRPr lang="en-US" sz="1100" dirty="0">
               <a:solidFill>
                 <a:srgbClr val="000000"/>
               </a:solidFill>
@@ -9668,15 +9363,35 @@
           </a:p>
           <a:p>
             <a:r>
-              <a:rPr lang="en-US" sz="900" dirty="0">
-                <a:solidFill>
-                  <a:srgbClr val="0000FF"/>
-                </a:solidFill>
-                <a:latin typeface="Consolas" panose="020B0609020204030204" pitchFamily="49" charset="0"/>
-              </a:rPr>
-              <a:t>namespace</a:t>
-            </a:r>
-            <a:endParaRPr lang="en-US" sz="900" dirty="0">
+              <a:rPr lang="en-US" sz="1100" dirty="0">
+                <a:solidFill>
+                  <a:srgbClr val="000000"/>
+                </a:solidFill>
+                <a:latin typeface="Consolas" panose="020B0609020204030204" pitchFamily="49" charset="0"/>
+              </a:rPr>
+              <a:t>    {</a:t>
+            </a:r>
+          </a:p>
+          <a:p>
+            <a:r>
+              <a:rPr lang="en-US" sz="1100" dirty="0">
+                <a:solidFill>
+                  <a:srgbClr val="000000"/>
+                </a:solidFill>
+                <a:latin typeface="Consolas" panose="020B0609020204030204" pitchFamily="49" charset="0"/>
+              </a:rPr>
+              <a:t>      </a:t>
+            </a:r>
+            <a:r>
+              <a:rPr lang="en-US" sz="1100" dirty="0">
+                <a:solidFill>
+                  <a:srgbClr val="008000"/>
+                </a:solidFill>
+                <a:latin typeface="Consolas" panose="020B0609020204030204" pitchFamily="49" charset="0"/>
+              </a:rPr>
+              <a:t>//  construct derived type X</a:t>
+            </a:r>
+            <a:endParaRPr lang="en-US" sz="1100" dirty="0">
               <a:solidFill>
                 <a:srgbClr val="000000"/>
               </a:solidFill>
@@ -9685,62 +9400,24 @@
           </a:p>
           <a:p>
             <a:r>
-              <a:rPr lang="en-US" sz="900" dirty="0">
-                <a:solidFill>
-                  <a:srgbClr val="000000"/>
-                </a:solidFill>
-                <a:latin typeface="Consolas" panose="020B0609020204030204" pitchFamily="49" charset="0"/>
-              </a:rPr>
-              <a:t>{</a:t>
-            </a:r>
-          </a:p>
-          <a:p>
-            <a:r>
-              <a:rPr lang="en-US" sz="900" dirty="0">
-                <a:solidFill>
-                  <a:srgbClr val="000000"/>
-                </a:solidFill>
-                <a:latin typeface="Consolas" panose="020B0609020204030204" pitchFamily="49" charset="0"/>
-              </a:rPr>
-              <a:t>  </a:t>
-            </a:r>
-            <a:r>
-              <a:rPr lang="en-US" sz="900" dirty="0">
+              <a:rPr lang="en-US" sz="1100" dirty="0">
+                <a:solidFill>
+                  <a:srgbClr val="000000"/>
+                </a:solidFill>
+                <a:latin typeface="Consolas" panose="020B0609020204030204" pitchFamily="49" charset="0"/>
+              </a:rPr>
+              <a:t>      </a:t>
+            </a:r>
+            <a:r>
+              <a:rPr lang="en-US" sz="1100" dirty="0">
                 <a:solidFill>
                   <a:srgbClr val="008000"/>
                 </a:solidFill>
                 <a:latin typeface="Consolas" panose="020B0609020204030204" pitchFamily="49" charset="0"/>
               </a:rPr>
-              <a:t>//  </a:t>
-            </a:r>
-            <a:r>
-              <a:rPr lang="en-US" sz="900" dirty="0" smtClean="0">
-                <a:solidFill>
-                  <a:srgbClr val="008000"/>
-                </a:solidFill>
-                <a:latin typeface="Consolas" panose="020B0609020204030204" pitchFamily="49" charset="0"/>
-              </a:rPr>
-              <a:t>global variable registers </a:t>
-            </a:r>
-            <a:r>
-              <a:rPr lang="en-US" sz="900" dirty="0">
-                <a:solidFill>
-                  <a:srgbClr val="008000"/>
-                </a:solidFill>
-                <a:latin typeface="Consolas" panose="020B0609020204030204" pitchFamily="49" charset="0"/>
-              </a:rPr>
-              <a:t>implementation in the </a:t>
-            </a:r>
-            <a:r>
-              <a:rPr lang="en-US" sz="900" dirty="0" smtClean="0">
-                <a:solidFill>
-                  <a:srgbClr val="008000"/>
-                </a:solidFill>
-                <a:latin typeface="Consolas" panose="020B0609020204030204" pitchFamily="49" charset="0"/>
-              </a:rPr>
-              <a:t>factory</a:t>
-            </a:r>
-            <a:endParaRPr lang="en-US" sz="900" dirty="0">
+              <a:t>//  return as base type T</a:t>
+            </a:r>
+            <a:endParaRPr lang="en-US" sz="1100" dirty="0">
               <a:solidFill>
                 <a:srgbClr val="000000"/>
               </a:solidFill>
@@ -9749,25 +9426,43 @@
           </a:p>
           <a:p>
             <a:r>
-              <a:rPr lang="en-US" sz="900" dirty="0">
-                <a:solidFill>
-                  <a:srgbClr val="000000"/>
-                </a:solidFill>
-                <a:latin typeface="Consolas" panose="020B0609020204030204" pitchFamily="49" charset="0"/>
-              </a:rPr>
-              <a:t>  </a:t>
-            </a:r>
-            <a:r>
-              <a:rPr lang="en-US" sz="900" dirty="0">
-                <a:solidFill>
-                  <a:srgbClr val="0000FF"/>
-                </a:solidFill>
-                <a:latin typeface="Consolas" panose="020B0609020204030204" pitchFamily="49" charset="0"/>
-              </a:rPr>
-              <a:t>SDK_NS</a:t>
-            </a:r>
-            <a:r>
-              <a:rPr lang="en-US" sz="900" dirty="0">
+              <a:rPr lang="en-US" sz="1100" dirty="0">
+                <a:solidFill>
+                  <a:srgbClr val="000000"/>
+                </a:solidFill>
+                <a:latin typeface="Consolas" panose="020B0609020204030204" pitchFamily="49" charset="0"/>
+              </a:rPr>
+              <a:t>      </a:t>
+            </a:r>
+            <a:r>
+              <a:rPr lang="en-US" sz="1100" dirty="0">
+                <a:solidFill>
+                  <a:srgbClr val="0000FF"/>
+                </a:solidFill>
+                <a:latin typeface="Consolas" panose="020B0609020204030204" pitchFamily="49" charset="0"/>
+              </a:rPr>
+              <a:t>return</a:t>
+            </a:r>
+            <a:r>
+              <a:rPr lang="en-US" sz="1100" dirty="0">
+                <a:solidFill>
+                  <a:srgbClr val="000000"/>
+                </a:solidFill>
+                <a:latin typeface="Consolas" panose="020B0609020204030204" pitchFamily="49" charset="0"/>
+              </a:rPr>
+              <a:t> </a:t>
+            </a:r>
+            <a:r>
+              <a:rPr lang="en-US" sz="1100" dirty="0" err="1">
+                <a:solidFill>
+                  <a:srgbClr val="0000FF"/>
+                </a:solidFill>
+                <a:latin typeface="Consolas" panose="020B0609020204030204" pitchFamily="49" charset="0"/>
+              </a:rPr>
+              <a:t>std</a:t>
+            </a:r>
+            <a:r>
+              <a:rPr lang="en-US" sz="1100" dirty="0">
                 <a:solidFill>
                   <a:srgbClr val="000000"/>
                 </a:solidFill>
@@ -9776,16 +9471,16 @@
               <a:t>::</a:t>
             </a:r>
             <a:r>
-              <a:rPr lang="en-US" sz="900" dirty="0" err="1">
-                <a:solidFill>
-                  <a:srgbClr val="0000FF"/>
-                </a:solidFill>
-                <a:latin typeface="Consolas" panose="020B0609020204030204" pitchFamily="49" charset="0"/>
-              </a:rPr>
-              <a:t>Registrator</a:t>
-            </a:r>
-            <a:r>
-              <a:rPr lang="en-US" sz="900" dirty="0">
+              <a:rPr lang="en-US" sz="1100" dirty="0" err="1">
+                <a:solidFill>
+                  <a:srgbClr val="880000"/>
+                </a:solidFill>
+                <a:latin typeface="Consolas" panose="020B0609020204030204" pitchFamily="49" charset="0"/>
+              </a:rPr>
+              <a:t>make_unique</a:t>
+            </a:r>
+            <a:r>
+              <a:rPr lang="en-US" sz="1100" dirty="0">
                 <a:solidFill>
                   <a:srgbClr val="000000"/>
                 </a:solidFill>
@@ -9794,104 +9489,216 @@
               <a:t>&lt;</a:t>
             </a:r>
             <a:r>
-              <a:rPr lang="en-US" sz="900" dirty="0" err="1">
-                <a:solidFill>
-                  <a:srgbClr val="0000FF"/>
-                </a:solidFill>
-                <a:latin typeface="Consolas" panose="020B0609020204030204" pitchFamily="49" charset="0"/>
-              </a:rPr>
-              <a:t>Impl_NS</a:t>
-            </a:r>
-            <a:r>
-              <a:rPr lang="en-US" sz="900" dirty="0">
-                <a:solidFill>
-                  <a:srgbClr val="000000"/>
-                </a:solidFill>
-                <a:latin typeface="Consolas" panose="020B0609020204030204" pitchFamily="49" charset="0"/>
-              </a:rPr>
-              <a:t>::</a:t>
-            </a:r>
-            <a:r>
-              <a:rPr lang="en-US" sz="900" dirty="0">
-                <a:solidFill>
-                  <a:srgbClr val="0000FF"/>
-                </a:solidFill>
-                <a:latin typeface="Consolas" panose="020B0609020204030204" pitchFamily="49" charset="0"/>
-              </a:rPr>
-              <a:t>Hello</a:t>
-            </a:r>
-            <a:r>
-              <a:rPr lang="en-US" sz="900" dirty="0">
-                <a:solidFill>
-                  <a:srgbClr val="000000"/>
-                </a:solidFill>
-                <a:latin typeface="Consolas" panose="020B0609020204030204" pitchFamily="49" charset="0"/>
-              </a:rPr>
-              <a:t>&gt; </a:t>
-            </a:r>
-            <a:r>
-              <a:rPr lang="en-US" sz="900" dirty="0" err="1">
-                <a:solidFill>
-                  <a:srgbClr val="000080"/>
-                </a:solidFill>
-                <a:latin typeface="Consolas" panose="020B0609020204030204" pitchFamily="49" charset="0"/>
-              </a:rPr>
-              <a:t>g_reg</a:t>
-            </a:r>
-            <a:r>
-              <a:rPr lang="en-US" sz="900" dirty="0">
-                <a:solidFill>
-                  <a:srgbClr val="000000"/>
-                </a:solidFill>
-                <a:latin typeface="Consolas" panose="020B0609020204030204" pitchFamily="49" charset="0"/>
-              </a:rPr>
-              <a:t>( </a:t>
-            </a:r>
-            <a:r>
-              <a:rPr lang="en-US" sz="900" dirty="0">
-                <a:solidFill>
-                  <a:srgbClr val="A31515"/>
-                </a:solidFill>
-                <a:latin typeface="Consolas" panose="020B0609020204030204" pitchFamily="49" charset="0"/>
-              </a:rPr>
-              <a:t>"Hello"</a:t>
-            </a:r>
-            <a:r>
-              <a:rPr lang="en-US" sz="900" dirty="0">
-                <a:solidFill>
-                  <a:srgbClr val="000000"/>
-                </a:solidFill>
-                <a:latin typeface="Consolas" panose="020B0609020204030204" pitchFamily="49" charset="0"/>
-              </a:rPr>
-              <a:t> );</a:t>
-            </a:r>
-          </a:p>
-          <a:p>
-            <a:r>
-              <a:rPr lang="en-US" sz="900" dirty="0">
-                <a:solidFill>
-                  <a:srgbClr val="000000"/>
-                </a:solidFill>
-                <a:latin typeface="Consolas" panose="020B0609020204030204" pitchFamily="49" charset="0"/>
-              </a:rPr>
-              <a:t>}</a:t>
-            </a:r>
-            <a:endParaRPr lang="en-US" sz="900" dirty="0"/>
-          </a:p>
-          <a:p>
-            <a:endParaRPr lang="en-US" sz="900" dirty="0">
+              <a:rPr lang="en-US" sz="1100" dirty="0">
+                <a:solidFill>
+                  <a:srgbClr val="0000FF"/>
+                </a:solidFill>
+                <a:latin typeface="Consolas" panose="020B0609020204030204" pitchFamily="49" charset="0"/>
+              </a:rPr>
+              <a:t>X</a:t>
+            </a:r>
+            <a:r>
+              <a:rPr lang="en-US" sz="1100" dirty="0">
+                <a:solidFill>
+                  <a:srgbClr val="000000"/>
+                </a:solidFill>
+                <a:latin typeface="Consolas" panose="020B0609020204030204" pitchFamily="49" charset="0"/>
+              </a:rPr>
+              <a:t>&gt;();</a:t>
+            </a:r>
+          </a:p>
+          <a:p>
+            <a:r>
+              <a:rPr lang="en-US" sz="1100" dirty="0">
+                <a:solidFill>
+                  <a:srgbClr val="000000"/>
+                </a:solidFill>
+                <a:latin typeface="Consolas" panose="020B0609020204030204" pitchFamily="49" charset="0"/>
+              </a:rPr>
+              <a:t>    }</a:t>
+            </a:r>
+          </a:p>
+          <a:p>
+            <a:r>
+              <a:rPr lang="en-US" sz="1100" dirty="0">
+                <a:solidFill>
+                  <a:srgbClr val="000000"/>
+                </a:solidFill>
+                <a:latin typeface="Consolas" panose="020B0609020204030204" pitchFamily="49" charset="0"/>
+              </a:rPr>
+              <a:t>  };</a:t>
+            </a:r>
+          </a:p>
+          <a:p>
+            <a:endParaRPr lang="en-US" sz="1100" dirty="0">
               <a:solidFill>
                 <a:srgbClr val="000000"/>
               </a:solidFill>
               <a:latin typeface="Consolas" panose="020B0609020204030204" pitchFamily="49" charset="0"/>
             </a:endParaRPr>
           </a:p>
+          <a:p>
+            <a:r>
+              <a:rPr lang="en-US" sz="1100" dirty="0">
+                <a:solidFill>
+                  <a:srgbClr val="000000"/>
+                </a:solidFill>
+                <a:latin typeface="Consolas" panose="020B0609020204030204" pitchFamily="49" charset="0"/>
+              </a:rPr>
+              <a:t>  </a:t>
+            </a:r>
+            <a:r>
+              <a:rPr lang="en-US" sz="1100" dirty="0">
+                <a:solidFill>
+                  <a:srgbClr val="008000"/>
+                </a:solidFill>
+                <a:latin typeface="Consolas" panose="020B0609020204030204" pitchFamily="49" charset="0"/>
+              </a:rPr>
+              <a:t>//  bind string name and type X constructor together</a:t>
+            </a:r>
+            <a:endParaRPr lang="en-US" sz="1100" dirty="0">
+              <a:solidFill>
+                <a:srgbClr val="000000"/>
+              </a:solidFill>
+              <a:latin typeface="Consolas" panose="020B0609020204030204" pitchFamily="49" charset="0"/>
+            </a:endParaRPr>
+          </a:p>
+          <a:p>
+            <a:r>
+              <a:rPr lang="en-US" sz="1100" dirty="0">
+                <a:solidFill>
+                  <a:srgbClr val="000000"/>
+                </a:solidFill>
+                <a:latin typeface="Consolas" panose="020B0609020204030204" pitchFamily="49" charset="0"/>
+              </a:rPr>
+              <a:t>  </a:t>
+            </a:r>
+            <a:r>
+              <a:rPr lang="en-US" sz="1100" dirty="0" err="1">
+                <a:solidFill>
+                  <a:srgbClr val="000080"/>
+                </a:solidFill>
+                <a:latin typeface="Consolas" panose="020B0609020204030204" pitchFamily="49" charset="0"/>
+              </a:rPr>
+              <a:t>d_collection</a:t>
+            </a:r>
+            <a:r>
+              <a:rPr lang="en-US" sz="1100" dirty="0" err="1">
+                <a:solidFill>
+                  <a:srgbClr val="000000"/>
+                </a:solidFill>
+                <a:latin typeface="Consolas" panose="020B0609020204030204" pitchFamily="49" charset="0"/>
+              </a:rPr>
+              <a:t>.</a:t>
+            </a:r>
+            <a:r>
+              <a:rPr lang="en-US" sz="1100" dirty="0" err="1">
+                <a:solidFill>
+                  <a:srgbClr val="880000"/>
+                </a:solidFill>
+                <a:latin typeface="Consolas" panose="020B0609020204030204" pitchFamily="49" charset="0"/>
+              </a:rPr>
+              <a:t>emplace</a:t>
+            </a:r>
+            <a:r>
+              <a:rPr lang="en-US" sz="1100" dirty="0">
+                <a:solidFill>
+                  <a:srgbClr val="000000"/>
+                </a:solidFill>
+                <a:latin typeface="Consolas" panose="020B0609020204030204" pitchFamily="49" charset="0"/>
+              </a:rPr>
+              <a:t>( </a:t>
+            </a:r>
+            <a:r>
+              <a:rPr lang="en-US" sz="1100" dirty="0" err="1">
+                <a:solidFill>
+                  <a:srgbClr val="000080"/>
+                </a:solidFill>
+                <a:latin typeface="Consolas" panose="020B0609020204030204" pitchFamily="49" charset="0"/>
+              </a:rPr>
+              <a:t>i_name</a:t>
+            </a:r>
+            <a:r>
+              <a:rPr lang="en-US" sz="1100" dirty="0">
+                <a:solidFill>
+                  <a:srgbClr val="000000"/>
+                </a:solidFill>
+                <a:latin typeface="Consolas" panose="020B0609020204030204" pitchFamily="49" charset="0"/>
+              </a:rPr>
+              <a:t>, </a:t>
+            </a:r>
+            <a:r>
+              <a:rPr lang="en-US" sz="1100" dirty="0" err="1">
+                <a:solidFill>
+                  <a:srgbClr val="0000FF"/>
+                </a:solidFill>
+                <a:latin typeface="Consolas" panose="020B0609020204030204" pitchFamily="49" charset="0"/>
+              </a:rPr>
+              <a:t>std</a:t>
+            </a:r>
+            <a:r>
+              <a:rPr lang="en-US" sz="1100" dirty="0">
+                <a:solidFill>
+                  <a:srgbClr val="000000"/>
+                </a:solidFill>
+                <a:latin typeface="Consolas" panose="020B0609020204030204" pitchFamily="49" charset="0"/>
+              </a:rPr>
+              <a:t>::</a:t>
+            </a:r>
+            <a:r>
+              <a:rPr lang="en-US" sz="1100" dirty="0" err="1">
+                <a:solidFill>
+                  <a:srgbClr val="880000"/>
+                </a:solidFill>
+                <a:latin typeface="Consolas" panose="020B0609020204030204" pitchFamily="49" charset="0"/>
+              </a:rPr>
+              <a:t>make_unique</a:t>
+            </a:r>
+            <a:r>
+              <a:rPr lang="en-US" sz="1100" dirty="0">
+                <a:solidFill>
+                  <a:srgbClr val="000000"/>
+                </a:solidFill>
+                <a:latin typeface="Consolas" panose="020B0609020204030204" pitchFamily="49" charset="0"/>
+              </a:rPr>
+              <a:t>&lt;</a:t>
+            </a:r>
+            <a:r>
+              <a:rPr lang="en-US" sz="1100" dirty="0" err="1">
+                <a:solidFill>
+                  <a:srgbClr val="0000FF"/>
+                </a:solidFill>
+                <a:latin typeface="Consolas" panose="020B0609020204030204" pitchFamily="49" charset="0"/>
+              </a:rPr>
+              <a:t>Impl</a:t>
+            </a:r>
+            <a:r>
+              <a:rPr lang="en-US" sz="1100" dirty="0">
+                <a:solidFill>
+                  <a:srgbClr val="000000"/>
+                </a:solidFill>
+                <a:latin typeface="Consolas" panose="020B0609020204030204" pitchFamily="49" charset="0"/>
+              </a:rPr>
+              <a:t>&gt;() );</a:t>
+            </a:r>
+          </a:p>
+          <a:p>
+            <a:r>
+              <a:rPr lang="en-US" sz="1100" dirty="0">
+                <a:solidFill>
+                  <a:srgbClr val="000000"/>
+                </a:solidFill>
+                <a:latin typeface="Consolas" panose="020B0609020204030204" pitchFamily="49" charset="0"/>
+              </a:rPr>
+              <a:t>}</a:t>
+            </a:r>
+          </a:p>
         </p:txBody>
       </p:sp>
     </p:spTree>
     <p:extLst>
       <p:ext uri="{BB962C8B-B14F-4D97-AF65-F5344CB8AC3E}">
-        <p14:creationId xmlns:p14="http://schemas.microsoft.com/office/powerpoint/2010/main" val="3679668684"/>
+        <p14:creationId xmlns:p14="http://schemas.microsoft.com/office/powerpoint/2010/main" val="567384408"/>
       </p:ext>
     </p:extLst>
   </p:cSld>
@@ -9927,6 +9734,1121 @@
       </p:grpSpPr>
       <p:sp>
         <p:nvSpPr>
+          <p:cNvPr id="2" name="Title 1"/>
+          <p:cNvSpPr>
+            <a:spLocks noGrp="1"/>
+          </p:cNvSpPr>
+          <p:nvPr>
+            <p:ph type="title"/>
+          </p:nvPr>
+        </p:nvSpPr>
+        <p:spPr/>
+        <p:txBody>
+          <a:bodyPr/>
+          <a:lstStyle/>
+          <a:p>
+            <a:r>
+              <a:rPr lang="en-US" dirty="0" smtClean="0"/>
+              <a:t>Registration</a:t>
+            </a:r>
+            <a:endParaRPr lang="en-US" dirty="0"/>
+          </a:p>
+        </p:txBody>
+      </p:sp>
+      <p:sp>
+        <p:nvSpPr>
+          <p:cNvPr id="3" name="Footer Placeholder 2"/>
+          <p:cNvSpPr>
+            <a:spLocks noGrp="1"/>
+          </p:cNvSpPr>
+          <p:nvPr>
+            <p:ph type="ftr" sz="quarter" idx="10"/>
+          </p:nvPr>
+        </p:nvSpPr>
+        <p:spPr/>
+        <p:txBody>
+          <a:bodyPr/>
+          <a:lstStyle/>
+          <a:p>
+            <a:pPr>
+              <a:defRPr/>
+            </a:pPr>
+            <a:r>
+              <a:rPr lang="en-US" smtClean="0"/>
+              <a:t>Align Technology, Inc. All rights reserved</a:t>
+            </a:r>
+            <a:endParaRPr lang="en-US"/>
+          </a:p>
+        </p:txBody>
+      </p:sp>
+      <p:sp>
+        <p:nvSpPr>
+          <p:cNvPr id="4" name="Slide Number Placeholder 3"/>
+          <p:cNvSpPr>
+            <a:spLocks noGrp="1"/>
+          </p:cNvSpPr>
+          <p:nvPr>
+            <p:ph type="sldNum" sz="quarter" idx="11"/>
+          </p:nvPr>
+        </p:nvSpPr>
+        <p:spPr/>
+        <p:txBody>
+          <a:bodyPr/>
+          <a:lstStyle/>
+          <a:p>
+            <a:pPr>
+              <a:defRPr/>
+            </a:pPr>
+            <a:fld id="{2FA4F2E5-7807-42BD-B554-0C431C272835}" type="slidenum">
+              <a:rPr lang="en-US" smtClean="0"/>
+              <a:pPr>
+                <a:defRPr/>
+              </a:pPr>
+              <a:t>8</a:t>
+            </a:fld>
+            <a:endParaRPr lang="en-US"/>
+          </a:p>
+        </p:txBody>
+      </p:sp>
+      <p:sp>
+        <p:nvSpPr>
+          <p:cNvPr id="6" name="Rectangle 5"/>
+          <p:cNvSpPr/>
+          <p:nvPr/>
+        </p:nvSpPr>
+        <p:spPr>
+          <a:xfrm>
+            <a:off x="914400" y="1295400"/>
+            <a:ext cx="6400800" cy="5001369"/>
+          </a:xfrm>
+          <a:prstGeom prst="rect">
+            <a:avLst/>
+          </a:prstGeom>
+        </p:spPr>
+        <p:txBody>
+          <a:bodyPr wrap="square">
+            <a:spAutoFit/>
+          </a:bodyPr>
+          <a:lstStyle/>
+          <a:p>
+            <a:r>
+              <a:rPr lang="en-US" sz="1100" dirty="0">
+                <a:solidFill>
+                  <a:srgbClr val="008000"/>
+                </a:solidFill>
+                <a:latin typeface="Consolas" panose="020B0609020204030204" pitchFamily="49" charset="0"/>
+              </a:rPr>
+              <a:t>//  apply RAII for object registration in a factory</a:t>
+            </a:r>
+            <a:endParaRPr lang="en-US" sz="1100" dirty="0" smtClean="0">
+              <a:solidFill>
+                <a:srgbClr val="0000FF"/>
+              </a:solidFill>
+              <a:latin typeface="Consolas" panose="020B0609020204030204" pitchFamily="49" charset="0"/>
+            </a:endParaRPr>
+          </a:p>
+          <a:p>
+            <a:r>
+              <a:rPr lang="en-US" sz="1100" dirty="0" smtClean="0">
+                <a:solidFill>
+                  <a:srgbClr val="0000FF"/>
+                </a:solidFill>
+                <a:latin typeface="Consolas" panose="020B0609020204030204" pitchFamily="49" charset="0"/>
+              </a:rPr>
+              <a:t>template</a:t>
+            </a:r>
+            <a:r>
+              <a:rPr lang="en-US" sz="1100" dirty="0" smtClean="0">
+                <a:solidFill>
+                  <a:srgbClr val="000000"/>
+                </a:solidFill>
+                <a:latin typeface="Consolas" panose="020B0609020204030204" pitchFamily="49" charset="0"/>
+              </a:rPr>
+              <a:t> </a:t>
+            </a:r>
+            <a:r>
+              <a:rPr lang="en-US" sz="1100" dirty="0">
+                <a:solidFill>
+                  <a:srgbClr val="000000"/>
+                </a:solidFill>
+                <a:latin typeface="Consolas" panose="020B0609020204030204" pitchFamily="49" charset="0"/>
+              </a:rPr>
+              <a:t>&lt;</a:t>
+            </a:r>
+            <a:r>
+              <a:rPr lang="en-US" sz="1100" dirty="0" err="1">
+                <a:solidFill>
+                  <a:srgbClr val="0000FF"/>
+                </a:solidFill>
+                <a:latin typeface="Consolas" panose="020B0609020204030204" pitchFamily="49" charset="0"/>
+              </a:rPr>
+              <a:t>typename</a:t>
+            </a:r>
+            <a:r>
+              <a:rPr lang="en-US" sz="1100" dirty="0">
+                <a:solidFill>
+                  <a:srgbClr val="000000"/>
+                </a:solidFill>
+                <a:latin typeface="Consolas" panose="020B0609020204030204" pitchFamily="49" charset="0"/>
+              </a:rPr>
+              <a:t> </a:t>
+            </a:r>
+            <a:r>
+              <a:rPr lang="en-US" sz="1100" dirty="0">
+                <a:solidFill>
+                  <a:srgbClr val="0000FF"/>
+                </a:solidFill>
+                <a:latin typeface="Consolas" panose="020B0609020204030204" pitchFamily="49" charset="0"/>
+              </a:rPr>
+              <a:t>T</a:t>
+            </a:r>
+            <a:r>
+              <a:rPr lang="en-US" sz="1100" dirty="0">
+                <a:solidFill>
+                  <a:srgbClr val="000000"/>
+                </a:solidFill>
+                <a:latin typeface="Consolas" panose="020B0609020204030204" pitchFamily="49" charset="0"/>
+              </a:rPr>
+              <a:t>&gt;</a:t>
+            </a:r>
+          </a:p>
+          <a:p>
+            <a:r>
+              <a:rPr lang="en-US" sz="1100" dirty="0" smtClean="0">
+                <a:solidFill>
+                  <a:srgbClr val="0000FF"/>
+                </a:solidFill>
+                <a:latin typeface="Consolas" panose="020B0609020204030204" pitchFamily="49" charset="0"/>
+              </a:rPr>
+              <a:t>class</a:t>
+            </a:r>
+            <a:r>
+              <a:rPr lang="en-US" sz="1100" dirty="0" smtClean="0">
+                <a:solidFill>
+                  <a:srgbClr val="000000"/>
+                </a:solidFill>
+                <a:latin typeface="Consolas" panose="020B0609020204030204" pitchFamily="49" charset="0"/>
+              </a:rPr>
+              <a:t> </a:t>
+            </a:r>
+            <a:r>
+              <a:rPr lang="en-US" sz="1100" dirty="0" err="1">
+                <a:solidFill>
+                  <a:srgbClr val="0000FF"/>
+                </a:solidFill>
+                <a:latin typeface="Consolas" panose="020B0609020204030204" pitchFamily="49" charset="0"/>
+              </a:rPr>
+              <a:t>Registrator</a:t>
+            </a:r>
+            <a:endParaRPr lang="en-US" sz="1100" dirty="0">
+              <a:solidFill>
+                <a:srgbClr val="000000"/>
+              </a:solidFill>
+              <a:latin typeface="Consolas" panose="020B0609020204030204" pitchFamily="49" charset="0"/>
+            </a:endParaRPr>
+          </a:p>
+          <a:p>
+            <a:r>
+              <a:rPr lang="en-US" sz="1100" dirty="0" smtClean="0">
+                <a:solidFill>
+                  <a:srgbClr val="000000"/>
+                </a:solidFill>
+                <a:latin typeface="Consolas" panose="020B0609020204030204" pitchFamily="49" charset="0"/>
+              </a:rPr>
+              <a:t>{</a:t>
+            </a:r>
+            <a:endParaRPr lang="en-US" sz="1100" dirty="0">
+              <a:solidFill>
+                <a:srgbClr val="000000"/>
+              </a:solidFill>
+              <a:latin typeface="Consolas" panose="020B0609020204030204" pitchFamily="49" charset="0"/>
+            </a:endParaRPr>
+          </a:p>
+          <a:p>
+            <a:r>
+              <a:rPr lang="en-US" sz="1100" dirty="0" smtClean="0">
+                <a:solidFill>
+                  <a:srgbClr val="0000FF"/>
+                </a:solidFill>
+                <a:latin typeface="Consolas" panose="020B0609020204030204" pitchFamily="49" charset="0"/>
+              </a:rPr>
+              <a:t>public</a:t>
+            </a:r>
+            <a:r>
+              <a:rPr lang="en-US" sz="1100" dirty="0">
+                <a:solidFill>
+                  <a:srgbClr val="000000"/>
+                </a:solidFill>
+                <a:latin typeface="Consolas" panose="020B0609020204030204" pitchFamily="49" charset="0"/>
+              </a:rPr>
+              <a:t>:</a:t>
+            </a:r>
+          </a:p>
+          <a:p>
+            <a:r>
+              <a:rPr lang="en-US" sz="1100" dirty="0" smtClean="0">
+                <a:solidFill>
+                  <a:srgbClr val="000000"/>
+                </a:solidFill>
+                <a:latin typeface="Consolas" panose="020B0609020204030204" pitchFamily="49" charset="0"/>
+              </a:rPr>
+              <a:t>  </a:t>
+            </a:r>
+            <a:r>
+              <a:rPr lang="en-US" sz="1100" dirty="0" err="1">
+                <a:solidFill>
+                  <a:srgbClr val="0000FF"/>
+                </a:solidFill>
+                <a:latin typeface="Consolas" panose="020B0609020204030204" pitchFamily="49" charset="0"/>
+              </a:rPr>
+              <a:t>Registrator</a:t>
+            </a:r>
+            <a:r>
+              <a:rPr lang="en-US" sz="1100" dirty="0">
+                <a:solidFill>
+                  <a:srgbClr val="000000"/>
+                </a:solidFill>
+                <a:latin typeface="Consolas" panose="020B0609020204030204" pitchFamily="49" charset="0"/>
+              </a:rPr>
+              <a:t>( </a:t>
+            </a:r>
+            <a:r>
+              <a:rPr lang="en-US" sz="1100" dirty="0" err="1">
+                <a:solidFill>
+                  <a:srgbClr val="0000FF"/>
+                </a:solidFill>
+                <a:latin typeface="Consolas" panose="020B0609020204030204" pitchFamily="49" charset="0"/>
+              </a:rPr>
+              <a:t>const</a:t>
+            </a:r>
+            <a:r>
+              <a:rPr lang="en-US" sz="1100" dirty="0">
+                <a:solidFill>
+                  <a:srgbClr val="000000"/>
+                </a:solidFill>
+                <a:latin typeface="Consolas" panose="020B0609020204030204" pitchFamily="49" charset="0"/>
+              </a:rPr>
+              <a:t> </a:t>
+            </a:r>
+            <a:r>
+              <a:rPr lang="en-US" sz="1100" dirty="0" err="1">
+                <a:solidFill>
+                  <a:srgbClr val="0000FF"/>
+                </a:solidFill>
+                <a:latin typeface="Consolas" panose="020B0609020204030204" pitchFamily="49" charset="0"/>
+              </a:rPr>
+              <a:t>std</a:t>
+            </a:r>
+            <a:r>
+              <a:rPr lang="en-US" sz="1100" dirty="0">
+                <a:solidFill>
+                  <a:srgbClr val="000000"/>
+                </a:solidFill>
+                <a:latin typeface="Consolas" panose="020B0609020204030204" pitchFamily="49" charset="0"/>
+              </a:rPr>
+              <a:t>::</a:t>
+            </a:r>
+            <a:r>
+              <a:rPr lang="en-US" sz="1100" dirty="0">
+                <a:solidFill>
+                  <a:srgbClr val="0000FF"/>
+                </a:solidFill>
+                <a:latin typeface="Consolas" panose="020B0609020204030204" pitchFamily="49" charset="0"/>
+              </a:rPr>
+              <a:t>string</a:t>
+            </a:r>
+            <a:r>
+              <a:rPr lang="en-US" sz="1100" dirty="0">
+                <a:solidFill>
+                  <a:srgbClr val="000000"/>
+                </a:solidFill>
+                <a:latin typeface="Consolas" panose="020B0609020204030204" pitchFamily="49" charset="0"/>
+              </a:rPr>
+              <a:t>&amp; </a:t>
+            </a:r>
+            <a:r>
+              <a:rPr lang="en-US" sz="1100" dirty="0" err="1">
+                <a:solidFill>
+                  <a:srgbClr val="000080"/>
+                </a:solidFill>
+                <a:latin typeface="Consolas" panose="020B0609020204030204" pitchFamily="49" charset="0"/>
+              </a:rPr>
+              <a:t>i_name</a:t>
+            </a:r>
+            <a:r>
+              <a:rPr lang="en-US" sz="1100" dirty="0">
+                <a:solidFill>
+                  <a:srgbClr val="000000"/>
+                </a:solidFill>
+                <a:latin typeface="Consolas" panose="020B0609020204030204" pitchFamily="49" charset="0"/>
+              </a:rPr>
+              <a:t> </a:t>
+            </a:r>
+            <a:r>
+              <a:rPr lang="en-US" sz="1100" dirty="0" smtClean="0">
+                <a:solidFill>
+                  <a:srgbClr val="000000"/>
+                </a:solidFill>
+                <a:latin typeface="Consolas" panose="020B0609020204030204" pitchFamily="49" charset="0"/>
+              </a:rPr>
+              <a:t>)</a:t>
+            </a:r>
+          </a:p>
+          <a:p>
+            <a:r>
+              <a:rPr lang="en-US" sz="1100" dirty="0" smtClean="0">
+                <a:solidFill>
+                  <a:srgbClr val="000000"/>
+                </a:solidFill>
+                <a:latin typeface="Consolas" panose="020B0609020204030204" pitchFamily="49" charset="0"/>
+              </a:rPr>
+              <a:t>    : </a:t>
+            </a:r>
+            <a:r>
+              <a:rPr lang="en-US" sz="1100" dirty="0" err="1">
+                <a:solidFill>
+                  <a:srgbClr val="000080"/>
+                </a:solidFill>
+                <a:latin typeface="Consolas" panose="020B0609020204030204" pitchFamily="49" charset="0"/>
+              </a:rPr>
+              <a:t>d_name</a:t>
+            </a:r>
+            <a:r>
+              <a:rPr lang="en-US" sz="1100" dirty="0">
+                <a:solidFill>
+                  <a:srgbClr val="000000"/>
+                </a:solidFill>
+                <a:latin typeface="Consolas" panose="020B0609020204030204" pitchFamily="49" charset="0"/>
+              </a:rPr>
+              <a:t>{ </a:t>
+            </a:r>
+            <a:r>
+              <a:rPr lang="en-US" sz="1100" dirty="0" err="1">
+                <a:solidFill>
+                  <a:srgbClr val="000080"/>
+                </a:solidFill>
+                <a:latin typeface="Consolas" panose="020B0609020204030204" pitchFamily="49" charset="0"/>
+              </a:rPr>
+              <a:t>i_name</a:t>
+            </a:r>
+            <a:r>
+              <a:rPr lang="en-US" sz="1100" dirty="0">
+                <a:solidFill>
+                  <a:srgbClr val="000000"/>
+                </a:solidFill>
+                <a:latin typeface="Consolas" panose="020B0609020204030204" pitchFamily="49" charset="0"/>
+              </a:rPr>
+              <a:t> }</a:t>
+            </a:r>
+          </a:p>
+          <a:p>
+            <a:r>
+              <a:rPr lang="en-US" sz="1100" dirty="0" smtClean="0">
+                <a:solidFill>
+                  <a:srgbClr val="000000"/>
+                </a:solidFill>
+                <a:latin typeface="Consolas" panose="020B0609020204030204" pitchFamily="49" charset="0"/>
+              </a:rPr>
+              <a:t>  </a:t>
+            </a:r>
+            <a:r>
+              <a:rPr lang="en-US" sz="1100" dirty="0">
+                <a:solidFill>
+                  <a:srgbClr val="000000"/>
+                </a:solidFill>
+                <a:latin typeface="Consolas" panose="020B0609020204030204" pitchFamily="49" charset="0"/>
+              </a:rPr>
+              <a:t>{</a:t>
+            </a:r>
+          </a:p>
+          <a:p>
+            <a:r>
+              <a:rPr lang="en-US" sz="1100" dirty="0" smtClean="0">
+                <a:solidFill>
+                  <a:srgbClr val="000000"/>
+                </a:solidFill>
+                <a:latin typeface="Consolas" panose="020B0609020204030204" pitchFamily="49" charset="0"/>
+              </a:rPr>
+              <a:t>    </a:t>
+            </a:r>
+            <a:r>
+              <a:rPr lang="en-US" sz="1100" dirty="0">
+                <a:solidFill>
+                  <a:srgbClr val="0000FF"/>
+                </a:solidFill>
+                <a:latin typeface="Consolas" panose="020B0609020204030204" pitchFamily="49" charset="0"/>
+              </a:rPr>
+              <a:t>T</a:t>
+            </a:r>
+            <a:r>
+              <a:rPr lang="en-US" sz="1100" dirty="0">
+                <a:solidFill>
+                  <a:srgbClr val="000000"/>
+                </a:solidFill>
+                <a:latin typeface="Consolas" panose="020B0609020204030204" pitchFamily="49" charset="0"/>
+              </a:rPr>
+              <a:t>::</a:t>
+            </a:r>
+            <a:r>
+              <a:rPr lang="en-US" sz="1100" dirty="0">
+                <a:solidFill>
+                  <a:srgbClr val="880000"/>
+                </a:solidFill>
+                <a:latin typeface="Consolas" panose="020B0609020204030204" pitchFamily="49" charset="0"/>
+              </a:rPr>
+              <a:t>GetFactory</a:t>
+            </a:r>
+            <a:r>
+              <a:rPr lang="en-US" sz="1100" dirty="0">
+                <a:solidFill>
+                  <a:srgbClr val="000000"/>
+                </a:solidFill>
+                <a:latin typeface="Consolas" panose="020B0609020204030204" pitchFamily="49" charset="0"/>
+              </a:rPr>
+              <a:t>().</a:t>
+            </a:r>
+            <a:r>
+              <a:rPr lang="en-US" sz="1100" dirty="0">
+                <a:solidFill>
+                  <a:srgbClr val="880000"/>
+                </a:solidFill>
+                <a:latin typeface="Consolas" panose="020B0609020204030204" pitchFamily="49" charset="0"/>
+              </a:rPr>
+              <a:t>add</a:t>
+            </a:r>
+            <a:r>
+              <a:rPr lang="en-US" sz="1100" dirty="0">
+                <a:solidFill>
+                  <a:srgbClr val="000000"/>
+                </a:solidFill>
+                <a:latin typeface="Consolas" panose="020B0609020204030204" pitchFamily="49" charset="0"/>
+              </a:rPr>
+              <a:t>&lt;</a:t>
+            </a:r>
+            <a:r>
+              <a:rPr lang="en-US" sz="1100" dirty="0">
+                <a:solidFill>
+                  <a:srgbClr val="0000FF"/>
+                </a:solidFill>
+                <a:latin typeface="Consolas" panose="020B0609020204030204" pitchFamily="49" charset="0"/>
+              </a:rPr>
+              <a:t>T</a:t>
+            </a:r>
+            <a:r>
+              <a:rPr lang="en-US" sz="1100" dirty="0">
+                <a:solidFill>
+                  <a:srgbClr val="000000"/>
+                </a:solidFill>
+                <a:latin typeface="Consolas" panose="020B0609020204030204" pitchFamily="49" charset="0"/>
+              </a:rPr>
+              <a:t>&gt;( </a:t>
+            </a:r>
+            <a:r>
+              <a:rPr lang="en-US" sz="1100" dirty="0" err="1">
+                <a:solidFill>
+                  <a:srgbClr val="000080"/>
+                </a:solidFill>
+                <a:latin typeface="Consolas" panose="020B0609020204030204" pitchFamily="49" charset="0"/>
+              </a:rPr>
+              <a:t>d_name</a:t>
+            </a:r>
+            <a:r>
+              <a:rPr lang="en-US" sz="1100" dirty="0">
+                <a:solidFill>
+                  <a:srgbClr val="000000"/>
+                </a:solidFill>
+                <a:latin typeface="Consolas" panose="020B0609020204030204" pitchFamily="49" charset="0"/>
+              </a:rPr>
+              <a:t> );</a:t>
+            </a:r>
+          </a:p>
+          <a:p>
+            <a:r>
+              <a:rPr lang="en-US" sz="1100" dirty="0" smtClean="0">
+                <a:solidFill>
+                  <a:srgbClr val="000000"/>
+                </a:solidFill>
+                <a:latin typeface="Consolas" panose="020B0609020204030204" pitchFamily="49" charset="0"/>
+              </a:rPr>
+              <a:t>  </a:t>
+            </a:r>
+            <a:r>
+              <a:rPr lang="en-US" sz="1100" dirty="0">
+                <a:solidFill>
+                  <a:srgbClr val="000000"/>
+                </a:solidFill>
+                <a:latin typeface="Consolas" panose="020B0609020204030204" pitchFamily="49" charset="0"/>
+              </a:rPr>
+              <a:t>}</a:t>
+            </a:r>
+          </a:p>
+          <a:p>
+            <a:endParaRPr lang="en-US" sz="1100" dirty="0" smtClean="0">
+              <a:solidFill>
+                <a:srgbClr val="000000"/>
+              </a:solidFill>
+              <a:latin typeface="Consolas" panose="020B0609020204030204" pitchFamily="49" charset="0"/>
+            </a:endParaRPr>
+          </a:p>
+          <a:p>
+            <a:r>
+              <a:rPr lang="en-US" sz="1100" dirty="0" smtClean="0">
+                <a:solidFill>
+                  <a:srgbClr val="000000"/>
+                </a:solidFill>
+                <a:latin typeface="Consolas" panose="020B0609020204030204" pitchFamily="49" charset="0"/>
+              </a:rPr>
+              <a:t>  </a:t>
+            </a:r>
+            <a:r>
+              <a:rPr lang="en-US" sz="1100" dirty="0">
+                <a:solidFill>
+                  <a:srgbClr val="000000"/>
+                </a:solidFill>
+                <a:latin typeface="Consolas" panose="020B0609020204030204" pitchFamily="49" charset="0"/>
+              </a:rPr>
+              <a:t>~</a:t>
+            </a:r>
+            <a:r>
+              <a:rPr lang="en-US" sz="1100" dirty="0" err="1">
+                <a:solidFill>
+                  <a:srgbClr val="0000FF"/>
+                </a:solidFill>
+                <a:latin typeface="Consolas" panose="020B0609020204030204" pitchFamily="49" charset="0"/>
+              </a:rPr>
+              <a:t>Registrator</a:t>
+            </a:r>
+            <a:r>
+              <a:rPr lang="en-US" sz="1100" dirty="0">
+                <a:solidFill>
+                  <a:srgbClr val="000000"/>
+                </a:solidFill>
+                <a:latin typeface="Consolas" panose="020B0609020204030204" pitchFamily="49" charset="0"/>
+              </a:rPr>
+              <a:t>()</a:t>
+            </a:r>
+          </a:p>
+          <a:p>
+            <a:r>
+              <a:rPr lang="en-US" sz="1100" dirty="0" smtClean="0">
+                <a:solidFill>
+                  <a:srgbClr val="000000"/>
+                </a:solidFill>
+                <a:latin typeface="Consolas" panose="020B0609020204030204" pitchFamily="49" charset="0"/>
+              </a:rPr>
+              <a:t>  </a:t>
+            </a:r>
+            <a:r>
+              <a:rPr lang="en-US" sz="1100" dirty="0">
+                <a:solidFill>
+                  <a:srgbClr val="000000"/>
+                </a:solidFill>
+                <a:latin typeface="Consolas" panose="020B0609020204030204" pitchFamily="49" charset="0"/>
+              </a:rPr>
+              <a:t>{</a:t>
+            </a:r>
+          </a:p>
+          <a:p>
+            <a:r>
+              <a:rPr lang="en-US" sz="1100" dirty="0" smtClean="0">
+                <a:solidFill>
+                  <a:srgbClr val="000000"/>
+                </a:solidFill>
+                <a:latin typeface="Consolas" panose="020B0609020204030204" pitchFamily="49" charset="0"/>
+              </a:rPr>
+              <a:t>    </a:t>
+            </a:r>
+            <a:r>
+              <a:rPr lang="en-US" sz="1100" dirty="0">
+                <a:solidFill>
+                  <a:srgbClr val="0000FF"/>
+                </a:solidFill>
+                <a:latin typeface="Consolas" panose="020B0609020204030204" pitchFamily="49" charset="0"/>
+              </a:rPr>
+              <a:t>T</a:t>
+            </a:r>
+            <a:r>
+              <a:rPr lang="en-US" sz="1100" dirty="0">
+                <a:solidFill>
+                  <a:srgbClr val="000000"/>
+                </a:solidFill>
+                <a:latin typeface="Consolas" panose="020B0609020204030204" pitchFamily="49" charset="0"/>
+              </a:rPr>
+              <a:t>::</a:t>
+            </a:r>
+            <a:r>
+              <a:rPr lang="en-US" sz="1100" dirty="0">
+                <a:solidFill>
+                  <a:srgbClr val="880000"/>
+                </a:solidFill>
+                <a:latin typeface="Consolas" panose="020B0609020204030204" pitchFamily="49" charset="0"/>
+              </a:rPr>
+              <a:t>GetFactory</a:t>
+            </a:r>
+            <a:r>
+              <a:rPr lang="en-US" sz="1100" dirty="0">
+                <a:solidFill>
+                  <a:srgbClr val="000000"/>
+                </a:solidFill>
+                <a:latin typeface="Consolas" panose="020B0609020204030204" pitchFamily="49" charset="0"/>
+              </a:rPr>
+              <a:t>().</a:t>
+            </a:r>
+            <a:r>
+              <a:rPr lang="en-US" sz="1100" dirty="0">
+                <a:solidFill>
+                  <a:srgbClr val="880000"/>
+                </a:solidFill>
+                <a:latin typeface="Consolas" panose="020B0609020204030204" pitchFamily="49" charset="0"/>
+              </a:rPr>
+              <a:t>remove</a:t>
+            </a:r>
+            <a:r>
+              <a:rPr lang="en-US" sz="1100" dirty="0">
+                <a:solidFill>
+                  <a:srgbClr val="000000"/>
+                </a:solidFill>
+                <a:latin typeface="Consolas" panose="020B0609020204030204" pitchFamily="49" charset="0"/>
+              </a:rPr>
+              <a:t>( </a:t>
+            </a:r>
+            <a:r>
+              <a:rPr lang="en-US" sz="1100" dirty="0" err="1">
+                <a:solidFill>
+                  <a:srgbClr val="000080"/>
+                </a:solidFill>
+                <a:latin typeface="Consolas" panose="020B0609020204030204" pitchFamily="49" charset="0"/>
+              </a:rPr>
+              <a:t>d_name</a:t>
+            </a:r>
+            <a:r>
+              <a:rPr lang="en-US" sz="1100" dirty="0">
+                <a:solidFill>
+                  <a:srgbClr val="000000"/>
+                </a:solidFill>
+                <a:latin typeface="Consolas" panose="020B0609020204030204" pitchFamily="49" charset="0"/>
+              </a:rPr>
+              <a:t> );</a:t>
+            </a:r>
+          </a:p>
+          <a:p>
+            <a:r>
+              <a:rPr lang="en-US" sz="1100" dirty="0" smtClean="0">
+                <a:solidFill>
+                  <a:srgbClr val="000000"/>
+                </a:solidFill>
+                <a:latin typeface="Consolas" panose="020B0609020204030204" pitchFamily="49" charset="0"/>
+              </a:rPr>
+              <a:t>  </a:t>
+            </a:r>
+            <a:r>
+              <a:rPr lang="en-US" sz="1100" dirty="0">
+                <a:solidFill>
+                  <a:srgbClr val="000000"/>
+                </a:solidFill>
+                <a:latin typeface="Consolas" panose="020B0609020204030204" pitchFamily="49" charset="0"/>
+              </a:rPr>
+              <a:t>}</a:t>
+            </a:r>
+          </a:p>
+          <a:p>
+            <a:endParaRPr lang="en-US" sz="1100" dirty="0">
+              <a:solidFill>
+                <a:srgbClr val="000000"/>
+              </a:solidFill>
+              <a:latin typeface="Consolas" panose="020B0609020204030204" pitchFamily="49" charset="0"/>
+            </a:endParaRPr>
+          </a:p>
+          <a:p>
+            <a:r>
+              <a:rPr lang="en-US" sz="1100" dirty="0" smtClean="0">
+                <a:solidFill>
+                  <a:srgbClr val="0000FF"/>
+                </a:solidFill>
+                <a:latin typeface="Consolas" panose="020B0609020204030204" pitchFamily="49" charset="0"/>
+              </a:rPr>
+              <a:t>private</a:t>
+            </a:r>
+            <a:r>
+              <a:rPr lang="en-US" sz="1100" dirty="0">
+                <a:solidFill>
+                  <a:srgbClr val="000000"/>
+                </a:solidFill>
+                <a:latin typeface="Consolas" panose="020B0609020204030204" pitchFamily="49" charset="0"/>
+              </a:rPr>
+              <a:t>:</a:t>
+            </a:r>
+          </a:p>
+          <a:p>
+            <a:r>
+              <a:rPr lang="en-US" sz="1100" dirty="0" smtClean="0">
+                <a:solidFill>
+                  <a:srgbClr val="000000"/>
+                </a:solidFill>
+                <a:latin typeface="Consolas" panose="020B0609020204030204" pitchFamily="49" charset="0"/>
+              </a:rPr>
+              <a:t>  </a:t>
+            </a:r>
+            <a:r>
+              <a:rPr lang="en-US" sz="1100" dirty="0" err="1">
+                <a:solidFill>
+                  <a:srgbClr val="0000FF"/>
+                </a:solidFill>
+                <a:latin typeface="Consolas" panose="020B0609020204030204" pitchFamily="49" charset="0"/>
+              </a:rPr>
+              <a:t>std</a:t>
+            </a:r>
+            <a:r>
+              <a:rPr lang="en-US" sz="1100" dirty="0">
+                <a:solidFill>
+                  <a:srgbClr val="000000"/>
+                </a:solidFill>
+                <a:latin typeface="Consolas" panose="020B0609020204030204" pitchFamily="49" charset="0"/>
+              </a:rPr>
+              <a:t>::</a:t>
+            </a:r>
+            <a:r>
+              <a:rPr lang="en-US" sz="1100" dirty="0">
+                <a:solidFill>
+                  <a:srgbClr val="0000FF"/>
+                </a:solidFill>
+                <a:latin typeface="Consolas" panose="020B0609020204030204" pitchFamily="49" charset="0"/>
+              </a:rPr>
+              <a:t>string</a:t>
+            </a:r>
+            <a:r>
+              <a:rPr lang="en-US" sz="1100" dirty="0">
+                <a:solidFill>
+                  <a:srgbClr val="000000"/>
+                </a:solidFill>
+                <a:latin typeface="Consolas" panose="020B0609020204030204" pitchFamily="49" charset="0"/>
+              </a:rPr>
+              <a:t> </a:t>
+            </a:r>
+            <a:r>
+              <a:rPr lang="en-US" sz="1100" dirty="0" err="1">
+                <a:solidFill>
+                  <a:srgbClr val="000080"/>
+                </a:solidFill>
+                <a:latin typeface="Consolas" panose="020B0609020204030204" pitchFamily="49" charset="0"/>
+              </a:rPr>
+              <a:t>d_name</a:t>
+            </a:r>
+            <a:r>
+              <a:rPr lang="en-US" sz="1100" dirty="0">
+                <a:solidFill>
+                  <a:srgbClr val="000000"/>
+                </a:solidFill>
+                <a:latin typeface="Consolas" panose="020B0609020204030204" pitchFamily="49" charset="0"/>
+              </a:rPr>
+              <a:t>;</a:t>
+            </a:r>
+          </a:p>
+          <a:p>
+            <a:r>
+              <a:rPr lang="en-US" sz="1100" dirty="0" smtClean="0">
+                <a:solidFill>
+                  <a:srgbClr val="000000"/>
+                </a:solidFill>
+                <a:latin typeface="Consolas" panose="020B0609020204030204" pitchFamily="49" charset="0"/>
+              </a:rPr>
+              <a:t>};</a:t>
+            </a:r>
+          </a:p>
+          <a:p>
+            <a:endParaRPr lang="en-US" sz="1100" dirty="0" smtClean="0">
+              <a:solidFill>
+                <a:srgbClr val="000000"/>
+              </a:solidFill>
+              <a:latin typeface="Consolas" panose="020B0609020204030204" pitchFamily="49" charset="0"/>
+            </a:endParaRPr>
+          </a:p>
+          <a:p>
+            <a:r>
+              <a:rPr lang="en-US" sz="1100" dirty="0">
+                <a:solidFill>
+                  <a:srgbClr val="008000"/>
+                </a:solidFill>
+                <a:latin typeface="Consolas" panose="020B0609020204030204" pitchFamily="49" charset="0"/>
+              </a:rPr>
+              <a:t>//////////////////////////////////////////////////////////////////////////</a:t>
+            </a:r>
+            <a:endParaRPr lang="en-US" sz="1100" dirty="0">
+              <a:solidFill>
+                <a:srgbClr val="000000"/>
+              </a:solidFill>
+              <a:latin typeface="Consolas" panose="020B0609020204030204" pitchFamily="49" charset="0"/>
+            </a:endParaRPr>
+          </a:p>
+          <a:p>
+            <a:endParaRPr lang="en-US" sz="1100" dirty="0" smtClean="0">
+              <a:solidFill>
+                <a:srgbClr val="000000"/>
+              </a:solidFill>
+              <a:latin typeface="Consolas" panose="020B0609020204030204" pitchFamily="49" charset="0"/>
+            </a:endParaRPr>
+          </a:p>
+          <a:p>
+            <a:r>
+              <a:rPr lang="en-US" sz="1100" dirty="0">
+                <a:solidFill>
+                  <a:srgbClr val="0000FF"/>
+                </a:solidFill>
+                <a:latin typeface="Consolas" panose="020B0609020204030204" pitchFamily="49" charset="0"/>
+              </a:rPr>
+              <a:t>namespace</a:t>
+            </a:r>
+            <a:endParaRPr lang="en-US" sz="1100" dirty="0">
+              <a:solidFill>
+                <a:srgbClr val="000000"/>
+              </a:solidFill>
+              <a:latin typeface="Consolas" panose="020B0609020204030204" pitchFamily="49" charset="0"/>
+            </a:endParaRPr>
+          </a:p>
+          <a:p>
+            <a:r>
+              <a:rPr lang="en-US" sz="1100" dirty="0">
+                <a:solidFill>
+                  <a:srgbClr val="000000"/>
+                </a:solidFill>
+                <a:latin typeface="Consolas" panose="020B0609020204030204" pitchFamily="49" charset="0"/>
+              </a:rPr>
+              <a:t>{</a:t>
+            </a:r>
+          </a:p>
+          <a:p>
+            <a:r>
+              <a:rPr lang="en-US" sz="1100" dirty="0">
+                <a:solidFill>
+                  <a:srgbClr val="000000"/>
+                </a:solidFill>
+                <a:latin typeface="Consolas" panose="020B0609020204030204" pitchFamily="49" charset="0"/>
+              </a:rPr>
+              <a:t>  </a:t>
+            </a:r>
+            <a:r>
+              <a:rPr lang="en-US" sz="1100" dirty="0">
+                <a:solidFill>
+                  <a:srgbClr val="008000"/>
+                </a:solidFill>
+                <a:latin typeface="Consolas" panose="020B0609020204030204" pitchFamily="49" charset="0"/>
+              </a:rPr>
+              <a:t>//  </a:t>
+            </a:r>
+            <a:r>
+              <a:rPr lang="en-US" sz="1100" dirty="0" smtClean="0">
+                <a:solidFill>
+                  <a:srgbClr val="008000"/>
+                </a:solidFill>
+                <a:latin typeface="Consolas" panose="020B0609020204030204" pitchFamily="49" charset="0"/>
+              </a:rPr>
+              <a:t>global variable registers </a:t>
+            </a:r>
+            <a:r>
+              <a:rPr lang="en-US" sz="1100" dirty="0">
+                <a:solidFill>
+                  <a:srgbClr val="008000"/>
+                </a:solidFill>
+                <a:latin typeface="Consolas" panose="020B0609020204030204" pitchFamily="49" charset="0"/>
+              </a:rPr>
+              <a:t>implementation in the </a:t>
+            </a:r>
+            <a:r>
+              <a:rPr lang="en-US" sz="1100" dirty="0" smtClean="0">
+                <a:solidFill>
+                  <a:srgbClr val="008000"/>
+                </a:solidFill>
+                <a:latin typeface="Consolas" panose="020B0609020204030204" pitchFamily="49" charset="0"/>
+              </a:rPr>
+              <a:t>factory</a:t>
+            </a:r>
+            <a:endParaRPr lang="en-US" sz="1100" dirty="0">
+              <a:solidFill>
+                <a:srgbClr val="000000"/>
+              </a:solidFill>
+              <a:latin typeface="Consolas" panose="020B0609020204030204" pitchFamily="49" charset="0"/>
+            </a:endParaRPr>
+          </a:p>
+          <a:p>
+            <a:r>
+              <a:rPr lang="en-US" sz="1100" dirty="0">
+                <a:solidFill>
+                  <a:srgbClr val="000000"/>
+                </a:solidFill>
+                <a:latin typeface="Consolas" panose="020B0609020204030204" pitchFamily="49" charset="0"/>
+              </a:rPr>
+              <a:t>  </a:t>
+            </a:r>
+            <a:r>
+              <a:rPr lang="en-US" sz="1100" dirty="0">
+                <a:solidFill>
+                  <a:srgbClr val="0000FF"/>
+                </a:solidFill>
+                <a:latin typeface="Consolas" panose="020B0609020204030204" pitchFamily="49" charset="0"/>
+              </a:rPr>
+              <a:t>SDK_NS</a:t>
+            </a:r>
+            <a:r>
+              <a:rPr lang="en-US" sz="1100" dirty="0">
+                <a:solidFill>
+                  <a:srgbClr val="000000"/>
+                </a:solidFill>
+                <a:latin typeface="Consolas" panose="020B0609020204030204" pitchFamily="49" charset="0"/>
+              </a:rPr>
+              <a:t>::</a:t>
+            </a:r>
+            <a:r>
+              <a:rPr lang="en-US" sz="1100" dirty="0" err="1">
+                <a:solidFill>
+                  <a:srgbClr val="0000FF"/>
+                </a:solidFill>
+                <a:latin typeface="Consolas" panose="020B0609020204030204" pitchFamily="49" charset="0"/>
+              </a:rPr>
+              <a:t>Registrator</a:t>
+            </a:r>
+            <a:r>
+              <a:rPr lang="en-US" sz="1100" dirty="0">
+                <a:solidFill>
+                  <a:srgbClr val="000000"/>
+                </a:solidFill>
+                <a:latin typeface="Consolas" panose="020B0609020204030204" pitchFamily="49" charset="0"/>
+              </a:rPr>
+              <a:t>&lt;</a:t>
+            </a:r>
+            <a:r>
+              <a:rPr lang="en-US" sz="1100" dirty="0" err="1">
+                <a:solidFill>
+                  <a:srgbClr val="0000FF"/>
+                </a:solidFill>
+                <a:latin typeface="Consolas" panose="020B0609020204030204" pitchFamily="49" charset="0"/>
+              </a:rPr>
+              <a:t>Impl_NS</a:t>
+            </a:r>
+            <a:r>
+              <a:rPr lang="en-US" sz="1100" dirty="0">
+                <a:solidFill>
+                  <a:srgbClr val="000000"/>
+                </a:solidFill>
+                <a:latin typeface="Consolas" panose="020B0609020204030204" pitchFamily="49" charset="0"/>
+              </a:rPr>
+              <a:t>::</a:t>
+            </a:r>
+            <a:r>
+              <a:rPr lang="en-US" sz="1100" dirty="0">
+                <a:solidFill>
+                  <a:srgbClr val="0000FF"/>
+                </a:solidFill>
+                <a:latin typeface="Consolas" panose="020B0609020204030204" pitchFamily="49" charset="0"/>
+              </a:rPr>
+              <a:t>Hello</a:t>
+            </a:r>
+            <a:r>
+              <a:rPr lang="en-US" sz="1100" dirty="0">
+                <a:solidFill>
+                  <a:srgbClr val="000000"/>
+                </a:solidFill>
+                <a:latin typeface="Consolas" panose="020B0609020204030204" pitchFamily="49" charset="0"/>
+              </a:rPr>
+              <a:t>&gt; </a:t>
+            </a:r>
+            <a:r>
+              <a:rPr lang="en-US" sz="1100" dirty="0" err="1">
+                <a:solidFill>
+                  <a:srgbClr val="000080"/>
+                </a:solidFill>
+                <a:latin typeface="Consolas" panose="020B0609020204030204" pitchFamily="49" charset="0"/>
+              </a:rPr>
+              <a:t>g_reg</a:t>
+            </a:r>
+            <a:r>
+              <a:rPr lang="en-US" sz="1100" dirty="0">
+                <a:solidFill>
+                  <a:srgbClr val="000000"/>
+                </a:solidFill>
+                <a:latin typeface="Consolas" panose="020B0609020204030204" pitchFamily="49" charset="0"/>
+              </a:rPr>
+              <a:t>( </a:t>
+            </a:r>
+            <a:r>
+              <a:rPr lang="en-US" sz="1100" dirty="0">
+                <a:solidFill>
+                  <a:srgbClr val="A31515"/>
+                </a:solidFill>
+                <a:latin typeface="Consolas" panose="020B0609020204030204" pitchFamily="49" charset="0"/>
+              </a:rPr>
+              <a:t>"Hello"</a:t>
+            </a:r>
+            <a:r>
+              <a:rPr lang="en-US" sz="1100" dirty="0">
+                <a:solidFill>
+                  <a:srgbClr val="000000"/>
+                </a:solidFill>
+                <a:latin typeface="Consolas" panose="020B0609020204030204" pitchFamily="49" charset="0"/>
+              </a:rPr>
+              <a:t> );</a:t>
+            </a:r>
+          </a:p>
+          <a:p>
+            <a:r>
+              <a:rPr lang="en-US" sz="1100" dirty="0">
+                <a:solidFill>
+                  <a:srgbClr val="000000"/>
+                </a:solidFill>
+                <a:latin typeface="Consolas" panose="020B0609020204030204" pitchFamily="49" charset="0"/>
+              </a:rPr>
+              <a:t>}</a:t>
+            </a:r>
+            <a:endParaRPr lang="en-US" sz="1100" dirty="0"/>
+          </a:p>
+          <a:p>
+            <a:endParaRPr lang="en-US" sz="1100" dirty="0">
+              <a:solidFill>
+                <a:srgbClr val="000000"/>
+              </a:solidFill>
+              <a:latin typeface="Consolas" panose="020B0609020204030204" pitchFamily="49" charset="0"/>
+            </a:endParaRPr>
+          </a:p>
+        </p:txBody>
+      </p:sp>
+    </p:spTree>
+    <p:extLst>
+      <p:ext uri="{BB962C8B-B14F-4D97-AF65-F5344CB8AC3E}">
+        <p14:creationId xmlns:p14="http://schemas.microsoft.com/office/powerpoint/2010/main" val="3679668684"/>
+      </p:ext>
+    </p:extLst>
+  </p:cSld>
+  <p:clrMapOvr>
+    <a:masterClrMapping/>
+  </p:clrMapOvr>
+  <p:timing>
+    <p:tnLst>
+      <p:par>
+        <p:cTn id="1" dur="indefinite" restart="never" nodeType="tmRoot"/>
+      </p:par>
+    </p:tnLst>
+  </p:timing>
+</p:sld>
+</file>
+
+<file path=ppt/slides/slide9.xml><?xml version="1.0" encoding="utf-8"?>
+<p:sld xmlns:a="http://schemas.openxmlformats.org/drawingml/2006/main" xmlns:r="http://schemas.openxmlformats.org/officeDocument/2006/relationships" xmlns:p="http://schemas.openxmlformats.org/presentationml/2006/main">
+  <p:cSld>
+    <p:spTree>
+      <p:nvGrpSpPr>
+        <p:cNvPr id="1" name=""/>
+        <p:cNvGrpSpPr/>
+        <p:nvPr/>
+      </p:nvGrpSpPr>
+      <p:grpSpPr>
+        <a:xfrm>
+          <a:off x="0" y="0"/>
+          <a:ext cx="0" cy="0"/>
+          <a:chOff x="0" y="0"/>
+          <a:chExt cx="0" cy="0"/>
+        </a:xfrm>
+      </p:grpSpPr>
+      <p:sp>
+        <p:nvSpPr>
           <p:cNvPr id="11266" name="Title 3"/>
           <p:cNvSpPr>
             <a:spLocks noGrp="1"/>
@@ -9950,7 +10872,6 @@
               <a:rPr lang="en-US" dirty="0" smtClean="0"/>
               <a:t>Thanks!</a:t>
             </a:r>
-            <a:endParaRPr lang="en-US" dirty="0" smtClean="0"/>
           </a:p>
         </p:txBody>
       </p:sp>
@@ -10008,7 +10929,7 @@
             <a:fld id="{DD375FEB-0BCD-44C3-A569-EF8B7B4470B2}" type="slidenum">
               <a:rPr lang="en-US" smtClean="0"/>
               <a:pPr/>
-              <a:t>8</a:t>
+              <a:t>9</a:t>
             </a:fld>
             <a:endParaRPr lang="en-US" smtClean="0"/>
           </a:p>
@@ -10596,31 +11517,6 @@
 </file>
 
 <file path=customXml/item1.xml><?xml version="1.0" encoding="utf-8"?>
-<p:properties xmlns:p="http://schemas.microsoft.com/office/2006/metadata/properties" xmlns:xsi="http://www.w3.org/2001/XMLSchema-instance">
-  <documentManagement>
-    <Owner xmlns="34D62E00-98FB-40E8-AE1E-D5EFD9175257">
-      <UserInfo>
-        <DisplayName/>
-        <AccountId/>
-        <AccountType/>
-      </UserInfo>
-    </Owner>
-    <PMP_x0020_Phase xmlns="34D62E00-98FB-40E8-AE1E-D5EFD9175257"/>
-    <Document_x0020_Type xmlns="34D62E00-98FB-40E8-AE1E-D5EFD9175257"/>
-  </documentManagement>
-</p:properties>
-</file>
-
-<file path=customXml/item2.xml><?xml version="1.0" encoding="utf-8"?>
-<?mso-contentType ?>
-<FormTemplates xmlns="http://schemas.microsoft.com/sharepoint/v3/contenttype/forms">
-  <Display>DocumentLibraryForm</Display>
-  <Edit>DocumentLibraryForm</Edit>
-  <New>DocumentLibraryForm</New>
-</FormTemplates>
-</file>
-
-<file path=customXml/item3.xml><?xml version="1.0" encoding="utf-8"?>
 <ct:contentTypeSchema xmlns:ct="http://schemas.microsoft.com/office/2006/metadata/contentType" xmlns:ma="http://schemas.microsoft.com/office/2006/metadata/properties/metaAttributes" ct:_="" ma:_="" ma:contentTypeName="Document" ma:contentTypeID="0x0101003BA6C1BA3ADF8848BC80A0D9E04F3FE6" ma:contentTypeVersion="0" ma:contentTypeDescription="Create a new document." ma:contentTypeScope="" ma:versionID="fb865b2b778510df23b148c8ddc8b0cd">
   <xsd:schema xmlns:xsd="http://www.w3.org/2001/XMLSchema" xmlns:xs="http://www.w3.org/2001/XMLSchema" xmlns:p="http://schemas.microsoft.com/office/2006/metadata/properties" xmlns:ns2="34D62E00-98FB-40E8-AE1E-D5EFD9175257" targetNamespace="http://schemas.microsoft.com/office/2006/metadata/properties" ma:root="true" ma:fieldsID="3a1550e525aafaec77f52ee0cd6a1444" ns2:_="">
     <xsd:import namespace="34D62E00-98FB-40E8-AE1E-D5EFD9175257"/>
@@ -10824,24 +11720,32 @@
 </ct:contentTypeSchema>
 </file>
 
-<file path=customXml/itemProps1.xml><?xml version="1.0" encoding="utf-8"?>
-<ds:datastoreItem xmlns:ds="http://schemas.openxmlformats.org/officeDocument/2006/customXml" ds:itemID="{2E01FB30-919C-4B2A-945F-8520AB2D36EC}">
-  <ds:schemaRefs>
-    <ds:schemaRef ds:uri="http://schemas.microsoft.com/office/2006/metadata/properties"/>
-    <ds:schemaRef ds:uri="34D62E00-98FB-40E8-AE1E-D5EFD9175257"/>
-  </ds:schemaRefs>
-</ds:datastoreItem>
+<file path=customXml/item2.xml><?xml version="1.0" encoding="utf-8"?>
+<?mso-contentType ?>
+<FormTemplates xmlns="http://schemas.microsoft.com/sharepoint/v3/contenttype/forms">
+  <Display>DocumentLibraryForm</Display>
+  <Edit>DocumentLibraryForm</Edit>
+  <New>DocumentLibraryForm</New>
+</FormTemplates>
 </file>
 
-<file path=customXml/itemProps2.xml><?xml version="1.0" encoding="utf-8"?>
-<ds:datastoreItem xmlns:ds="http://schemas.openxmlformats.org/officeDocument/2006/customXml" ds:itemID="{706BCA3A-298F-49A5-9C87-0369C2D57D5D}">
-  <ds:schemaRefs>
-    <ds:schemaRef ds:uri="http://schemas.microsoft.com/sharepoint/v3/contenttype/forms"/>
-  </ds:schemaRefs>
-</ds:datastoreItem>
+<file path=customXml/item3.xml><?xml version="1.0" encoding="utf-8"?>
+<p:properties xmlns:p="http://schemas.microsoft.com/office/2006/metadata/properties" xmlns:xsi="http://www.w3.org/2001/XMLSchema-instance">
+  <documentManagement>
+    <Owner xmlns="34D62E00-98FB-40E8-AE1E-D5EFD9175257">
+      <UserInfo>
+        <DisplayName/>
+        <AccountId/>
+        <AccountType/>
+      </UserInfo>
+    </Owner>
+    <PMP_x0020_Phase xmlns="34D62E00-98FB-40E8-AE1E-D5EFD9175257"/>
+    <Document_x0020_Type xmlns="34D62E00-98FB-40E8-AE1E-D5EFD9175257"/>
+  </documentManagement>
+</p:properties>
 </file>
 
-<file path=customXml/itemProps3.xml><?xml version="1.0" encoding="utf-8"?>
+<file path=customXml/itemProps1.xml><?xml version="1.0" encoding="utf-8"?>
 <ds:datastoreItem xmlns:ds="http://schemas.openxmlformats.org/officeDocument/2006/customXml" ds:itemID="{5C09A883-2871-455D-A678-F9AB74119D26}">
   <ds:schemaRefs>
     <ds:schemaRef ds:uri="http://schemas.microsoft.com/office/2006/metadata/contentType"/>
@@ -10857,4 +11761,21 @@
     <ds:schemaRef ds:uri="http://schemas.microsoft.com/internal/obd"/>
   </ds:schemaRefs>
 </ds:datastoreItem>
+</file>
+
+<file path=customXml/itemProps2.xml><?xml version="1.0" encoding="utf-8"?>
+<ds:datastoreItem xmlns:ds="http://schemas.openxmlformats.org/officeDocument/2006/customXml" ds:itemID="{706BCA3A-298F-49A5-9C87-0369C2D57D5D}">
+  <ds:schemaRefs>
+    <ds:schemaRef ds:uri="http://schemas.microsoft.com/sharepoint/v3/contenttype/forms"/>
+  </ds:schemaRefs>
+</ds:datastoreItem>
+</file>
+
+<file path=customXml/itemProps3.xml><?xml version="1.0" encoding="utf-8"?>
+<ds:datastoreItem xmlns:ds="http://schemas.openxmlformats.org/officeDocument/2006/customXml" ds:itemID="{2E01FB30-919C-4B2A-945F-8520AB2D36EC}">
+  <ds:schemaRefs>
+    <ds:schemaRef ds:uri="http://schemas.microsoft.com/office/2006/metadata/properties"/>
+    <ds:schemaRef ds:uri="34D62E00-98FB-40E8-AE1E-D5EFD9175257"/>
+  </ds:schemaRefs>
+</ds:datastoreItem>
 </file>
--- a/Factory/Factory.pptx
+++ b/Factory/Factory.pptx
@@ -267,7 +267,7 @@
               <a:pPr>
                 <a:defRPr/>
               </a:pPr>
-              <a:t>9/12/2016</a:t>
+              <a:t>9/13/2016</a:t>
             </a:fld>
             <a:endParaRPr lang="en-US"/>
           </a:p>
@@ -4182,10 +4182,6 @@
               </a:rPr>
               <a:t>Application in multi-library project</a:t>
             </a:r>
-            <a:endParaRPr lang="en-US" dirty="0" smtClean="0">
-              <a:latin typeface="Arial" charset="0"/>
-              <a:cs typeface="Arial" charset="0"/>
-            </a:endParaRPr>
           </a:p>
         </p:txBody>
       </p:sp>
@@ -4265,8 +4261,9 @@
           <a:p>
             <a:r>
               <a:rPr lang="en-US" dirty="0" smtClean="0"/>
-              <a:t>9/9/2016</a:t>
-            </a:r>
+              <a:t>9/13/2016</a:t>
+            </a:r>
+            <a:endParaRPr lang="en-US" dirty="0" smtClean="0"/>
           </a:p>
         </p:txBody>
       </p:sp>
@@ -4757,12 +4754,6 @@
               <a:rPr lang="en-US" dirty="0" smtClean="0"/>
               <a:t>pipeline</a:t>
             </a:r>
-          </a:p>
-          <a:p>
-            <a:r>
-              <a:rPr lang="en-US" dirty="0" smtClean="0"/>
-              <a:t>&lt;&gt;</a:t>
-            </a:r>
             <a:endParaRPr lang="en-US" dirty="0" smtClean="0"/>
           </a:p>
         </p:txBody>
@@ -4775,7 +4766,7 @@
         </p:nvSpPr>
         <p:spPr>
           <a:xfrm>
-            <a:off x="3657600" y="4334608"/>
+            <a:off x="3657600" y="3886200"/>
             <a:ext cx="1828800" cy="914400"/>
           </a:xfrm>
           <a:prstGeom prst="roundRect">
@@ -4817,7 +4808,7 @@
         </p:nvSpPr>
         <p:spPr>
           <a:xfrm>
-            <a:off x="6400800" y="5249008"/>
+            <a:off x="6400800" y="4800600"/>
             <a:ext cx="1828800" cy="914400"/>
           </a:xfrm>
           <a:prstGeom prst="roundRect">
@@ -4859,7 +4850,7 @@
         </p:nvSpPr>
         <p:spPr>
           <a:xfrm>
-            <a:off x="914400" y="5249008"/>
+            <a:off x="914400" y="4800600"/>
             <a:ext cx="1828800" cy="914400"/>
           </a:xfrm>
           <a:prstGeom prst="roundRect">
@@ -4901,7 +4892,7 @@
         </p:nvSpPr>
         <p:spPr>
           <a:xfrm>
-            <a:off x="914400" y="3420208"/>
+            <a:off x="914400" y="2971800"/>
             <a:ext cx="1828800" cy="914400"/>
           </a:xfrm>
           <a:prstGeom prst="roundRect">
@@ -4943,7 +4934,7 @@
         </p:nvSpPr>
         <p:spPr>
           <a:xfrm>
-            <a:off x="6400800" y="3424705"/>
+            <a:off x="6400800" y="2976297"/>
             <a:ext cx="1828800" cy="914400"/>
           </a:xfrm>
           <a:prstGeom prst="roundRect">
@@ -4988,7 +4979,7 @@
         </p:nvCxnSpPr>
         <p:spPr>
           <a:xfrm flipH="1">
-            <a:off x="5486400" y="3881905"/>
+            <a:off x="5486400" y="3433497"/>
             <a:ext cx="914400" cy="909903"/>
           </a:xfrm>
           <a:prstGeom prst="straightConnector1">
@@ -5025,7 +5016,7 @@
         </p:nvCxnSpPr>
         <p:spPr>
           <a:xfrm flipH="1" flipV="1">
-            <a:off x="5486400" y="4791808"/>
+            <a:off x="5486400" y="4343400"/>
             <a:ext cx="914400" cy="914400"/>
           </a:xfrm>
           <a:prstGeom prst="straightConnector1">
@@ -5062,7 +5053,7 @@
         </p:nvCxnSpPr>
         <p:spPr>
           <a:xfrm>
-            <a:off x="2743200" y="3877408"/>
+            <a:off x="2743200" y="3429000"/>
             <a:ext cx="914400" cy="914400"/>
           </a:xfrm>
           <a:prstGeom prst="straightConnector1">
@@ -5099,7 +5090,7 @@
         </p:nvCxnSpPr>
         <p:spPr>
           <a:xfrm flipV="1">
-            <a:off x="2743200" y="4791808"/>
+            <a:off x="2743200" y="4343400"/>
             <a:ext cx="914400" cy="914400"/>
           </a:xfrm>
           <a:prstGeom prst="straightConnector1">
@@ -5374,25 +5365,7 @@
               <a:t> = </a:t>
             </a:r>
             <a:r>
-              <a:rPr lang="en-US" sz="1100" dirty="0">
-                <a:solidFill>
-                  <a:srgbClr val="0000FF"/>
-                </a:solidFill>
-                <a:latin typeface="Consolas" panose="020B0609020204030204" pitchFamily="49" charset="0"/>
-              </a:rPr>
-              <a:t>SDK_NS</a:t>
-            </a:r>
-            <a:r>
-              <a:rPr lang="en-US" sz="1100" dirty="0">
-                <a:solidFill>
-                  <a:srgbClr val="000000"/>
-                </a:solidFill>
-                <a:latin typeface="Consolas" panose="020B0609020204030204" pitchFamily="49" charset="0"/>
-              </a:rPr>
-              <a:t>::</a:t>
-            </a:r>
-            <a:r>
-              <a:rPr lang="en-US" sz="1100" dirty="0" err="1">
+              <a:rPr lang="en-US" sz="1100" dirty="0" err="1" smtClean="0">
                 <a:solidFill>
                   <a:srgbClr val="880000"/>
                 </a:solidFill>
@@ -5401,7 +5374,7 @@
               <a:t>GetFactory</a:t>
             </a:r>
             <a:r>
-              <a:rPr lang="en-US" sz="1100" dirty="0">
+              <a:rPr lang="en-US" sz="1100" dirty="0" smtClean="0">
                 <a:solidFill>
                   <a:srgbClr val="000000"/>
                 </a:solidFill>
@@ -5410,25 +5383,7 @@
               <a:t>&lt;</a:t>
             </a:r>
             <a:r>
-              <a:rPr lang="en-US" sz="1100" dirty="0" err="1">
-                <a:solidFill>
-                  <a:srgbClr val="0000FF"/>
-                </a:solidFill>
-                <a:latin typeface="Consolas" panose="020B0609020204030204" pitchFamily="49" charset="0"/>
-              </a:rPr>
-              <a:t>Interface_NS</a:t>
-            </a:r>
-            <a:r>
-              <a:rPr lang="en-US" sz="1100" dirty="0">
-                <a:solidFill>
-                  <a:srgbClr val="000000"/>
-                </a:solidFill>
-                <a:latin typeface="Consolas" panose="020B0609020204030204" pitchFamily="49" charset="0"/>
-              </a:rPr>
-              <a:t>::</a:t>
-            </a:r>
-            <a:r>
-              <a:rPr lang="en-US" sz="1100" dirty="0">
+              <a:rPr lang="en-US" sz="1100" dirty="0" smtClean="0">
                 <a:solidFill>
                   <a:srgbClr val="0000FF"/>
                 </a:solidFill>
@@ -6296,7 +6251,7 @@
         </p:nvSpPr>
         <p:spPr>
           <a:xfrm>
-            <a:off x="2743200" y="1600200"/>
+            <a:off x="2743200" y="1295400"/>
             <a:ext cx="3657600" cy="1828800"/>
           </a:xfrm>
           <a:prstGeom prst="roundRect">
@@ -6520,7 +6475,7 @@
         </p:nvSpPr>
         <p:spPr>
           <a:xfrm>
-            <a:off x="914400" y="4339004"/>
+            <a:off x="914400" y="4034204"/>
             <a:ext cx="2743200" cy="1833196"/>
           </a:xfrm>
           <a:prstGeom prst="roundRect">
@@ -6674,13 +6629,49 @@
           </a:p>
           <a:p>
             <a:r>
+              <a:rPr lang="en-US" sz="900" dirty="0" smtClean="0">
+                <a:solidFill>
+                  <a:srgbClr val="0000FF"/>
+                </a:solidFill>
+                <a:latin typeface="Consolas" panose="020B0609020204030204" pitchFamily="49" charset="0"/>
+              </a:rPr>
+              <a:t>Record</a:t>
+            </a:r>
+            <a:r>
+              <a:rPr lang="en-US" sz="900" dirty="0" smtClean="0">
+                <a:solidFill>
+                  <a:srgbClr val="000000"/>
+                </a:solidFill>
+                <a:latin typeface="Consolas" panose="020B0609020204030204" pitchFamily="49" charset="0"/>
+              </a:rPr>
+              <a:t>&lt;</a:t>
+            </a:r>
+            <a:r>
+              <a:rPr lang="en-US" sz="900" dirty="0" smtClean="0">
+                <a:solidFill>
+                  <a:srgbClr val="0000FF"/>
+                </a:solidFill>
+                <a:latin typeface="Consolas" panose="020B0609020204030204" pitchFamily="49" charset="0"/>
+              </a:rPr>
+              <a:t>Hello</a:t>
+            </a:r>
+            <a:r>
+              <a:rPr lang="en-US" sz="900" dirty="0">
+                <a:solidFill>
+                  <a:srgbClr val="000000"/>
+                </a:solidFill>
+                <a:latin typeface="Consolas" panose="020B0609020204030204" pitchFamily="49" charset="0"/>
+              </a:rPr>
+              <a:t>&gt; </a:t>
+            </a:r>
+            <a:r>
               <a:rPr lang="en-US" sz="900" dirty="0" err="1" smtClean="0">
                 <a:solidFill>
-                  <a:srgbClr val="0000FF"/>
-                </a:solidFill>
-                <a:latin typeface="Consolas" panose="020B0609020204030204" pitchFamily="49" charset="0"/>
-              </a:rPr>
-              <a:t>Registrator</a:t>
+                  <a:srgbClr val="000080"/>
+                </a:solidFill>
+                <a:latin typeface="Consolas" panose="020B0609020204030204" pitchFamily="49" charset="0"/>
+              </a:rPr>
+              <a:t>g_rec</a:t>
             </a:r>
             <a:r>
               <a:rPr lang="en-US" sz="900" dirty="0" smtClean="0">
@@ -6689,34 +6680,16 @@
                 </a:solidFill>
                 <a:latin typeface="Consolas" panose="020B0609020204030204" pitchFamily="49" charset="0"/>
               </a:rPr>
-              <a:t>&lt;</a:t>
-            </a:r>
-            <a:r>
-              <a:rPr lang="en-US" sz="900" dirty="0" smtClean="0">
-                <a:solidFill>
-                  <a:srgbClr val="0000FF"/>
-                </a:solidFill>
-                <a:latin typeface="Consolas" panose="020B0609020204030204" pitchFamily="49" charset="0"/>
-              </a:rPr>
-              <a:t>Hello</a:t>
+              <a:t>( </a:t>
             </a:r>
             <a:r>
               <a:rPr lang="en-US" sz="900" dirty="0">
                 <a:solidFill>
-                  <a:srgbClr val="000000"/>
-                </a:solidFill>
-                <a:latin typeface="Consolas" panose="020B0609020204030204" pitchFamily="49" charset="0"/>
-              </a:rPr>
-              <a:t>&gt; </a:t>
-            </a:r>
-            <a:r>
-              <a:rPr lang="en-US" sz="900" dirty="0" err="1">
-                <a:solidFill>
-                  <a:srgbClr val="000080"/>
-                </a:solidFill>
-                <a:latin typeface="Consolas" panose="020B0609020204030204" pitchFamily="49" charset="0"/>
-              </a:rPr>
-              <a:t>g_reg</a:t>
+                  <a:srgbClr val="A31515"/>
+                </a:solidFill>
+                <a:latin typeface="Consolas" panose="020B0609020204030204" pitchFamily="49" charset="0"/>
+              </a:rPr>
+              <a:t>"Hello"</a:t>
             </a:r>
             <a:r>
               <a:rPr lang="en-US" sz="900" dirty="0">
@@ -6725,32 +6698,8 @@
                 </a:solidFill>
                 <a:latin typeface="Consolas" panose="020B0609020204030204" pitchFamily="49" charset="0"/>
               </a:rPr>
-              <a:t>( </a:t>
-            </a:r>
-            <a:r>
-              <a:rPr lang="en-US" sz="900" dirty="0">
-                <a:solidFill>
-                  <a:srgbClr val="A31515"/>
-                </a:solidFill>
-                <a:latin typeface="Consolas" panose="020B0609020204030204" pitchFamily="49" charset="0"/>
-              </a:rPr>
-              <a:t>"Hello"</a:t>
-            </a:r>
-            <a:r>
-              <a:rPr lang="en-US" sz="900" dirty="0">
-                <a:solidFill>
-                  <a:srgbClr val="000000"/>
-                </a:solidFill>
-                <a:latin typeface="Consolas" panose="020B0609020204030204" pitchFamily="49" charset="0"/>
-              </a:rPr>
               <a:t> );</a:t>
             </a:r>
-            <a:endParaRPr lang="en-US" sz="900" dirty="0">
-              <a:solidFill>
-                <a:srgbClr val="000000"/>
-              </a:solidFill>
-              <a:latin typeface="Consolas" panose="020B0609020204030204" pitchFamily="49" charset="0"/>
-            </a:endParaRPr>
           </a:p>
         </p:txBody>
       </p:sp>
@@ -6762,7 +6711,7 @@
         </p:nvSpPr>
         <p:spPr>
           <a:xfrm>
-            <a:off x="5486400" y="4339004"/>
+            <a:off x="5486400" y="4034204"/>
             <a:ext cx="2743200" cy="1833196"/>
           </a:xfrm>
           <a:prstGeom prst="roundRect">
@@ -7064,7 +7013,7 @@
         </p:nvCxnSpPr>
         <p:spPr>
           <a:xfrm flipH="1" flipV="1">
-            <a:off x="4572000" y="3429000"/>
+            <a:off x="4572000" y="3124200"/>
             <a:ext cx="2286000" cy="910004"/>
           </a:xfrm>
           <a:prstGeom prst="straightConnector1">
@@ -7101,7 +7050,7 @@
         </p:nvCxnSpPr>
         <p:spPr>
           <a:xfrm flipV="1">
-            <a:off x="2286000" y="3429000"/>
+            <a:off x="2286000" y="3124200"/>
             <a:ext cx="2286000" cy="910004"/>
           </a:xfrm>
           <a:prstGeom prst="straightConnector1">
@@ -8499,25 +8448,7 @@
               <a:t> </a:t>
             </a:r>
             <a:r>
-              <a:rPr lang="en-US" sz="1100" dirty="0">
-                <a:solidFill>
-                  <a:srgbClr val="0000FF"/>
-                </a:solidFill>
-                <a:latin typeface="Consolas" panose="020B0609020204030204" pitchFamily="49" charset="0"/>
-              </a:rPr>
-              <a:t>SDK_NS</a:t>
-            </a:r>
-            <a:r>
-              <a:rPr lang="en-US" sz="1100" dirty="0">
-                <a:solidFill>
-                  <a:srgbClr val="000000"/>
-                </a:solidFill>
-                <a:latin typeface="Consolas" panose="020B0609020204030204" pitchFamily="49" charset="0"/>
-              </a:rPr>
-              <a:t>::</a:t>
-            </a:r>
-            <a:r>
-              <a:rPr lang="en-US" sz="1100" dirty="0">
+              <a:rPr lang="en-US" sz="1100" dirty="0" smtClean="0">
                 <a:solidFill>
                   <a:srgbClr val="0000FF"/>
                 </a:solidFill>
@@ -8526,7 +8457,7 @@
               <a:t>Factory</a:t>
             </a:r>
             <a:r>
-              <a:rPr lang="en-US" sz="1100" dirty="0">
+              <a:rPr lang="en-US" sz="1100" dirty="0" smtClean="0">
                 <a:solidFill>
                   <a:srgbClr val="000000"/>
                 </a:solidFill>
@@ -8535,7 +8466,7 @@
               <a:t>&lt;</a:t>
             </a:r>
             <a:r>
-              <a:rPr lang="en-US" sz="1100" dirty="0">
+              <a:rPr lang="en-US" sz="1100" dirty="0" smtClean="0">
                 <a:solidFill>
                   <a:srgbClr val="0000FF"/>
                 </a:solidFill>
@@ -8937,25 +8868,7 @@
               <a:t> </a:t>
             </a:r>
             <a:r>
-              <a:rPr lang="en-US" sz="1100" dirty="0">
-                <a:solidFill>
-                  <a:srgbClr val="0000FF"/>
-                </a:solidFill>
-                <a:latin typeface="Consolas" panose="020B0609020204030204" pitchFamily="49" charset="0"/>
-              </a:rPr>
-              <a:t>SDK_NS</a:t>
-            </a:r>
-            <a:r>
-              <a:rPr lang="en-US" sz="1100" dirty="0">
-                <a:solidFill>
-                  <a:srgbClr val="000000"/>
-                </a:solidFill>
-                <a:latin typeface="Consolas" panose="020B0609020204030204" pitchFamily="49" charset="0"/>
-              </a:rPr>
-              <a:t>::</a:t>
-            </a:r>
-            <a:r>
-              <a:rPr lang="en-US" sz="1100" dirty="0">
+              <a:rPr lang="en-US" sz="1100" dirty="0" smtClean="0">
                 <a:solidFill>
                   <a:srgbClr val="0000FF"/>
                 </a:solidFill>
@@ -8964,7 +8877,7 @@
               <a:t>Factory</a:t>
             </a:r>
             <a:r>
-              <a:rPr lang="en-US" sz="1100" dirty="0">
+              <a:rPr lang="en-US" sz="1100" dirty="0" smtClean="0">
                 <a:solidFill>
                   <a:srgbClr val="000000"/>
                 </a:solidFill>
@@ -8973,7 +8886,7 @@
               <a:t>&lt;</a:t>
             </a:r>
             <a:r>
-              <a:rPr lang="en-US" sz="1100" dirty="0">
+              <a:rPr lang="en-US" sz="1100" dirty="0" smtClean="0">
                 <a:solidFill>
                   <a:srgbClr val="0000FF"/>
                 </a:solidFill>
@@ -9932,13 +9845,13 @@
               <a:t> </a:t>
             </a:r>
             <a:r>
-              <a:rPr lang="en-US" sz="1100" dirty="0" err="1">
-                <a:solidFill>
-                  <a:srgbClr val="0000FF"/>
-                </a:solidFill>
-                <a:latin typeface="Consolas" panose="020B0609020204030204" pitchFamily="49" charset="0"/>
-              </a:rPr>
-              <a:t>Registrator</a:t>
+              <a:rPr lang="en-US" sz="1100" dirty="0" smtClean="0">
+                <a:solidFill>
+                  <a:srgbClr val="0000FF"/>
+                </a:solidFill>
+                <a:latin typeface="Consolas" panose="020B0609020204030204" pitchFamily="49" charset="0"/>
+              </a:rPr>
+              <a:t>Record</a:t>
             </a:r>
             <a:endParaRPr lang="en-US" sz="1100" dirty="0">
               <a:solidFill>
@@ -9995,22 +9908,40 @@
               <a:t>  </a:t>
             </a:r>
             <a:r>
+              <a:rPr lang="en-US" sz="1100" dirty="0" smtClean="0">
+                <a:solidFill>
+                  <a:srgbClr val="0000FF"/>
+                </a:solidFill>
+                <a:latin typeface="Consolas" panose="020B0609020204030204" pitchFamily="49" charset="0"/>
+              </a:rPr>
+              <a:t>Record</a:t>
+            </a:r>
+            <a:r>
+              <a:rPr lang="en-US" sz="1100" dirty="0" smtClean="0">
+                <a:solidFill>
+                  <a:srgbClr val="000000"/>
+                </a:solidFill>
+                <a:latin typeface="Consolas" panose="020B0609020204030204" pitchFamily="49" charset="0"/>
+              </a:rPr>
+              <a:t>( </a:t>
+            </a:r>
+            <a:r>
               <a:rPr lang="en-US" sz="1100" dirty="0" err="1">
                 <a:solidFill>
                   <a:srgbClr val="0000FF"/>
                 </a:solidFill>
                 <a:latin typeface="Consolas" panose="020B0609020204030204" pitchFamily="49" charset="0"/>
               </a:rPr>
-              <a:t>Registrator</a:t>
-            </a:r>
-            <a:r>
-              <a:rPr lang="en-US" sz="1100" dirty="0">
-                <a:solidFill>
-                  <a:srgbClr val="000000"/>
-                </a:solidFill>
-                <a:latin typeface="Consolas" panose="020B0609020204030204" pitchFamily="49" charset="0"/>
-              </a:rPr>
-              <a:t>( </a:t>
+              <a:t>const</a:t>
+            </a:r>
+            <a:r>
+              <a:rPr lang="en-US" sz="1100" dirty="0">
+                <a:solidFill>
+                  <a:srgbClr val="000000"/>
+                </a:solidFill>
+                <a:latin typeface="Consolas" panose="020B0609020204030204" pitchFamily="49" charset="0"/>
+              </a:rPr>
+              <a:t> </a:t>
             </a:r>
             <a:r>
               <a:rPr lang="en-US" sz="1100" dirty="0" err="1">
@@ -10019,7 +9950,43 @@
                 </a:solidFill>
                 <a:latin typeface="Consolas" panose="020B0609020204030204" pitchFamily="49" charset="0"/>
               </a:rPr>
-              <a:t>const</a:t>
+              <a:t>std</a:t>
+            </a:r>
+            <a:r>
+              <a:rPr lang="en-US" sz="1100" dirty="0">
+                <a:solidFill>
+                  <a:srgbClr val="000000"/>
+                </a:solidFill>
+                <a:latin typeface="Consolas" panose="020B0609020204030204" pitchFamily="49" charset="0"/>
+              </a:rPr>
+              <a:t>::</a:t>
+            </a:r>
+            <a:r>
+              <a:rPr lang="en-US" sz="1100" dirty="0">
+                <a:solidFill>
+                  <a:srgbClr val="0000FF"/>
+                </a:solidFill>
+                <a:latin typeface="Consolas" panose="020B0609020204030204" pitchFamily="49" charset="0"/>
+              </a:rPr>
+              <a:t>string</a:t>
+            </a:r>
+            <a:r>
+              <a:rPr lang="en-US" sz="1100" dirty="0">
+                <a:solidFill>
+                  <a:srgbClr val="000000"/>
+                </a:solidFill>
+                <a:latin typeface="Consolas" panose="020B0609020204030204" pitchFamily="49" charset="0"/>
+              </a:rPr>
+              <a:t>&amp; </a:t>
+            </a:r>
+            <a:r>
+              <a:rPr lang="en-US" sz="1100" dirty="0" err="1">
+                <a:solidFill>
+                  <a:srgbClr val="000080"/>
+                </a:solidFill>
+                <a:latin typeface="Consolas" panose="020B0609020204030204" pitchFamily="49" charset="0"/>
+              </a:rPr>
+              <a:t>i_name</a:t>
             </a:r>
             <a:r>
               <a:rPr lang="en-US" sz="1100" dirty="0">
@@ -10031,40 +9998,42 @@
               <a:t> </a:t>
             </a:r>
             <a:r>
+              <a:rPr lang="en-US" sz="1100" dirty="0" smtClean="0">
+                <a:solidFill>
+                  <a:srgbClr val="000000"/>
+                </a:solidFill>
+                <a:latin typeface="Consolas" panose="020B0609020204030204" pitchFamily="49" charset="0"/>
+              </a:rPr>
+              <a:t>)</a:t>
+            </a:r>
+          </a:p>
+          <a:p>
+            <a:r>
+              <a:rPr lang="en-US" sz="1100" dirty="0" smtClean="0">
+                <a:solidFill>
+                  <a:srgbClr val="000000"/>
+                </a:solidFill>
+                <a:latin typeface="Consolas" panose="020B0609020204030204" pitchFamily="49" charset="0"/>
+              </a:rPr>
+              <a:t>    : </a:t>
+            </a:r>
+            <a:r>
               <a:rPr lang="en-US" sz="1100" dirty="0" err="1">
                 <a:solidFill>
-                  <a:srgbClr val="0000FF"/>
-                </a:solidFill>
-                <a:latin typeface="Consolas" panose="020B0609020204030204" pitchFamily="49" charset="0"/>
-              </a:rPr>
-              <a:t>std</a:t>
-            </a:r>
-            <a:r>
-              <a:rPr lang="en-US" sz="1100" dirty="0">
-                <a:solidFill>
-                  <a:srgbClr val="000000"/>
-                </a:solidFill>
-                <a:latin typeface="Consolas" panose="020B0609020204030204" pitchFamily="49" charset="0"/>
-              </a:rPr>
-              <a:t>::</a:t>
-            </a:r>
-            <a:r>
-              <a:rPr lang="en-US" sz="1100" dirty="0">
-                <a:solidFill>
-                  <a:srgbClr val="0000FF"/>
-                </a:solidFill>
-                <a:latin typeface="Consolas" panose="020B0609020204030204" pitchFamily="49" charset="0"/>
-              </a:rPr>
-              <a:t>string</a:t>
-            </a:r>
-            <a:r>
-              <a:rPr lang="en-US" sz="1100" dirty="0">
-                <a:solidFill>
-                  <a:srgbClr val="000000"/>
-                </a:solidFill>
-                <a:latin typeface="Consolas" panose="020B0609020204030204" pitchFamily="49" charset="0"/>
-              </a:rPr>
-              <a:t>&amp; </a:t>
+                  <a:srgbClr val="000080"/>
+                </a:solidFill>
+                <a:latin typeface="Consolas" panose="020B0609020204030204" pitchFamily="49" charset="0"/>
+              </a:rPr>
+              <a:t>d_name</a:t>
+            </a:r>
+            <a:r>
+              <a:rPr lang="en-US" sz="1100" dirty="0">
+                <a:solidFill>
+                  <a:srgbClr val="000000"/>
+                </a:solidFill>
+                <a:latin typeface="Consolas" panose="020B0609020204030204" pitchFamily="49" charset="0"/>
+              </a:rPr>
+              <a:t>{ </a:t>
             </a:r>
             <a:r>
               <a:rPr lang="en-US" sz="1100" dirty="0" err="1">
@@ -10082,8 +10051,10 @@
                 </a:solidFill>
                 <a:latin typeface="Consolas" panose="020B0609020204030204" pitchFamily="49" charset="0"/>
               </a:rPr>
-              <a:t> </a:t>
-            </a:r>
+              <a:t> }</a:t>
+            </a:r>
+          </a:p>
+          <a:p>
             <a:r>
               <a:rPr lang="en-US" sz="1100" dirty="0" smtClean="0">
                 <a:solidFill>
@@ -10091,7 +10062,16 @@
                 </a:solidFill>
                 <a:latin typeface="Consolas" panose="020B0609020204030204" pitchFamily="49" charset="0"/>
               </a:rPr>
-              <a:t>)</a:t>
+              <a:t>  </a:t>
+            </a:r>
+            <a:r>
+              <a:rPr lang="en-US" sz="1100" dirty="0">
+                <a:solidFill>
+                  <a:srgbClr val="000000"/>
+                </a:solidFill>
+                <a:latin typeface="Consolas" panose="020B0609020204030204" pitchFamily="49" charset="0"/>
+              </a:rPr>
+              <a:t>{</a:t>
             </a:r>
           </a:p>
           <a:p>
@@ -10102,46 +10082,17 @@
                 </a:solidFill>
                 <a:latin typeface="Consolas" panose="020B0609020204030204" pitchFamily="49" charset="0"/>
               </a:rPr>
-              <a:t>    : </a:t>
-            </a:r>
-            <a:r>
-              <a:rPr lang="en-US" sz="1100" dirty="0" err="1">
-                <a:solidFill>
-                  <a:srgbClr val="000080"/>
-                </a:solidFill>
-                <a:latin typeface="Consolas" panose="020B0609020204030204" pitchFamily="49" charset="0"/>
-              </a:rPr>
-              <a:t>d_name</a:t>
-            </a:r>
-            <a:r>
-              <a:rPr lang="en-US" sz="1100" dirty="0">
-                <a:solidFill>
-                  <a:srgbClr val="000000"/>
-                </a:solidFill>
-                <a:latin typeface="Consolas" panose="020B0609020204030204" pitchFamily="49" charset="0"/>
-              </a:rPr>
-              <a:t>{ </a:t>
-            </a:r>
-            <a:r>
-              <a:rPr lang="en-US" sz="1100" dirty="0" err="1">
-                <a:solidFill>
-                  <a:srgbClr val="000080"/>
-                </a:solidFill>
-                <a:latin typeface="Consolas" panose="020B0609020204030204" pitchFamily="49" charset="0"/>
-              </a:rPr>
-              <a:t>i_name</a:t>
-            </a:r>
-            <a:r>
-              <a:rPr lang="en-US" sz="1100" dirty="0">
-                <a:solidFill>
-                  <a:srgbClr val="000000"/>
-                </a:solidFill>
-                <a:latin typeface="Consolas" panose="020B0609020204030204" pitchFamily="49" charset="0"/>
-              </a:rPr>
-              <a:t> }</a:t>
-            </a:r>
-          </a:p>
-          <a:p>
+              <a:t>    </a:t>
+            </a:r>
+            <a:r>
+              <a:rPr lang="en-US" sz="1100" dirty="0" err="1" smtClean="0">
+                <a:solidFill>
+                  <a:srgbClr val="880000"/>
+                </a:solidFill>
+                <a:latin typeface="Consolas" panose="020B0609020204030204" pitchFamily="49" charset="0"/>
+              </a:rPr>
+              <a:t>GetFactory</a:t>
+            </a:r>
             <a:r>
               <a:rPr lang="en-US" sz="1100" dirty="0" smtClean="0">
                 <a:solidFill>
@@ -10149,31 +10100,11 @@
                 </a:solidFill>
                 <a:latin typeface="Consolas" panose="020B0609020204030204" pitchFamily="49" charset="0"/>
               </a:rPr>
-              <a:t>  </a:t>
-            </a:r>
-            <a:r>
-              <a:rPr lang="en-US" sz="1100" dirty="0">
-                <a:solidFill>
-                  <a:srgbClr val="000000"/>
-                </a:solidFill>
-                <a:latin typeface="Consolas" panose="020B0609020204030204" pitchFamily="49" charset="0"/>
-              </a:rPr>
-              <a:t>{</a:t>
-            </a:r>
-          </a:p>
-          <a:p>
+              <a:t>&lt;</a:t>
+            </a:r>
             <a:r>
               <a:rPr lang="en-US" sz="1100" dirty="0" smtClean="0">
                 <a:solidFill>
-                  <a:srgbClr val="000000"/>
-                </a:solidFill>
-                <a:latin typeface="Consolas" panose="020B0609020204030204" pitchFamily="49" charset="0"/>
-              </a:rPr>
-              <a:t>    </a:t>
-            </a:r>
-            <a:r>
-              <a:rPr lang="en-US" sz="1100" dirty="0">
-                <a:solidFill>
                   <a:srgbClr val="0000FF"/>
                 </a:solidFill>
                 <a:latin typeface="Consolas" panose="020B0609020204030204" pitchFamily="49" charset="0"/>
@@ -10181,31 +10112,13 @@
               <a:t>T</a:t>
             </a:r>
             <a:r>
-              <a:rPr lang="en-US" sz="1100" dirty="0">
-                <a:solidFill>
-                  <a:srgbClr val="000000"/>
-                </a:solidFill>
-                <a:latin typeface="Consolas" panose="020B0609020204030204" pitchFamily="49" charset="0"/>
-              </a:rPr>
-              <a:t>::</a:t>
-            </a:r>
-            <a:r>
-              <a:rPr lang="en-US" sz="1100" dirty="0">
-                <a:solidFill>
-                  <a:srgbClr val="880000"/>
-                </a:solidFill>
-                <a:latin typeface="Consolas" panose="020B0609020204030204" pitchFamily="49" charset="0"/>
-              </a:rPr>
-              <a:t>GetFactory</a:t>
-            </a:r>
-            <a:r>
-              <a:rPr lang="en-US" sz="1100" dirty="0">
-                <a:solidFill>
-                  <a:srgbClr val="000000"/>
-                </a:solidFill>
-                <a:latin typeface="Consolas" panose="020B0609020204030204" pitchFamily="49" charset="0"/>
-              </a:rPr>
-              <a:t>().</a:t>
+              <a:rPr lang="en-US" sz="1100" dirty="0" smtClean="0">
+                <a:solidFill>
+                  <a:srgbClr val="000000"/>
+                </a:solidFill>
+                <a:latin typeface="Consolas" panose="020B0609020204030204" pitchFamily="49" charset="0"/>
+              </a:rPr>
+              <a:t>&gt;().</a:t>
             </a:r>
             <a:r>
               <a:rPr lang="en-US" sz="1100" dirty="0">
@@ -10310,16 +10223,16 @@
               <a:t>~</a:t>
             </a:r>
             <a:r>
-              <a:rPr lang="en-US" sz="1100" dirty="0" err="1">
-                <a:solidFill>
-                  <a:srgbClr val="0000FF"/>
-                </a:solidFill>
-                <a:latin typeface="Consolas" panose="020B0609020204030204" pitchFamily="49" charset="0"/>
-              </a:rPr>
-              <a:t>Registrator</a:t>
-            </a:r>
-            <a:r>
-              <a:rPr lang="en-US" sz="1100" dirty="0">
+              <a:rPr lang="en-US" sz="1100" dirty="0" smtClean="0">
+                <a:solidFill>
+                  <a:srgbClr val="0000FF"/>
+                </a:solidFill>
+                <a:latin typeface="Consolas" panose="020B0609020204030204" pitchFamily="49" charset="0"/>
+              </a:rPr>
+              <a:t>Record</a:t>
+            </a:r>
+            <a:r>
+              <a:rPr lang="en-US" sz="1100" dirty="0" smtClean="0">
                 <a:solidFill>
                   <a:srgbClr val="000000"/>
                 </a:solidFill>
@@ -10327,131 +10240,6 @@
               </a:rPr>
               <a:t>()</a:t>
             </a:r>
-          </a:p>
-          <a:p>
-            <a:r>
-              <a:rPr lang="en-US" sz="1100" dirty="0" smtClean="0">
-                <a:solidFill>
-                  <a:srgbClr val="000000"/>
-                </a:solidFill>
-                <a:latin typeface="Consolas" panose="020B0609020204030204" pitchFamily="49" charset="0"/>
-              </a:rPr>
-              <a:t>  </a:t>
-            </a:r>
-            <a:r>
-              <a:rPr lang="en-US" sz="1100" dirty="0">
-                <a:solidFill>
-                  <a:srgbClr val="000000"/>
-                </a:solidFill>
-                <a:latin typeface="Consolas" panose="020B0609020204030204" pitchFamily="49" charset="0"/>
-              </a:rPr>
-              <a:t>{</a:t>
-            </a:r>
-          </a:p>
-          <a:p>
-            <a:r>
-              <a:rPr lang="en-US" sz="1100" dirty="0" smtClean="0">
-                <a:solidFill>
-                  <a:srgbClr val="000000"/>
-                </a:solidFill>
-                <a:latin typeface="Consolas" panose="020B0609020204030204" pitchFamily="49" charset="0"/>
-              </a:rPr>
-              <a:t>    </a:t>
-            </a:r>
-            <a:r>
-              <a:rPr lang="en-US" sz="1100" dirty="0">
-                <a:solidFill>
-                  <a:srgbClr val="0000FF"/>
-                </a:solidFill>
-                <a:latin typeface="Consolas" panose="020B0609020204030204" pitchFamily="49" charset="0"/>
-              </a:rPr>
-              <a:t>T</a:t>
-            </a:r>
-            <a:r>
-              <a:rPr lang="en-US" sz="1100" dirty="0">
-                <a:solidFill>
-                  <a:srgbClr val="000000"/>
-                </a:solidFill>
-                <a:latin typeface="Consolas" panose="020B0609020204030204" pitchFamily="49" charset="0"/>
-              </a:rPr>
-              <a:t>::</a:t>
-            </a:r>
-            <a:r>
-              <a:rPr lang="en-US" sz="1100" dirty="0">
-                <a:solidFill>
-                  <a:srgbClr val="880000"/>
-                </a:solidFill>
-                <a:latin typeface="Consolas" panose="020B0609020204030204" pitchFamily="49" charset="0"/>
-              </a:rPr>
-              <a:t>GetFactory</a:t>
-            </a:r>
-            <a:r>
-              <a:rPr lang="en-US" sz="1100" dirty="0">
-                <a:solidFill>
-                  <a:srgbClr val="000000"/>
-                </a:solidFill>
-                <a:latin typeface="Consolas" panose="020B0609020204030204" pitchFamily="49" charset="0"/>
-              </a:rPr>
-              <a:t>().</a:t>
-            </a:r>
-            <a:r>
-              <a:rPr lang="en-US" sz="1100" dirty="0">
-                <a:solidFill>
-                  <a:srgbClr val="880000"/>
-                </a:solidFill>
-                <a:latin typeface="Consolas" panose="020B0609020204030204" pitchFamily="49" charset="0"/>
-              </a:rPr>
-              <a:t>remove</a:t>
-            </a:r>
-            <a:r>
-              <a:rPr lang="en-US" sz="1100" dirty="0">
-                <a:solidFill>
-                  <a:srgbClr val="000000"/>
-                </a:solidFill>
-                <a:latin typeface="Consolas" panose="020B0609020204030204" pitchFamily="49" charset="0"/>
-              </a:rPr>
-              <a:t>( </a:t>
-            </a:r>
-            <a:r>
-              <a:rPr lang="en-US" sz="1100" dirty="0" err="1">
-                <a:solidFill>
-                  <a:srgbClr val="000080"/>
-                </a:solidFill>
-                <a:latin typeface="Consolas" panose="020B0609020204030204" pitchFamily="49" charset="0"/>
-              </a:rPr>
-              <a:t>d_name</a:t>
-            </a:r>
-            <a:r>
-              <a:rPr lang="en-US" sz="1100" dirty="0">
-                <a:solidFill>
-                  <a:srgbClr val="000000"/>
-                </a:solidFill>
-                <a:latin typeface="Consolas" panose="020B0609020204030204" pitchFamily="49" charset="0"/>
-              </a:rPr>
-              <a:t> );</a:t>
-            </a:r>
-          </a:p>
-          <a:p>
-            <a:r>
-              <a:rPr lang="en-US" sz="1100" dirty="0" smtClean="0">
-                <a:solidFill>
-                  <a:srgbClr val="000000"/>
-                </a:solidFill>
-                <a:latin typeface="Consolas" panose="020B0609020204030204" pitchFamily="49" charset="0"/>
-              </a:rPr>
-              <a:t>  </a:t>
-            </a:r>
-            <a:r>
-              <a:rPr lang="en-US" sz="1100" dirty="0">
-                <a:solidFill>
-                  <a:srgbClr val="000000"/>
-                </a:solidFill>
-                <a:latin typeface="Consolas" panose="020B0609020204030204" pitchFamily="49" charset="0"/>
-              </a:rPr>
-              <a:t>}</a:t>
-            </a:r>
-          </a:p>
-          <a:p>
             <a:endParaRPr lang="en-US" sz="1100" dirty="0">
               <a:solidFill>
                 <a:srgbClr val="000000"/>
@@ -10463,6 +10251,137 @@
             <a:r>
               <a:rPr lang="en-US" sz="1100" dirty="0" smtClean="0">
                 <a:solidFill>
+                  <a:srgbClr val="000000"/>
+                </a:solidFill>
+                <a:latin typeface="Consolas" panose="020B0609020204030204" pitchFamily="49" charset="0"/>
+              </a:rPr>
+              <a:t>  </a:t>
+            </a:r>
+            <a:r>
+              <a:rPr lang="en-US" sz="1100" dirty="0">
+                <a:solidFill>
+                  <a:srgbClr val="000000"/>
+                </a:solidFill>
+                <a:latin typeface="Consolas" panose="020B0609020204030204" pitchFamily="49" charset="0"/>
+              </a:rPr>
+              <a:t>{</a:t>
+            </a:r>
+          </a:p>
+          <a:p>
+            <a:r>
+              <a:rPr lang="en-US" sz="1100" dirty="0" smtClean="0">
+                <a:solidFill>
+                  <a:srgbClr val="000000"/>
+                </a:solidFill>
+                <a:latin typeface="Consolas" panose="020B0609020204030204" pitchFamily="49" charset="0"/>
+              </a:rPr>
+              <a:t>    </a:t>
+            </a:r>
+            <a:r>
+              <a:rPr lang="en-US" sz="1100" dirty="0" err="1" smtClean="0">
+                <a:solidFill>
+                  <a:srgbClr val="880000"/>
+                </a:solidFill>
+                <a:latin typeface="Consolas" panose="020B0609020204030204" pitchFamily="49" charset="0"/>
+              </a:rPr>
+              <a:t>GetFactory</a:t>
+            </a:r>
+            <a:r>
+              <a:rPr lang="en-US" sz="1100" dirty="0">
+                <a:solidFill>
+                  <a:srgbClr val="000000"/>
+                </a:solidFill>
+                <a:latin typeface="Consolas" panose="020B0609020204030204" pitchFamily="49" charset="0"/>
+              </a:rPr>
+              <a:t>&lt;</a:t>
+            </a:r>
+            <a:r>
+              <a:rPr lang="en-US" sz="1100" dirty="0">
+                <a:solidFill>
+                  <a:srgbClr val="0000FF"/>
+                </a:solidFill>
+                <a:latin typeface="Consolas" panose="020B0609020204030204" pitchFamily="49" charset="0"/>
+              </a:rPr>
+              <a:t>T</a:t>
+            </a:r>
+            <a:r>
+              <a:rPr lang="en-US" sz="1100" dirty="0" smtClean="0">
+                <a:solidFill>
+                  <a:srgbClr val="000000"/>
+                </a:solidFill>
+                <a:latin typeface="Consolas" panose="020B0609020204030204" pitchFamily="49" charset="0"/>
+              </a:rPr>
+              <a:t>&gt;().</a:t>
+            </a:r>
+            <a:r>
+              <a:rPr lang="en-US" sz="1100" dirty="0">
+                <a:solidFill>
+                  <a:srgbClr val="880000"/>
+                </a:solidFill>
+                <a:latin typeface="Consolas" panose="020B0609020204030204" pitchFamily="49" charset="0"/>
+              </a:rPr>
+              <a:t>remove</a:t>
+            </a:r>
+            <a:r>
+              <a:rPr lang="en-US" sz="1100" dirty="0">
+                <a:solidFill>
+                  <a:srgbClr val="000000"/>
+                </a:solidFill>
+                <a:latin typeface="Consolas" panose="020B0609020204030204" pitchFamily="49" charset="0"/>
+              </a:rPr>
+              <a:t>( </a:t>
+            </a:r>
+            <a:r>
+              <a:rPr lang="en-US" sz="1100" dirty="0" err="1">
+                <a:solidFill>
+                  <a:srgbClr val="000080"/>
+                </a:solidFill>
+                <a:latin typeface="Consolas" panose="020B0609020204030204" pitchFamily="49" charset="0"/>
+              </a:rPr>
+              <a:t>d_name</a:t>
+            </a:r>
+            <a:r>
+              <a:rPr lang="en-US" sz="1100" dirty="0">
+                <a:solidFill>
+                  <a:srgbClr val="000000"/>
+                </a:solidFill>
+                <a:latin typeface="Consolas" panose="020B0609020204030204" pitchFamily="49" charset="0"/>
+              </a:rPr>
+              <a:t> );</a:t>
+            </a:r>
+          </a:p>
+          <a:p>
+            <a:r>
+              <a:rPr lang="en-US" sz="1100" dirty="0" smtClean="0">
+                <a:solidFill>
+                  <a:srgbClr val="000000"/>
+                </a:solidFill>
+                <a:latin typeface="Consolas" panose="020B0609020204030204" pitchFamily="49" charset="0"/>
+              </a:rPr>
+              <a:t>  </a:t>
+            </a:r>
+            <a:r>
+              <a:rPr lang="en-US" sz="1100" dirty="0">
+                <a:solidFill>
+                  <a:srgbClr val="000000"/>
+                </a:solidFill>
+                <a:latin typeface="Consolas" panose="020B0609020204030204" pitchFamily="49" charset="0"/>
+              </a:rPr>
+              <a:t>}</a:t>
+            </a:r>
+          </a:p>
+          <a:p>
+            <a:endParaRPr lang="en-US" sz="1100" dirty="0">
+              <a:solidFill>
+                <a:srgbClr val="000000"/>
+              </a:solidFill>
+              <a:latin typeface="Consolas" panose="020B0609020204030204" pitchFamily="49" charset="0"/>
+            </a:endParaRPr>
+          </a:p>
+          <a:p>
+            <a:r>
+              <a:rPr lang="en-US" sz="1100" dirty="0" smtClean="0">
+                <a:solidFill>
                   <a:srgbClr val="0000FF"/>
                 </a:solidFill>
                 <a:latin typeface="Consolas" panose="020B0609020204030204" pitchFamily="49" charset="0"/>
@@ -10680,34 +10599,16 @@
               <a:t>  </a:t>
             </a:r>
             <a:r>
-              <a:rPr lang="en-US" sz="1100" dirty="0">
-                <a:solidFill>
-                  <a:srgbClr val="0000FF"/>
-                </a:solidFill>
-                <a:latin typeface="Consolas" panose="020B0609020204030204" pitchFamily="49" charset="0"/>
-              </a:rPr>
-              <a:t>SDK_NS</a:t>
-            </a:r>
-            <a:r>
-              <a:rPr lang="en-US" sz="1100" dirty="0">
-                <a:solidFill>
-                  <a:srgbClr val="000000"/>
-                </a:solidFill>
-                <a:latin typeface="Consolas" panose="020B0609020204030204" pitchFamily="49" charset="0"/>
-              </a:rPr>
-              <a:t>::</a:t>
-            </a:r>
-            <a:r>
-              <a:rPr lang="en-US" sz="1100" dirty="0" err="1">
-                <a:solidFill>
-                  <a:srgbClr val="0000FF"/>
-                </a:solidFill>
-                <a:latin typeface="Consolas" panose="020B0609020204030204" pitchFamily="49" charset="0"/>
-              </a:rPr>
-              <a:t>Registrator</a:t>
-            </a:r>
-            <a:r>
-              <a:rPr lang="en-US" sz="1100" dirty="0">
+              <a:rPr lang="en-US" sz="1100" dirty="0" smtClean="0">
+                <a:solidFill>
+                  <a:srgbClr val="0000FF"/>
+                </a:solidFill>
+                <a:latin typeface="Consolas" panose="020B0609020204030204" pitchFamily="49" charset="0"/>
+              </a:rPr>
+              <a:t>Record</a:t>
+            </a:r>
+            <a:r>
+              <a:rPr lang="en-US" sz="1100" dirty="0" smtClean="0">
                 <a:solidFill>
                   <a:srgbClr val="000000"/>
                 </a:solidFill>
@@ -10716,25 +10617,7 @@
               <a:t>&lt;</a:t>
             </a:r>
             <a:r>
-              <a:rPr lang="en-US" sz="1100" dirty="0" err="1">
-                <a:solidFill>
-                  <a:srgbClr val="0000FF"/>
-                </a:solidFill>
-                <a:latin typeface="Consolas" panose="020B0609020204030204" pitchFamily="49" charset="0"/>
-              </a:rPr>
-              <a:t>Impl_NS</a:t>
-            </a:r>
-            <a:r>
-              <a:rPr lang="en-US" sz="1100" dirty="0">
-                <a:solidFill>
-                  <a:srgbClr val="000000"/>
-                </a:solidFill>
-                <a:latin typeface="Consolas" panose="020B0609020204030204" pitchFamily="49" charset="0"/>
-              </a:rPr>
-              <a:t>::</a:t>
-            </a:r>
-            <a:r>
-              <a:rPr lang="en-US" sz="1100" dirty="0">
+              <a:rPr lang="en-US" sz="1100" dirty="0" smtClean="0">
                 <a:solidFill>
                   <a:srgbClr val="0000FF"/>
                 </a:solidFill>
@@ -10752,16 +10635,16 @@
               <a:t>&gt; </a:t>
             </a:r>
             <a:r>
-              <a:rPr lang="en-US" sz="1100" dirty="0" err="1">
+              <a:rPr lang="en-US" sz="1100" dirty="0" err="1" smtClean="0">
                 <a:solidFill>
                   <a:srgbClr val="000080"/>
                 </a:solidFill>
                 <a:latin typeface="Consolas" panose="020B0609020204030204" pitchFamily="49" charset="0"/>
               </a:rPr>
-              <a:t>g_reg</a:t>
-            </a:r>
-            <a:r>
-              <a:rPr lang="en-US" sz="1100" dirty="0">
+              <a:t>g_rec</a:t>
+            </a:r>
+            <a:r>
+              <a:rPr lang="en-US" sz="1100" dirty="0" smtClean="0">
                 <a:solidFill>
                   <a:srgbClr val="000000"/>
                 </a:solidFill>
@@ -11721,15 +11604,6 @@
 </file>
 
 <file path=customXml/item2.xml><?xml version="1.0" encoding="utf-8"?>
-<?mso-contentType ?>
-<FormTemplates xmlns="http://schemas.microsoft.com/sharepoint/v3/contenttype/forms">
-  <Display>DocumentLibraryForm</Display>
-  <Edit>DocumentLibraryForm</Edit>
-  <New>DocumentLibraryForm</New>
-</FormTemplates>
-</file>
-
-<file path=customXml/item3.xml><?xml version="1.0" encoding="utf-8"?>
 <p:properties xmlns:p="http://schemas.microsoft.com/office/2006/metadata/properties" xmlns:xsi="http://www.w3.org/2001/XMLSchema-instance">
   <documentManagement>
     <Owner xmlns="34D62E00-98FB-40E8-AE1E-D5EFD9175257">
@@ -11743,6 +11617,15 @@
     <Document_x0020_Type xmlns="34D62E00-98FB-40E8-AE1E-D5EFD9175257"/>
   </documentManagement>
 </p:properties>
+</file>
+
+<file path=customXml/item3.xml><?xml version="1.0" encoding="utf-8"?>
+<?mso-contentType ?>
+<FormTemplates xmlns="http://schemas.microsoft.com/sharepoint/v3/contenttype/forms">
+  <Display>DocumentLibraryForm</Display>
+  <Edit>DocumentLibraryForm</Edit>
+  <New>DocumentLibraryForm</New>
+</FormTemplates>
 </file>
 
 <file path=customXml/itemProps1.xml><?xml version="1.0" encoding="utf-8"?>
@@ -11764,18 +11647,18 @@
 </file>
 
 <file path=customXml/itemProps2.xml><?xml version="1.0" encoding="utf-8"?>
-<ds:datastoreItem xmlns:ds="http://schemas.openxmlformats.org/officeDocument/2006/customXml" ds:itemID="{706BCA3A-298F-49A5-9C87-0369C2D57D5D}">
-  <ds:schemaRefs>
-    <ds:schemaRef ds:uri="http://schemas.microsoft.com/sharepoint/v3/contenttype/forms"/>
-  </ds:schemaRefs>
-</ds:datastoreItem>
-</file>
-
-<file path=customXml/itemProps3.xml><?xml version="1.0" encoding="utf-8"?>
 <ds:datastoreItem xmlns:ds="http://schemas.openxmlformats.org/officeDocument/2006/customXml" ds:itemID="{2E01FB30-919C-4B2A-945F-8520AB2D36EC}">
   <ds:schemaRefs>
     <ds:schemaRef ds:uri="http://schemas.microsoft.com/office/2006/metadata/properties"/>
     <ds:schemaRef ds:uri="34D62E00-98FB-40E8-AE1E-D5EFD9175257"/>
   </ds:schemaRefs>
 </ds:datastoreItem>
+</file>
+
+<file path=customXml/itemProps3.xml><?xml version="1.0" encoding="utf-8"?>
+<ds:datastoreItem xmlns:ds="http://schemas.openxmlformats.org/officeDocument/2006/customXml" ds:itemID="{706BCA3A-298F-49A5-9C87-0369C2D57D5D}">
+  <ds:schemaRefs>
+    <ds:schemaRef ds:uri="http://schemas.microsoft.com/sharepoint/v3/contenttype/forms"/>
+  </ds:schemaRefs>
+</ds:datastoreItem>
 </file>